--- a/figs/popcount.pptx
+++ b/figs/popcount.pptx
@@ -8314,45 +8314,6 @@
           </p:cxnSp>
           <p:cxnSp>
             <p:nvCxnSpPr>
-              <p:cNvPr id="165" name="Straight Connector 164">
-                <a:extLst>
-                  <a:ext uri="{FF2B5EF4-FFF2-40B4-BE49-F238E27FC236}">
-                    <a16:creationId xmlns:a16="http://schemas.microsoft.com/office/drawing/2014/main" id="{74E6CE05-5F38-A346-B8A4-F560316654E5}"/>
-                  </a:ext>
-                </a:extLst>
-              </p:cNvPr>
-              <p:cNvCxnSpPr>
-                <a:cxnSpLocks/>
-              </p:cNvCxnSpPr>
-              <p:nvPr/>
-            </p:nvCxnSpPr>
-            <p:spPr>
-              <a:xfrm>
-                <a:off x="6742875" y="3137532"/>
-                <a:ext cx="863873" cy="0"/>
-              </a:xfrm>
-              <a:prstGeom prst="line">
-                <a:avLst/>
-              </a:prstGeom>
-              <a:ln/>
-            </p:spPr>
-            <p:style>
-              <a:lnRef idx="2">
-                <a:schemeClr val="dk1"/>
-              </a:lnRef>
-              <a:fillRef idx="0">
-                <a:schemeClr val="dk1"/>
-              </a:fillRef>
-              <a:effectRef idx="1">
-                <a:schemeClr val="dk1"/>
-              </a:effectRef>
-              <a:fontRef idx="minor">
-                <a:schemeClr val="tx1"/>
-              </a:fontRef>
-            </p:style>
-          </p:cxnSp>
-          <p:cxnSp>
-            <p:nvCxnSpPr>
               <p:cNvPr id="169" name="Straight Connector 168">
                 <a:extLst>
                   <a:ext uri="{FF2B5EF4-FFF2-40B4-BE49-F238E27FC236}">
@@ -8362,13 +8323,14 @@
               </p:cNvPr>
               <p:cNvCxnSpPr>
                 <a:cxnSpLocks/>
+                <a:endCxn id="176" idx="6"/>
               </p:cNvCxnSpPr>
               <p:nvPr/>
             </p:nvCxnSpPr>
             <p:spPr>
               <a:xfrm>
                 <a:off x="1417168" y="6664164"/>
-                <a:ext cx="6189580" cy="0"/>
+                <a:ext cx="6083176" cy="0"/>
               </a:xfrm>
               <a:prstGeom prst="line">
                 <a:avLst/>
@@ -12401,75 +12363,6 @@
             </p:sp>
           </mc:Fallback>
         </mc:AlternateContent>
-        <p:pic>
-          <p:nvPicPr>
-            <p:cNvPr id="313" name="Picture 312">
-              <a:extLst>
-                <a:ext uri="{FF2B5EF4-FFF2-40B4-BE49-F238E27FC236}">
-                  <a16:creationId xmlns:a16="http://schemas.microsoft.com/office/drawing/2014/main" id="{4233A2AC-0E36-C944-9B97-DD6EEA738EA3}"/>
-                </a:ext>
-              </a:extLst>
-            </p:cNvPr>
-            <p:cNvPicPr>
-              <a:picLocks noChangeAspect="1"/>
-            </p:cNvPicPr>
-            <p:nvPr/>
-          </p:nvPicPr>
-          <p:blipFill>
-            <a:blip r:embed="rId5"/>
-            <a:stretch>
-              <a:fillRect/>
-            </a:stretch>
-          </p:blipFill>
-          <p:spPr>
-            <a:xfrm flipH="1">
-              <a:off x="7024907" y="4041943"/>
-              <a:ext cx="74284" cy="222853"/>
-            </a:xfrm>
-            <a:prstGeom prst="rect">
-              <a:avLst/>
-            </a:prstGeom>
-          </p:spPr>
-        </p:pic>
-        <p:cxnSp>
-          <p:nvCxnSpPr>
-            <p:cNvPr id="314" name="Straight Connector 313">
-              <a:extLst>
-                <a:ext uri="{FF2B5EF4-FFF2-40B4-BE49-F238E27FC236}">
-                  <a16:creationId xmlns:a16="http://schemas.microsoft.com/office/drawing/2014/main" id="{C675B5F0-511F-354E-AB7A-F0F8FEAC1D86}"/>
-                </a:ext>
-              </a:extLst>
-            </p:cNvPr>
-            <p:cNvCxnSpPr>
-              <a:cxnSpLocks/>
-            </p:cNvCxnSpPr>
-            <p:nvPr/>
-          </p:nvCxnSpPr>
-          <p:spPr>
-            <a:xfrm>
-              <a:off x="6742874" y="5277629"/>
-              <a:ext cx="863873" cy="0"/>
-            </a:xfrm>
-            <a:prstGeom prst="line">
-              <a:avLst/>
-            </a:prstGeom>
-            <a:ln/>
-          </p:spPr>
-          <p:style>
-            <a:lnRef idx="2">
-              <a:schemeClr val="dk1"/>
-            </a:lnRef>
-            <a:fillRef idx="0">
-              <a:schemeClr val="dk1"/>
-            </a:fillRef>
-            <a:effectRef idx="1">
-              <a:schemeClr val="dk1"/>
-            </a:effectRef>
-            <a:fontRef idx="minor">
-              <a:schemeClr val="tx1"/>
-            </a:fontRef>
-          </p:style>
-        </p:cxnSp>
         <mc:AlternateContent xmlns:mc="http://schemas.openxmlformats.org/markup-compatibility/2006">
           <mc:Choice xmlns:a14="http://schemas.microsoft.com/office/drawing/2010/main" Requires="a14">
             <p:sp>

--- a/figs/popcount.pptx
+++ b/figs/popcount.pptx
@@ -3873,9 +3873,9 @@
             <p:grpSpPr>
               <a:xfrm>
                 <a:off x="1409907" y="409361"/>
-                <a:ext cx="4411234" cy="6039277"/>
+                <a:ext cx="4421173" cy="6040264"/>
                 <a:chOff x="1336165" y="133369"/>
-                <a:chExt cx="4411234" cy="6039277"/>
+                <a:chExt cx="4421173" cy="6040264"/>
               </a:xfrm>
             </p:grpSpPr>
             <p:grpSp>
@@ -3913,7 +3913,7 @@
                 <p:spPr>
                   <a:xfrm>
                     <a:off x="1857043" y="673101"/>
-                    <a:ext cx="467058" cy="444504"/>
+                    <a:ext cx="512612" cy="444504"/>
                   </a:xfrm>
                   <a:prstGeom prst="rect">
                     <a:avLst/>
@@ -3956,6 +3956,19 @@
                       </a:rPr>
                       <a:t>ADD</a:t>
                     </a:r>
+                    <a:r>
+                      <a:rPr lang="en-US" sz="1200" baseline="-25000" dirty="0">
+                        <a:solidFill>
+                          <a:schemeClr val="tx1"/>
+                        </a:solidFill>
+                      </a:rPr>
+                      <a:t>1</a:t>
+                    </a:r>
+                    <a:endParaRPr lang="en-US" sz="1200" dirty="0">
+                      <a:solidFill>
+                        <a:schemeClr val="tx1"/>
+                      </a:solidFill>
+                    </a:endParaRPr>
                   </a:p>
                 </p:txBody>
               </p:sp>
@@ -4088,13 +4101,15 @@
                       </a:ext>
                     </a:extLst>
                   </p:cNvPr>
-                  <p:cNvCxnSpPr/>
+                  <p:cNvCxnSpPr>
+                    <a:cxnSpLocks/>
+                  </p:cNvCxnSpPr>
                   <p:nvPr/>
                 </p:nvCxnSpPr>
                 <p:spPr>
                   <a:xfrm>
-                    <a:off x="2328882" y="783464"/>
-                    <a:ext cx="508000" cy="0"/>
+                    <a:off x="2371431" y="783464"/>
+                    <a:ext cx="465451" cy="0"/>
                   </a:xfrm>
                   <a:prstGeom prst="line">
                     <a:avLst/>
@@ -4127,13 +4142,15 @@
                       </a:ext>
                     </a:extLst>
                   </p:cNvPr>
-                  <p:cNvCxnSpPr/>
+                  <p:cNvCxnSpPr>
+                    <a:cxnSpLocks/>
+                  </p:cNvCxnSpPr>
                   <p:nvPr/>
                 </p:nvCxnSpPr>
                 <p:spPr>
                   <a:xfrm>
-                    <a:off x="2324101" y="1002762"/>
-                    <a:ext cx="508000" cy="0"/>
+                    <a:off x="2361271" y="1002762"/>
+                    <a:ext cx="470830" cy="0"/>
                   </a:xfrm>
                   <a:prstGeom prst="line">
                     <a:avLst/>
@@ -4213,8 +4230,8 @@
               </p:nvSpPr>
               <p:spPr>
                 <a:xfrm>
-                  <a:off x="1856214" y="893746"/>
-                  <a:ext cx="467058" cy="444504"/>
+                  <a:off x="1856213" y="893746"/>
+                  <a:ext cx="510685" cy="444504"/>
                 </a:xfrm>
                 <a:prstGeom prst="rect">
                   <a:avLst/>
@@ -4257,6 +4274,19 @@
                     </a:rPr>
                     <a:t>ADD</a:t>
                   </a:r>
+                  <a:r>
+                    <a:rPr lang="en-US" sz="1200" baseline="-25000" dirty="0">
+                      <a:solidFill>
+                        <a:schemeClr val="tx1"/>
+                      </a:solidFill>
+                    </a:rPr>
+                    <a:t>1</a:t>
+                  </a:r>
+                  <a:endParaRPr lang="en-US" sz="1200" dirty="0">
+                    <a:solidFill>
+                      <a:schemeClr val="tx1"/>
+                    </a:solidFill>
+                  </a:endParaRPr>
                 </a:p>
               </p:txBody>
             </p:sp>
@@ -4389,13 +4419,15 @@
                     </a:ext>
                   </a:extLst>
                 </p:cNvPr>
-                <p:cNvCxnSpPr/>
+                <p:cNvCxnSpPr>
+                  <a:cxnSpLocks/>
+                </p:cNvCxnSpPr>
                 <p:nvPr/>
               </p:nvCxnSpPr>
               <p:spPr>
                 <a:xfrm>
-                  <a:off x="2328882" y="1004109"/>
-                  <a:ext cx="508000" cy="0"/>
+                  <a:off x="2364658" y="1004109"/>
+                  <a:ext cx="472224" cy="0"/>
                 </a:xfrm>
                 <a:prstGeom prst="line">
                   <a:avLst/>
@@ -4428,13 +4460,15 @@
                     </a:ext>
                   </a:extLst>
                 </p:cNvPr>
-                <p:cNvCxnSpPr/>
+                <p:cNvCxnSpPr>
+                  <a:cxnSpLocks/>
+                </p:cNvCxnSpPr>
                 <p:nvPr/>
               </p:nvCxnSpPr>
               <p:spPr>
                 <a:xfrm>
-                  <a:off x="2328882" y="1223407"/>
-                  <a:ext cx="508000" cy="0"/>
+                  <a:off x="2361271" y="1223407"/>
+                  <a:ext cx="475611" cy="0"/>
                 </a:xfrm>
                 <a:prstGeom prst="line">
                   <a:avLst/>
@@ -4513,8 +4547,8 @@
               </p:nvSpPr>
               <p:spPr>
                 <a:xfrm>
-                  <a:off x="1844165" y="1700601"/>
-                  <a:ext cx="467058" cy="444504"/>
+                  <a:off x="1844164" y="1700601"/>
+                  <a:ext cx="510334" cy="444504"/>
                 </a:xfrm>
                 <a:prstGeom prst="rect">
                   <a:avLst/>
@@ -4557,6 +4591,19 @@
                     </a:rPr>
                     <a:t>ADD</a:t>
                   </a:r>
+                  <a:r>
+                    <a:rPr lang="en-US" sz="1200" baseline="-25000" dirty="0">
+                      <a:solidFill>
+                        <a:schemeClr val="tx1"/>
+                      </a:solidFill>
+                    </a:rPr>
+                    <a:t>1</a:t>
+                  </a:r>
+                  <a:endParaRPr lang="en-US" sz="1200" dirty="0">
+                    <a:solidFill>
+                      <a:schemeClr val="tx1"/>
+                    </a:solidFill>
+                  </a:endParaRPr>
                 </a:p>
               </p:txBody>
             </p:sp>
@@ -4689,13 +4736,15 @@
                     </a:ext>
                   </a:extLst>
                 </p:cNvPr>
-                <p:cNvCxnSpPr/>
+                <p:cNvCxnSpPr>
+                  <a:cxnSpLocks/>
+                </p:cNvCxnSpPr>
                 <p:nvPr/>
               </p:nvCxnSpPr>
               <p:spPr>
                 <a:xfrm>
-                  <a:off x="2316833" y="1810964"/>
-                  <a:ext cx="508000" cy="0"/>
+                  <a:off x="2361271" y="1810964"/>
+                  <a:ext cx="463562" cy="0"/>
                 </a:xfrm>
                 <a:prstGeom prst="line">
                   <a:avLst/>
@@ -4728,13 +4777,15 @@
                     </a:ext>
                   </a:extLst>
                 </p:cNvPr>
-                <p:cNvCxnSpPr/>
+                <p:cNvCxnSpPr>
+                  <a:cxnSpLocks/>
+                </p:cNvCxnSpPr>
                 <p:nvPr/>
               </p:nvCxnSpPr>
               <p:spPr>
                 <a:xfrm>
-                  <a:off x="2316833" y="2030262"/>
-                  <a:ext cx="508000" cy="0"/>
+                  <a:off x="2361271" y="2030262"/>
+                  <a:ext cx="463562" cy="0"/>
                 </a:xfrm>
                 <a:prstGeom prst="line">
                   <a:avLst/>
@@ -4812,7 +4863,7 @@
               <p:spPr>
                 <a:xfrm>
                   <a:off x="1857043" y="2472702"/>
-                  <a:ext cx="467058" cy="444504"/>
+                  <a:ext cx="511002" cy="444504"/>
                 </a:xfrm>
                 <a:prstGeom prst="rect">
                   <a:avLst/>
@@ -4855,6 +4906,19 @@
                     </a:rPr>
                     <a:t>ADD</a:t>
                   </a:r>
+                  <a:r>
+                    <a:rPr lang="en-US" sz="1200" baseline="-25000" dirty="0">
+                      <a:solidFill>
+                        <a:schemeClr val="tx1"/>
+                      </a:solidFill>
+                    </a:rPr>
+                    <a:t>1</a:t>
+                  </a:r>
+                  <a:endParaRPr lang="en-US" sz="1200" dirty="0">
+                    <a:solidFill>
+                      <a:schemeClr val="tx1"/>
+                    </a:solidFill>
+                  </a:endParaRPr>
                 </a:p>
               </p:txBody>
             </p:sp>
@@ -4987,13 +5051,15 @@
                     </a:ext>
                   </a:extLst>
                 </p:cNvPr>
-                <p:cNvCxnSpPr/>
+                <p:cNvCxnSpPr>
+                  <a:cxnSpLocks/>
+                </p:cNvCxnSpPr>
                 <p:nvPr/>
               </p:nvCxnSpPr>
               <p:spPr>
                 <a:xfrm>
-                  <a:off x="2324101" y="2583065"/>
-                  <a:ext cx="508000" cy="0"/>
+                  <a:off x="2368045" y="2583065"/>
+                  <a:ext cx="464056" cy="0"/>
                 </a:xfrm>
                 <a:prstGeom prst="line">
                   <a:avLst/>
@@ -5026,13 +5092,15 @@
                     </a:ext>
                   </a:extLst>
                 </p:cNvPr>
-                <p:cNvCxnSpPr/>
+                <p:cNvCxnSpPr>
+                  <a:cxnSpLocks/>
+                </p:cNvCxnSpPr>
                 <p:nvPr/>
               </p:nvCxnSpPr>
               <p:spPr>
                 <a:xfrm>
-                  <a:off x="2324101" y="2802363"/>
-                  <a:ext cx="508000" cy="0"/>
+                  <a:off x="2364658" y="2802363"/>
+                  <a:ext cx="467443" cy="0"/>
                 </a:xfrm>
                 <a:prstGeom prst="line">
                   <a:avLst/>
@@ -5129,8 +5197,8 @@
                 </p:nvSpPr>
                 <p:spPr>
                   <a:xfrm>
-                    <a:off x="1857043" y="673101"/>
-                    <a:ext cx="467058" cy="444504"/>
+                    <a:off x="1857041" y="673101"/>
+                    <a:ext cx="513233" cy="444504"/>
                   </a:xfrm>
                   <a:prstGeom prst="rect">
                     <a:avLst/>
@@ -5173,6 +5241,19 @@
                       </a:rPr>
                       <a:t>ADD</a:t>
                     </a:r>
+                    <a:r>
+                      <a:rPr lang="en-US" sz="1200" baseline="-25000" dirty="0">
+                        <a:solidFill>
+                          <a:schemeClr val="tx1"/>
+                        </a:solidFill>
+                      </a:rPr>
+                      <a:t>1</a:t>
+                    </a:r>
+                    <a:endParaRPr lang="en-US" sz="1200" dirty="0">
+                      <a:solidFill>
+                        <a:schemeClr val="tx1"/>
+                      </a:solidFill>
+                    </a:endParaRPr>
                   </a:p>
                 </p:txBody>
               </p:sp>
@@ -5305,13 +5386,15 @@
                       </a:ext>
                     </a:extLst>
                   </p:cNvPr>
-                  <p:cNvCxnSpPr/>
+                  <p:cNvCxnSpPr>
+                    <a:cxnSpLocks/>
+                  </p:cNvCxnSpPr>
                   <p:nvPr/>
                 </p:nvCxnSpPr>
                 <p:spPr>
                   <a:xfrm>
-                    <a:off x="2324101" y="783464"/>
-                    <a:ext cx="508000" cy="0"/>
+                    <a:off x="2360115" y="783464"/>
+                    <a:ext cx="471986" cy="0"/>
                   </a:xfrm>
                   <a:prstGeom prst="line">
                     <a:avLst/>
@@ -5344,13 +5427,15 @@
                       </a:ext>
                     </a:extLst>
                   </p:cNvPr>
-                  <p:cNvCxnSpPr/>
+                  <p:cNvCxnSpPr>
+                    <a:cxnSpLocks/>
+                  </p:cNvCxnSpPr>
                   <p:nvPr/>
                 </p:nvCxnSpPr>
                 <p:spPr>
                   <a:xfrm>
-                    <a:off x="2324101" y="1002762"/>
-                    <a:ext cx="508000" cy="0"/>
+                    <a:off x="2366888" y="1002762"/>
+                    <a:ext cx="465213" cy="0"/>
                   </a:xfrm>
                   <a:prstGeom prst="line">
                     <a:avLst/>
@@ -5428,8 +5513,8 @@
               </p:nvSpPr>
               <p:spPr>
                 <a:xfrm>
-                  <a:off x="1845463" y="4000700"/>
-                  <a:ext cx="467058" cy="444504"/>
+                  <a:off x="1845462" y="4000700"/>
+                  <a:ext cx="512423" cy="444504"/>
                 </a:xfrm>
                 <a:prstGeom prst="rect">
                   <a:avLst/>
@@ -5472,6 +5557,19 @@
                     </a:rPr>
                     <a:t>ADD</a:t>
                   </a:r>
+                  <a:r>
+                    <a:rPr lang="en-US" sz="1200" baseline="-25000" dirty="0">
+                      <a:solidFill>
+                        <a:schemeClr val="tx1"/>
+                      </a:solidFill>
+                    </a:rPr>
+                    <a:t>1</a:t>
+                  </a:r>
+                  <a:endParaRPr lang="en-US" sz="1200" dirty="0">
+                    <a:solidFill>
+                      <a:schemeClr val="tx1"/>
+                    </a:solidFill>
+                  </a:endParaRPr>
                 </a:p>
               </p:txBody>
             </p:sp>
@@ -5604,13 +5702,15 @@
                     </a:ext>
                   </a:extLst>
                 </p:cNvPr>
-                <p:cNvCxnSpPr/>
+                <p:cNvCxnSpPr>
+                  <a:cxnSpLocks/>
+                </p:cNvCxnSpPr>
                 <p:nvPr/>
               </p:nvCxnSpPr>
               <p:spPr>
                 <a:xfrm>
-                  <a:off x="2312521" y="4111063"/>
-                  <a:ext cx="508000" cy="0"/>
+                  <a:off x="2354498" y="4111063"/>
+                  <a:ext cx="466023" cy="0"/>
                 </a:xfrm>
                 <a:prstGeom prst="line">
                   <a:avLst/>
@@ -5643,13 +5743,15 @@
                     </a:ext>
                   </a:extLst>
                 </p:cNvPr>
-                <p:cNvCxnSpPr/>
+                <p:cNvCxnSpPr>
+                  <a:cxnSpLocks/>
+                </p:cNvCxnSpPr>
                 <p:nvPr/>
               </p:nvCxnSpPr>
               <p:spPr>
                 <a:xfrm>
-                  <a:off x="2312521" y="4330361"/>
-                  <a:ext cx="508000" cy="0"/>
+                  <a:off x="2361271" y="4330361"/>
+                  <a:ext cx="459250" cy="0"/>
                 </a:xfrm>
                 <a:prstGeom prst="line">
                   <a:avLst/>
@@ -5726,8 +5828,8 @@
               </p:nvSpPr>
               <p:spPr>
                 <a:xfrm>
-                  <a:off x="1847374" y="4807555"/>
-                  <a:ext cx="467058" cy="444504"/>
+                  <a:off x="1847373" y="4807555"/>
+                  <a:ext cx="520672" cy="444504"/>
                 </a:xfrm>
                 <a:prstGeom prst="rect">
                   <a:avLst/>
@@ -5770,6 +5872,19 @@
                     </a:rPr>
                     <a:t>ADD</a:t>
                   </a:r>
+                  <a:r>
+                    <a:rPr lang="en-US" sz="1200" baseline="-25000" dirty="0">
+                      <a:solidFill>
+                        <a:schemeClr val="tx1"/>
+                      </a:solidFill>
+                    </a:rPr>
+                    <a:t>1</a:t>
+                  </a:r>
+                  <a:endParaRPr lang="en-US" sz="1200" dirty="0">
+                    <a:solidFill>
+                      <a:schemeClr val="tx1"/>
+                    </a:solidFill>
+                  </a:endParaRPr>
                 </a:p>
               </p:txBody>
             </p:sp>
@@ -5902,13 +6017,15 @@
                     </a:ext>
                   </a:extLst>
                 </p:cNvPr>
-                <p:cNvCxnSpPr/>
+                <p:cNvCxnSpPr>
+                  <a:cxnSpLocks/>
+                </p:cNvCxnSpPr>
                 <p:nvPr/>
               </p:nvCxnSpPr>
               <p:spPr>
                 <a:xfrm>
-                  <a:off x="2314432" y="4917918"/>
-                  <a:ext cx="508000" cy="0"/>
+                  <a:off x="2361271" y="4917918"/>
+                  <a:ext cx="461161" cy="0"/>
                 </a:xfrm>
                 <a:prstGeom prst="line">
                   <a:avLst/>
@@ -5941,13 +6058,15 @@
                     </a:ext>
                   </a:extLst>
                 </p:cNvPr>
-                <p:cNvCxnSpPr/>
+                <p:cNvCxnSpPr>
+                  <a:cxnSpLocks/>
+                </p:cNvCxnSpPr>
                 <p:nvPr/>
               </p:nvCxnSpPr>
               <p:spPr>
                 <a:xfrm>
-                  <a:off x="2314432" y="5137216"/>
-                  <a:ext cx="508000" cy="0"/>
+                  <a:off x="2371431" y="5137216"/>
+                  <a:ext cx="451001" cy="0"/>
                 </a:xfrm>
                 <a:prstGeom prst="line">
                   <a:avLst/>
@@ -6024,8 +6143,8 @@
               </p:nvSpPr>
               <p:spPr>
                 <a:xfrm>
-                  <a:off x="1851902" y="5579656"/>
-                  <a:ext cx="467058" cy="444504"/>
+                  <a:off x="1851901" y="5579656"/>
+                  <a:ext cx="516433" cy="444504"/>
                 </a:xfrm>
                 <a:prstGeom prst="rect">
                   <a:avLst/>
@@ -6068,6 +6187,19 @@
                     </a:rPr>
                     <a:t>ADD</a:t>
                   </a:r>
+                  <a:r>
+                    <a:rPr lang="en-US" sz="1200" baseline="-25000" dirty="0">
+                      <a:solidFill>
+                        <a:schemeClr val="tx1"/>
+                      </a:solidFill>
+                    </a:rPr>
+                    <a:t>1</a:t>
+                  </a:r>
+                  <a:endParaRPr lang="en-US" sz="1200" dirty="0">
+                    <a:solidFill>
+                      <a:schemeClr val="tx1"/>
+                    </a:solidFill>
+                  </a:endParaRPr>
                 </a:p>
               </p:txBody>
             </p:sp>
@@ -6200,13 +6332,15 @@
                     </a:ext>
                   </a:extLst>
                 </p:cNvPr>
-                <p:cNvCxnSpPr/>
+                <p:cNvCxnSpPr>
+                  <a:cxnSpLocks/>
+                </p:cNvCxnSpPr>
                 <p:nvPr/>
               </p:nvCxnSpPr>
               <p:spPr>
                 <a:xfrm>
-                  <a:off x="2318960" y="5690019"/>
-                  <a:ext cx="508000" cy="0"/>
+                  <a:off x="2361271" y="5690019"/>
+                  <a:ext cx="465689" cy="0"/>
                 </a:xfrm>
                 <a:prstGeom prst="line">
                   <a:avLst/>
@@ -6239,13 +6373,15 @@
                     </a:ext>
                   </a:extLst>
                 </p:cNvPr>
-                <p:cNvCxnSpPr/>
+                <p:cNvCxnSpPr>
+                  <a:cxnSpLocks/>
+                </p:cNvCxnSpPr>
                 <p:nvPr/>
               </p:nvCxnSpPr>
               <p:spPr>
                 <a:xfrm>
-                  <a:off x="2318960" y="5909317"/>
-                  <a:ext cx="508000" cy="0"/>
+                  <a:off x="2374818" y="5909317"/>
+                  <a:ext cx="452142" cy="0"/>
                 </a:xfrm>
                 <a:prstGeom prst="line">
                   <a:avLst/>
@@ -6323,7 +6459,7 @@
               <p:spPr>
                 <a:xfrm>
                   <a:off x="2837646" y="133369"/>
-                  <a:ext cx="467058" cy="1204875"/>
+                  <a:ext cx="512532" cy="1204875"/>
                 </a:xfrm>
                 <a:prstGeom prst="rect">
                   <a:avLst/>
@@ -6366,6 +6502,19 @@
                     </a:rPr>
                     <a:t>ADD</a:t>
                   </a:r>
+                  <a:r>
+                    <a:rPr lang="en-US" sz="1200" baseline="-25000" dirty="0">
+                      <a:solidFill>
+                        <a:schemeClr val="tx1"/>
+                      </a:solidFill>
+                    </a:rPr>
+                    <a:t>2</a:t>
+                  </a:r>
+                  <a:endParaRPr lang="en-US" sz="1200" dirty="0">
+                    <a:solidFill>
+                      <a:schemeClr val="tx1"/>
+                    </a:solidFill>
+                  </a:endParaRPr>
                 </a:p>
               </p:txBody>
             </p:sp>
@@ -6384,7 +6533,7 @@
               <p:spPr>
                 <a:xfrm>
                   <a:off x="2832101" y="1687192"/>
-                  <a:ext cx="467058" cy="1204875"/>
+                  <a:ext cx="511304" cy="1204875"/>
                 </a:xfrm>
                 <a:prstGeom prst="rect">
                   <a:avLst/>
@@ -6427,6 +6576,19 @@
                     </a:rPr>
                     <a:t>ADD</a:t>
                   </a:r>
+                  <a:r>
+                    <a:rPr lang="en-US" sz="1200" baseline="-25000" dirty="0">
+                      <a:solidFill>
+                        <a:schemeClr val="tx1"/>
+                      </a:solidFill>
+                    </a:rPr>
+                    <a:t>2</a:t>
+                  </a:r>
+                  <a:endParaRPr lang="en-US" sz="1200" dirty="0">
+                    <a:solidFill>
+                      <a:schemeClr val="tx1"/>
+                    </a:solidFill>
+                  </a:endParaRPr>
                 </a:p>
               </p:txBody>
             </p:sp>
@@ -6445,7 +6607,7 @@
               <p:spPr>
                 <a:xfrm>
                   <a:off x="2824833" y="3240329"/>
-                  <a:ext cx="467058" cy="1204875"/>
+                  <a:ext cx="511798" cy="1204875"/>
                 </a:xfrm>
                 <a:prstGeom prst="rect">
                   <a:avLst/>
@@ -6488,6 +6650,19 @@
                     </a:rPr>
                     <a:t>ADD</a:t>
                   </a:r>
+                  <a:r>
+                    <a:rPr lang="en-US" sz="1200" baseline="-25000" dirty="0">
+                      <a:solidFill>
+                        <a:schemeClr val="tx1"/>
+                      </a:solidFill>
+                    </a:rPr>
+                    <a:t>2</a:t>
+                  </a:r>
+                  <a:endParaRPr lang="en-US" sz="1200" dirty="0">
+                    <a:solidFill>
+                      <a:schemeClr val="tx1"/>
+                    </a:solidFill>
+                  </a:endParaRPr>
                 </a:p>
               </p:txBody>
             </p:sp>
@@ -6505,8 +6680,8 @@
               </p:nvSpPr>
               <p:spPr>
                 <a:xfrm>
-                  <a:off x="2826960" y="4807555"/>
-                  <a:ext cx="467058" cy="1204875"/>
+                  <a:off x="2826959" y="4807555"/>
+                  <a:ext cx="509959" cy="1204875"/>
                 </a:xfrm>
                 <a:prstGeom prst="rect">
                   <a:avLst/>
@@ -6549,6 +6724,19 @@
                     </a:rPr>
                     <a:t>ADD</a:t>
                   </a:r>
+                  <a:r>
+                    <a:rPr lang="en-US" sz="1200" baseline="-25000" dirty="0">
+                      <a:solidFill>
+                        <a:schemeClr val="tx1"/>
+                      </a:solidFill>
+                    </a:rPr>
+                    <a:t>2</a:t>
+                  </a:r>
+                  <a:endParaRPr lang="en-US" sz="1200" dirty="0">
+                    <a:solidFill>
+                      <a:schemeClr val="tx1"/>
+                    </a:solidFill>
+                  </a:endParaRPr>
                 </a:p>
               </p:txBody>
             </p:sp>
@@ -6893,13 +7081,15 @@
                     </a:ext>
                   </a:extLst>
                 </p:cNvPr>
-                <p:cNvCxnSpPr/>
+                <p:cNvCxnSpPr>
+                  <a:cxnSpLocks/>
+                </p:cNvCxnSpPr>
                 <p:nvPr/>
               </p:nvCxnSpPr>
               <p:spPr>
                 <a:xfrm>
-                  <a:off x="3299159" y="507580"/>
-                  <a:ext cx="508000" cy="0"/>
+                  <a:off x="3350178" y="507580"/>
+                  <a:ext cx="456981" cy="0"/>
                 </a:xfrm>
                 <a:prstGeom prst="line">
                   <a:avLst/>
@@ -6932,13 +7122,16 @@
                     </a:ext>
                   </a:extLst>
                 </p:cNvPr>
-                <p:cNvCxnSpPr/>
+                <p:cNvCxnSpPr>
+                  <a:cxnSpLocks/>
+                  <a:stCxn id="97" idx="3"/>
+                </p:cNvCxnSpPr>
                 <p:nvPr/>
               </p:nvCxnSpPr>
               <p:spPr>
-                <a:xfrm>
-                  <a:off x="3299159" y="735345"/>
-                  <a:ext cx="508000" cy="0"/>
+                <a:xfrm flipV="1">
+                  <a:off x="3350178" y="735345"/>
+                  <a:ext cx="456981" cy="462"/>
                 </a:xfrm>
                 <a:prstGeom prst="line">
                   <a:avLst/>
@@ -6969,13 +7162,15 @@
                     </a:ext>
                   </a:extLst>
                 </p:cNvPr>
-                <p:cNvCxnSpPr/>
+                <p:cNvCxnSpPr>
+                  <a:cxnSpLocks/>
+                </p:cNvCxnSpPr>
                 <p:nvPr/>
               </p:nvCxnSpPr>
               <p:spPr>
                 <a:xfrm>
-                  <a:off x="3291891" y="986707"/>
-                  <a:ext cx="508000" cy="0"/>
+                  <a:off x="3353565" y="986707"/>
+                  <a:ext cx="446326" cy="0"/>
                 </a:xfrm>
                 <a:prstGeom prst="line">
                   <a:avLst/>
@@ -7008,13 +7203,15 @@
                     </a:ext>
                   </a:extLst>
                 </p:cNvPr>
-                <p:cNvCxnSpPr/>
+                <p:cNvCxnSpPr>
+                  <a:cxnSpLocks/>
+                </p:cNvCxnSpPr>
                 <p:nvPr/>
               </p:nvCxnSpPr>
               <p:spPr>
                 <a:xfrm>
-                  <a:off x="3299159" y="2070331"/>
-                  <a:ext cx="508000" cy="0"/>
+                  <a:off x="3343405" y="2070331"/>
+                  <a:ext cx="463754" cy="0"/>
                 </a:xfrm>
                 <a:prstGeom prst="line">
                   <a:avLst/>
@@ -7047,13 +7244,16 @@
                     </a:ext>
                   </a:extLst>
                 </p:cNvPr>
-                <p:cNvCxnSpPr/>
+                <p:cNvCxnSpPr>
+                  <a:cxnSpLocks/>
+                  <a:stCxn id="98" idx="3"/>
+                </p:cNvCxnSpPr>
                 <p:nvPr/>
               </p:nvCxnSpPr>
               <p:spPr>
                 <a:xfrm>
-                  <a:off x="3299159" y="2298096"/>
-                  <a:ext cx="508000" cy="0"/>
+                  <a:off x="3343405" y="2289630"/>
+                  <a:ext cx="463754" cy="8466"/>
                 </a:xfrm>
                 <a:prstGeom prst="line">
                   <a:avLst/>
@@ -7084,13 +7284,15 @@
                     </a:ext>
                   </a:extLst>
                 </p:cNvPr>
-                <p:cNvCxnSpPr/>
+                <p:cNvCxnSpPr>
+                  <a:cxnSpLocks/>
+                </p:cNvCxnSpPr>
                 <p:nvPr/>
               </p:nvCxnSpPr>
               <p:spPr>
                 <a:xfrm>
-                  <a:off x="3291891" y="2540991"/>
-                  <a:ext cx="508000" cy="0"/>
+                  <a:off x="3343405" y="2540991"/>
+                  <a:ext cx="456486" cy="0"/>
                 </a:xfrm>
                 <a:prstGeom prst="line">
                   <a:avLst/>
@@ -7123,13 +7325,15 @@
                     </a:ext>
                   </a:extLst>
                 </p:cNvPr>
-                <p:cNvCxnSpPr/>
+                <p:cNvCxnSpPr>
+                  <a:cxnSpLocks/>
+                </p:cNvCxnSpPr>
                 <p:nvPr/>
               </p:nvCxnSpPr>
               <p:spPr>
                 <a:xfrm>
-                  <a:off x="3291891" y="3635564"/>
-                  <a:ext cx="508000" cy="0"/>
+                  <a:off x="3336631" y="3635564"/>
+                  <a:ext cx="463260" cy="0"/>
                 </a:xfrm>
                 <a:prstGeom prst="line">
                   <a:avLst/>
@@ -7162,13 +7366,15 @@
                     </a:ext>
                   </a:extLst>
                 </p:cNvPr>
-                <p:cNvCxnSpPr/>
+                <p:cNvCxnSpPr>
+                  <a:cxnSpLocks/>
+                </p:cNvCxnSpPr>
                 <p:nvPr/>
               </p:nvCxnSpPr>
               <p:spPr>
                 <a:xfrm>
-                  <a:off x="3291891" y="3863329"/>
-                  <a:ext cx="508000" cy="0"/>
+                  <a:off x="3332531" y="3863329"/>
+                  <a:ext cx="464687" cy="0"/>
                 </a:xfrm>
                 <a:prstGeom prst="line">
                   <a:avLst/>
@@ -7199,13 +7405,15 @@
                     </a:ext>
                   </a:extLst>
                 </p:cNvPr>
-                <p:cNvCxnSpPr/>
+                <p:cNvCxnSpPr>
+                  <a:cxnSpLocks/>
+                </p:cNvCxnSpPr>
                 <p:nvPr/>
               </p:nvCxnSpPr>
               <p:spPr>
                 <a:xfrm>
-                  <a:off x="3284623" y="4123158"/>
-                  <a:ext cx="508000" cy="0"/>
+                  <a:off x="3328649" y="4119771"/>
+                  <a:ext cx="465182" cy="0"/>
                 </a:xfrm>
                 <a:prstGeom prst="line">
                   <a:avLst/>
@@ -7238,13 +7446,15 @@
                     </a:ext>
                   </a:extLst>
                 </p:cNvPr>
-                <p:cNvCxnSpPr/>
+                <p:cNvCxnSpPr>
+                  <a:cxnSpLocks/>
+                </p:cNvCxnSpPr>
                 <p:nvPr/>
               </p:nvCxnSpPr>
               <p:spPr>
                 <a:xfrm>
-                  <a:off x="3299159" y="5194011"/>
-                  <a:ext cx="508000" cy="0"/>
+                  <a:off x="3329858" y="5194011"/>
+                  <a:ext cx="477301" cy="0"/>
                 </a:xfrm>
                 <a:prstGeom prst="line">
                   <a:avLst/>
@@ -7277,13 +7487,15 @@
                     </a:ext>
                   </a:extLst>
                 </p:cNvPr>
-                <p:cNvCxnSpPr/>
+                <p:cNvCxnSpPr>
+                  <a:cxnSpLocks/>
+                </p:cNvCxnSpPr>
                 <p:nvPr/>
               </p:nvCxnSpPr>
               <p:spPr>
                 <a:xfrm>
-                  <a:off x="3299159" y="5430243"/>
-                  <a:ext cx="508000" cy="0"/>
+                  <a:off x="3329639" y="5430243"/>
+                  <a:ext cx="464192" cy="0"/>
                 </a:xfrm>
                 <a:prstGeom prst="line">
                   <a:avLst/>
@@ -7314,13 +7526,15 @@
                     </a:ext>
                   </a:extLst>
                 </p:cNvPr>
-                <p:cNvCxnSpPr/>
+                <p:cNvCxnSpPr>
+                  <a:cxnSpLocks/>
+                </p:cNvCxnSpPr>
                 <p:nvPr/>
               </p:nvCxnSpPr>
               <p:spPr>
                 <a:xfrm>
-                  <a:off x="3291891" y="5673138"/>
-                  <a:ext cx="508000" cy="0"/>
+                  <a:off x="3336631" y="5673138"/>
+                  <a:ext cx="463260" cy="0"/>
                 </a:xfrm>
                 <a:prstGeom prst="line">
                   <a:avLst/>
@@ -7359,7 +7573,7 @@
               <p:spPr>
                 <a:xfrm>
                   <a:off x="3793452" y="373448"/>
-                  <a:ext cx="467058" cy="2302924"/>
+                  <a:ext cx="511766" cy="2302924"/>
                 </a:xfrm>
                 <a:prstGeom prst="rect">
                   <a:avLst/>
@@ -7402,6 +7616,19 @@
                     </a:rPr>
                     <a:t>ADD</a:t>
                   </a:r>
+                  <a:r>
+                    <a:rPr lang="en-US" sz="1200" baseline="-25000" dirty="0">
+                      <a:solidFill>
+                        <a:schemeClr val="tx1"/>
+                      </a:solidFill>
+                    </a:rPr>
+                    <a:t>3</a:t>
+                  </a:r>
+                  <a:endParaRPr lang="en-US" sz="1200" dirty="0">
+                    <a:solidFill>
+                      <a:schemeClr val="tx1"/>
+                    </a:solidFill>
+                  </a:endParaRPr>
                 </a:p>
               </p:txBody>
             </p:sp>
@@ -7419,8 +7646,8 @@
               </p:nvSpPr>
               <p:spPr>
                 <a:xfrm>
-                  <a:off x="3793452" y="3498984"/>
-                  <a:ext cx="467058" cy="2302924"/>
+                  <a:off x="3793451" y="3498984"/>
+                  <a:ext cx="512055" cy="2302924"/>
                 </a:xfrm>
                 <a:prstGeom prst="rect">
                   <a:avLst/>
@@ -7463,6 +7690,19 @@
                     </a:rPr>
                     <a:t>ADD</a:t>
                   </a:r>
+                  <a:r>
+                    <a:rPr lang="en-US" sz="1200" baseline="-25000" dirty="0">
+                      <a:solidFill>
+                        <a:schemeClr val="tx1"/>
+                      </a:solidFill>
+                    </a:rPr>
+                    <a:t>3</a:t>
+                  </a:r>
+                  <a:endParaRPr lang="en-US" sz="1200" dirty="0">
+                    <a:solidFill>
+                      <a:schemeClr val="tx1"/>
+                    </a:solidFill>
+                  </a:endParaRPr>
                 </a:p>
               </p:txBody>
             </p:sp>
@@ -7602,14 +7842,13 @@
                 </p:cNvPr>
                 <p:cNvCxnSpPr>
                   <a:cxnSpLocks/>
-                  <a:endCxn id="126" idx="2"/>
                 </p:cNvCxnSpPr>
                 <p:nvPr/>
               </p:nvCxnSpPr>
               <p:spPr>
-                <a:xfrm flipH="1" flipV="1">
-                  <a:off x="4026981" y="5801908"/>
-                  <a:ext cx="5962" cy="370738"/>
+                <a:xfrm flipV="1">
+                  <a:off x="4032943" y="5791895"/>
+                  <a:ext cx="0" cy="381738"/>
                 </a:xfrm>
                 <a:prstGeom prst="line">
                   <a:avLst/>
@@ -7642,13 +7881,15 @@
                     </a:ext>
                   </a:extLst>
                 </p:cNvPr>
-                <p:cNvCxnSpPr/>
+                <p:cNvCxnSpPr>
+                  <a:cxnSpLocks/>
+                </p:cNvCxnSpPr>
                 <p:nvPr/>
               </p:nvCxnSpPr>
               <p:spPr>
                 <a:xfrm>
-                  <a:off x="4260510" y="1174281"/>
-                  <a:ext cx="508000" cy="0"/>
+                  <a:off x="4305218" y="1174281"/>
+                  <a:ext cx="463292" cy="0"/>
                 </a:xfrm>
                 <a:prstGeom prst="line">
                   <a:avLst/>
@@ -7681,13 +7922,15 @@
                     </a:ext>
                   </a:extLst>
                 </p:cNvPr>
-                <p:cNvCxnSpPr/>
+                <p:cNvCxnSpPr>
+                  <a:cxnSpLocks/>
+                </p:cNvCxnSpPr>
                 <p:nvPr/>
               </p:nvCxnSpPr>
               <p:spPr>
                 <a:xfrm>
-                  <a:off x="4260510" y="1410513"/>
-                  <a:ext cx="508000" cy="0"/>
+                  <a:off x="4305218" y="1410513"/>
+                  <a:ext cx="463292" cy="0"/>
                 </a:xfrm>
                 <a:prstGeom prst="line">
                   <a:avLst/>
@@ -7718,13 +7961,15 @@
                     </a:ext>
                   </a:extLst>
                 </p:cNvPr>
-                <p:cNvCxnSpPr/>
+                <p:cNvCxnSpPr>
+                  <a:cxnSpLocks/>
+                </p:cNvCxnSpPr>
                 <p:nvPr/>
               </p:nvCxnSpPr>
               <p:spPr>
                 <a:xfrm>
-                  <a:off x="4261709" y="1644941"/>
-                  <a:ext cx="508000" cy="0"/>
+                  <a:off x="4305218" y="1644941"/>
+                  <a:ext cx="464491" cy="0"/>
                 </a:xfrm>
                 <a:prstGeom prst="line">
                   <a:avLst/>
@@ -7755,13 +8000,15 @@
                     </a:ext>
                   </a:extLst>
                 </p:cNvPr>
-                <p:cNvCxnSpPr/>
+                <p:cNvCxnSpPr>
+                  <a:cxnSpLocks/>
+                </p:cNvCxnSpPr>
                 <p:nvPr/>
               </p:nvCxnSpPr>
               <p:spPr>
                 <a:xfrm>
-                  <a:off x="4260510" y="1894033"/>
-                  <a:ext cx="508000" cy="0"/>
+                  <a:off x="4305218" y="1894033"/>
+                  <a:ext cx="463292" cy="0"/>
                 </a:xfrm>
                 <a:prstGeom prst="line">
                   <a:avLst/>
@@ -7794,13 +8041,15 @@
                     </a:ext>
                   </a:extLst>
                 </p:cNvPr>
-                <p:cNvCxnSpPr/>
+                <p:cNvCxnSpPr>
+                  <a:cxnSpLocks/>
+                </p:cNvCxnSpPr>
                 <p:nvPr/>
               </p:nvCxnSpPr>
               <p:spPr>
                 <a:xfrm>
-                  <a:off x="4261709" y="4311162"/>
-                  <a:ext cx="508000" cy="0"/>
+                  <a:off x="4305218" y="4311162"/>
+                  <a:ext cx="464491" cy="0"/>
                 </a:xfrm>
                 <a:prstGeom prst="line">
                   <a:avLst/>
@@ -7833,13 +8082,15 @@
                     </a:ext>
                   </a:extLst>
                 </p:cNvPr>
-                <p:cNvCxnSpPr/>
+                <p:cNvCxnSpPr>
+                  <a:cxnSpLocks/>
+                </p:cNvCxnSpPr>
                 <p:nvPr/>
               </p:nvCxnSpPr>
               <p:spPr>
                 <a:xfrm>
-                  <a:off x="4261709" y="4547394"/>
-                  <a:ext cx="508000" cy="0"/>
+                  <a:off x="4311991" y="4547394"/>
+                  <a:ext cx="457718" cy="0"/>
                 </a:xfrm>
                 <a:prstGeom prst="line">
                   <a:avLst/>
@@ -7870,13 +8121,15 @@
                     </a:ext>
                   </a:extLst>
                 </p:cNvPr>
-                <p:cNvCxnSpPr/>
+                <p:cNvCxnSpPr>
+                  <a:cxnSpLocks/>
+                </p:cNvCxnSpPr>
                 <p:nvPr/>
               </p:nvCxnSpPr>
               <p:spPr>
                 <a:xfrm>
-                  <a:off x="4262908" y="4781822"/>
-                  <a:ext cx="508000" cy="0"/>
+                  <a:off x="4305218" y="4781822"/>
+                  <a:ext cx="465690" cy="0"/>
                 </a:xfrm>
                 <a:prstGeom prst="line">
                   <a:avLst/>
@@ -7907,13 +8160,15 @@
                     </a:ext>
                   </a:extLst>
                 </p:cNvPr>
-                <p:cNvCxnSpPr/>
+                <p:cNvCxnSpPr>
+                  <a:cxnSpLocks/>
+                </p:cNvCxnSpPr>
                 <p:nvPr/>
               </p:nvCxnSpPr>
               <p:spPr>
                 <a:xfrm>
-                  <a:off x="4261709" y="5030914"/>
-                  <a:ext cx="508000" cy="0"/>
+                  <a:off x="4308605" y="5030914"/>
+                  <a:ext cx="461104" cy="0"/>
                 </a:xfrm>
                 <a:prstGeom prst="line">
                   <a:avLst/>
@@ -7951,8 +8206,8 @@
               </p:nvSpPr>
               <p:spPr>
                 <a:xfrm>
-                  <a:off x="4772341" y="1048972"/>
-                  <a:ext cx="467058" cy="4088244"/>
+                  <a:off x="4772340" y="1048972"/>
+                  <a:ext cx="510441" cy="4088244"/>
                 </a:xfrm>
                 <a:prstGeom prst="rect">
                   <a:avLst/>
@@ -7995,6 +8250,19 @@
                     </a:rPr>
                     <a:t>ADD</a:t>
                   </a:r>
+                  <a:r>
+                    <a:rPr lang="en-US" sz="1200" baseline="-25000" dirty="0">
+                      <a:solidFill>
+                        <a:schemeClr val="tx1"/>
+                      </a:solidFill>
+                    </a:rPr>
+                    <a:t>4</a:t>
+                  </a:r>
+                  <a:endParaRPr lang="en-US" sz="1200" dirty="0">
+                    <a:solidFill>
+                      <a:schemeClr val="tx1"/>
+                    </a:solidFill>
+                  </a:endParaRPr>
                 </a:p>
               </p:txBody>
             </p:sp>
@@ -8090,13 +8358,15 @@
                     </a:ext>
                   </a:extLst>
                 </p:cNvPr>
-                <p:cNvCxnSpPr/>
+                <p:cNvCxnSpPr>
+                  <a:cxnSpLocks/>
+                </p:cNvCxnSpPr>
                 <p:nvPr/>
               </p:nvCxnSpPr>
               <p:spPr>
                 <a:xfrm>
-                  <a:off x="5238200" y="2630347"/>
-                  <a:ext cx="508000" cy="0"/>
+                  <a:off x="5288371" y="2630347"/>
+                  <a:ext cx="457829" cy="0"/>
                 </a:xfrm>
                 <a:prstGeom prst="line">
                   <a:avLst/>
@@ -8129,13 +8399,15 @@
                     </a:ext>
                   </a:extLst>
                 </p:cNvPr>
-                <p:cNvCxnSpPr/>
+                <p:cNvCxnSpPr>
+                  <a:cxnSpLocks/>
+                </p:cNvCxnSpPr>
                 <p:nvPr/>
               </p:nvCxnSpPr>
               <p:spPr>
                 <a:xfrm>
-                  <a:off x="5238200" y="2866579"/>
-                  <a:ext cx="508000" cy="0"/>
+                  <a:off x="5279493" y="2866579"/>
+                  <a:ext cx="477845" cy="0"/>
                 </a:xfrm>
                 <a:prstGeom prst="line">
                   <a:avLst/>
@@ -8166,13 +8438,15 @@
                     </a:ext>
                   </a:extLst>
                 </p:cNvPr>
-                <p:cNvCxnSpPr/>
+                <p:cNvCxnSpPr>
+                  <a:cxnSpLocks/>
+                </p:cNvCxnSpPr>
                 <p:nvPr/>
               </p:nvCxnSpPr>
               <p:spPr>
                 <a:xfrm>
-                  <a:off x="5239399" y="3101007"/>
-                  <a:ext cx="508000" cy="0"/>
+                  <a:off x="5282141" y="3105445"/>
+                  <a:ext cx="475197" cy="0"/>
                 </a:xfrm>
                 <a:prstGeom prst="line">
                   <a:avLst/>
@@ -8203,13 +8477,15 @@
                     </a:ext>
                   </a:extLst>
                 </p:cNvPr>
-                <p:cNvCxnSpPr/>
+                <p:cNvCxnSpPr>
+                  <a:cxnSpLocks/>
+                </p:cNvCxnSpPr>
                 <p:nvPr/>
               </p:nvCxnSpPr>
               <p:spPr>
                 <a:xfrm>
-                  <a:off x="5238200" y="3350099"/>
-                  <a:ext cx="508000" cy="0"/>
+                  <a:off x="5283932" y="3350099"/>
+                  <a:ext cx="473406" cy="0"/>
                 </a:xfrm>
                 <a:prstGeom prst="line">
                   <a:avLst/>
@@ -8240,13 +8516,15 @@
                     </a:ext>
                   </a:extLst>
                 </p:cNvPr>
-                <p:cNvCxnSpPr/>
+                <p:cNvCxnSpPr>
+                  <a:cxnSpLocks/>
+                </p:cNvCxnSpPr>
                 <p:nvPr/>
               </p:nvCxnSpPr>
               <p:spPr>
                 <a:xfrm>
-                  <a:off x="5238200" y="3590530"/>
-                  <a:ext cx="508000" cy="0"/>
+                  <a:off x="5288371" y="3590530"/>
+                  <a:ext cx="468967" cy="0"/>
                 </a:xfrm>
                 <a:prstGeom prst="line">
                   <a:avLst/>
@@ -11990,7 +12268,7 @@
           </p:nvCxnSpPr>
           <p:spPr>
             <a:xfrm>
-              <a:off x="5580467" y="5277629"/>
+              <a:off x="5586730" y="5277629"/>
               <a:ext cx="243392" cy="0"/>
             </a:xfrm>
             <a:prstGeom prst="line">
@@ -12029,7 +12307,7 @@
           </p:nvSpPr>
           <p:spPr>
             <a:xfrm>
-              <a:off x="5473959" y="4427034"/>
+              <a:off x="5491715" y="4427034"/>
               <a:ext cx="69528" cy="942067"/>
             </a:xfrm>
             <a:prstGeom prst="leftBrace">
@@ -12080,7 +12358,7 @@
               </p:nvSpPr>
               <p:spPr>
                 <a:xfrm rot="16200000">
-                  <a:off x="5139189" y="4776537"/>
+                  <a:off x="5156945" y="4776537"/>
                   <a:ext cx="583663" cy="276999"/>
                 </a:xfrm>
                 <a:prstGeom prst="rect">
@@ -12143,7 +12421,7 @@
               </p:nvSpPr>
               <p:spPr>
                 <a:xfrm rot="16200000">
-                  <a:off x="5139189" y="4776537"/>
+                  <a:off x="5156945" y="4776537"/>
                   <a:ext cx="583663" cy="276999"/>
                 </a:xfrm>
                 <a:prstGeom prst="rect">

--- a/figs/popcount.pptx
+++ b/figs/popcount.pptx
@@ -12156,8 +12156,8 @@
           </p:nvCxnSpPr>
           <p:spPr>
             <a:xfrm>
-              <a:off x="5587688" y="4503660"/>
-              <a:ext cx="243392" cy="0"/>
+              <a:off x="5613086" y="4503660"/>
+              <a:ext cx="219193" cy="0"/>
             </a:xfrm>
             <a:prstGeom prst="line">
               <a:avLst/>
@@ -12227,8 +12227,8 @@
           </p:nvCxnSpPr>
           <p:spPr>
             <a:xfrm>
-              <a:off x="5587688" y="4689572"/>
-              <a:ext cx="243392" cy="0"/>
+              <a:off x="5613086" y="4689572"/>
+              <a:ext cx="219193" cy="0"/>
             </a:xfrm>
             <a:prstGeom prst="line">
               <a:avLst/>
@@ -12268,8 +12268,8 @@
           </p:nvCxnSpPr>
           <p:spPr>
             <a:xfrm>
-              <a:off x="5586730" y="5277629"/>
-              <a:ext cx="243392" cy="0"/>
+              <a:off x="5612128" y="5277629"/>
+              <a:ext cx="220151" cy="0"/>
             </a:xfrm>
             <a:prstGeom prst="line">
               <a:avLst/>
@@ -12307,7 +12307,7 @@
           </p:nvSpPr>
           <p:spPr>
             <a:xfrm>
-              <a:off x="5491715" y="4427034"/>
+              <a:off x="5504414" y="4427034"/>
               <a:ext cx="69528" cy="942067"/>
             </a:xfrm>
             <a:prstGeom prst="leftBrace">

--- a/figs/popcount.pptx
+++ b/figs/popcount.pptx
@@ -3771,10 +3771,10 @@
         </p:nvGrpSpPr>
         <p:grpSpPr>
           <a:xfrm>
-            <a:off x="1067653" y="409361"/>
-            <a:ext cx="6539095" cy="6376337"/>
-            <a:chOff x="1067653" y="409361"/>
-            <a:chExt cx="6539095" cy="6376337"/>
+            <a:off x="1137785" y="409361"/>
+            <a:ext cx="6468963" cy="6376337"/>
+            <a:chOff x="1137785" y="409361"/>
+            <a:chExt cx="6468963" cy="6376337"/>
           </a:xfrm>
         </p:grpSpPr>
         <p:grpSp>
@@ -3791,10 +3791,10 @@
           </p:nvGrpSpPr>
           <p:grpSpPr>
             <a:xfrm>
-              <a:off x="1067653" y="409361"/>
-              <a:ext cx="6539095" cy="6376337"/>
-              <a:chOff x="1067653" y="409361"/>
-              <a:chExt cx="6539095" cy="6376337"/>
+              <a:off x="1137785" y="409361"/>
+              <a:ext cx="6468963" cy="6376337"/>
+              <a:chOff x="1137785" y="409361"/>
+              <a:chExt cx="6468963" cy="6376337"/>
             </a:xfrm>
           </p:grpSpPr>
           <p:sp>
@@ -8752,7 +8752,7 @@
             </p:blipFill>
             <p:spPr>
               <a:xfrm>
-                <a:off x="1067653" y="6578603"/>
+                <a:off x="1137785" y="6562189"/>
                 <a:ext cx="243111" cy="207095"/>
               </a:xfrm>
               <a:prstGeom prst="rect">

--- a/figs/popcount.pptx
+++ b/figs/popcount.pptx
@@ -3771,7 +3771,7 @@
         </p:nvGrpSpPr>
         <p:grpSpPr>
           <a:xfrm>
-            <a:off x="1137785" y="409361"/>
+            <a:off x="859064" y="240831"/>
             <a:ext cx="6468963" cy="6376337"/>
             <a:chOff x="1137785" y="409361"/>
             <a:chExt cx="6468963" cy="6376337"/>
@@ -12430,7 +12430,7 @@
                 <a:blipFill>
                   <a:blip r:embed="rId6"/>
                   <a:stretch>
-                    <a:fillRect r="-4348"/>
+                    <a:fillRect r="-4545"/>
                   </a:stretch>
                 </a:blipFill>
               </p:spPr>

--- a/figs/popcount.pptx
+++ b/figs/popcount.pptx
@@ -107,6 +107,11 @@
       </a:defRPr>
     </a:lvl9pPr>
   </p:defaultTextStyle>
+  <p:extLst>
+    <p:ext uri="{EFAFB233-063F-42B5-8137-9DF3F51BA10A}">
+      <p15:sldGuideLst xmlns:p15="http://schemas.microsoft.com/office/powerpoint/2012/main"/>
+    </p:ext>
+  </p:extLst>
 </p:presentation>
 </file>
 
@@ -192,7 +197,7 @@
           <a:p>
             <a:fld id="{342F19FB-1D9C-D14E-85BC-A448A03E6292}" type="datetimeFigureOut">
               <a:rPr lang="en-US" smtClean="0"/>
-              <a:t>8/8/19</a:t>
+              <a:t>9/19/19</a:t>
             </a:fld>
             <a:endParaRPr lang="en-US"/>
           </a:p>
@@ -690,7 +695,7 @@
           <a:p>
             <a:fld id="{E136C882-6EB2-4F44-96B1-3CA91B52D4B8}" type="datetimeFigureOut">
               <a:rPr lang="en-US" smtClean="0"/>
-              <a:t>8/8/19</a:t>
+              <a:t>9/19/19</a:t>
             </a:fld>
             <a:endParaRPr lang="en-US"/>
           </a:p>
@@ -888,7 +893,7 @@
           <a:p>
             <a:fld id="{E136C882-6EB2-4F44-96B1-3CA91B52D4B8}" type="datetimeFigureOut">
               <a:rPr lang="en-US" smtClean="0"/>
-              <a:t>8/8/19</a:t>
+              <a:t>9/19/19</a:t>
             </a:fld>
             <a:endParaRPr lang="en-US"/>
           </a:p>
@@ -1096,7 +1101,7 @@
           <a:p>
             <a:fld id="{E136C882-6EB2-4F44-96B1-3CA91B52D4B8}" type="datetimeFigureOut">
               <a:rPr lang="en-US" smtClean="0"/>
-              <a:t>8/8/19</a:t>
+              <a:t>9/19/19</a:t>
             </a:fld>
             <a:endParaRPr lang="en-US"/>
           </a:p>
@@ -1294,7 +1299,7 @@
           <a:p>
             <a:fld id="{E136C882-6EB2-4F44-96B1-3CA91B52D4B8}" type="datetimeFigureOut">
               <a:rPr lang="en-US" smtClean="0"/>
-              <a:t>8/8/19</a:t>
+              <a:t>9/19/19</a:t>
             </a:fld>
             <a:endParaRPr lang="en-US"/>
           </a:p>
@@ -1569,7 +1574,7 @@
           <a:p>
             <a:fld id="{E136C882-6EB2-4F44-96B1-3CA91B52D4B8}" type="datetimeFigureOut">
               <a:rPr lang="en-US" smtClean="0"/>
-              <a:t>8/8/19</a:t>
+              <a:t>9/19/19</a:t>
             </a:fld>
             <a:endParaRPr lang="en-US"/>
           </a:p>
@@ -1834,7 +1839,7 @@
           <a:p>
             <a:fld id="{E136C882-6EB2-4F44-96B1-3CA91B52D4B8}" type="datetimeFigureOut">
               <a:rPr lang="en-US" smtClean="0"/>
-              <a:t>8/8/19</a:t>
+              <a:t>9/19/19</a:t>
             </a:fld>
             <a:endParaRPr lang="en-US"/>
           </a:p>
@@ -2246,7 +2251,7 @@
           <a:p>
             <a:fld id="{E136C882-6EB2-4F44-96B1-3CA91B52D4B8}" type="datetimeFigureOut">
               <a:rPr lang="en-US" smtClean="0"/>
-              <a:t>8/8/19</a:t>
+              <a:t>9/19/19</a:t>
             </a:fld>
             <a:endParaRPr lang="en-US"/>
           </a:p>
@@ -2387,7 +2392,7 @@
           <a:p>
             <a:fld id="{E136C882-6EB2-4F44-96B1-3CA91B52D4B8}" type="datetimeFigureOut">
               <a:rPr lang="en-US" smtClean="0"/>
-              <a:t>8/8/19</a:t>
+              <a:t>9/19/19</a:t>
             </a:fld>
             <a:endParaRPr lang="en-US"/>
           </a:p>
@@ -2500,7 +2505,7 @@
           <a:p>
             <a:fld id="{E136C882-6EB2-4F44-96B1-3CA91B52D4B8}" type="datetimeFigureOut">
               <a:rPr lang="en-US" smtClean="0"/>
-              <a:t>8/8/19</a:t>
+              <a:t>9/19/19</a:t>
             </a:fld>
             <a:endParaRPr lang="en-US"/>
           </a:p>
@@ -2811,7 +2816,7 @@
           <a:p>
             <a:fld id="{E136C882-6EB2-4F44-96B1-3CA91B52D4B8}" type="datetimeFigureOut">
               <a:rPr lang="en-US" smtClean="0"/>
-              <a:t>8/8/19</a:t>
+              <a:t>9/19/19</a:t>
             </a:fld>
             <a:endParaRPr lang="en-US"/>
           </a:p>
@@ -3099,7 +3104,7 @@
           <a:p>
             <a:fld id="{E136C882-6EB2-4F44-96B1-3CA91B52D4B8}" type="datetimeFigureOut">
               <a:rPr lang="en-US" smtClean="0"/>
-              <a:t>8/8/19</a:t>
+              <a:t>9/19/19</a:t>
             </a:fld>
             <a:endParaRPr lang="en-US"/>
           </a:p>
@@ -3340,7 +3345,7 @@
           <a:p>
             <a:fld id="{E136C882-6EB2-4F44-96B1-3CA91B52D4B8}" type="datetimeFigureOut">
               <a:rPr lang="en-US" smtClean="0"/>
-              <a:t>8/8/19</a:t>
+              <a:t>9/19/19</a:t>
             </a:fld>
             <a:endParaRPr lang="en-US"/>
           </a:p>
@@ -8760,3385 +8765,1804 @@
               </a:prstGeom>
             </p:spPr>
           </p:pic>
-          <p:grpSp>
-            <p:nvGrpSpPr>
-              <p:cNvPr id="200" name="Group 199">
+          <p:sp>
+            <p:nvSpPr>
+              <p:cNvPr id="197" name="Rectangle 196">
                 <a:extLst>
                   <a:ext uri="{FF2B5EF4-FFF2-40B4-BE49-F238E27FC236}">
-                    <a16:creationId xmlns:a16="http://schemas.microsoft.com/office/drawing/2014/main" id="{C1B8902F-3CC6-BC4A-90A9-C613CCB7860D}"/>
+                    <a16:creationId xmlns:a16="http://schemas.microsoft.com/office/drawing/2014/main" id="{08777B0D-1284-DD4C-B613-50C798E585A5}"/>
                   </a:ext>
                 </a:extLst>
               </p:cNvPr>
-              <p:cNvGrpSpPr/>
+              <p:cNvSpPr/>
               <p:nvPr/>
-            </p:nvGrpSpPr>
-            <p:grpSpPr>
+            </p:nvSpPr>
+            <p:spPr>
               <a:xfrm>
                 <a:off x="1590723" y="450068"/>
                 <a:ext cx="146367" cy="147710"/>
-                <a:chOff x="5568874" y="828450"/>
-                <a:chExt cx="210126" cy="212054"/>
               </a:xfrm>
-            </p:grpSpPr>
-            <p:sp>
-              <p:nvSpPr>
-                <p:cNvPr id="197" name="Rectangle 196">
-                  <a:extLst>
-                    <a:ext uri="{FF2B5EF4-FFF2-40B4-BE49-F238E27FC236}">
-                      <a16:creationId xmlns:a16="http://schemas.microsoft.com/office/drawing/2014/main" id="{08777B0D-1284-DD4C-B613-50C798E585A5}"/>
-                    </a:ext>
-                  </a:extLst>
-                </p:cNvPr>
-                <p:cNvSpPr/>
-                <p:nvPr/>
-              </p:nvSpPr>
-              <p:spPr>
-                <a:xfrm>
-                  <a:off x="5568874" y="828450"/>
-                  <a:ext cx="210126" cy="212054"/>
-                </a:xfrm>
-                <a:prstGeom prst="rect">
-                  <a:avLst/>
-                </a:prstGeom>
+              <a:prstGeom prst="rect">
+                <a:avLst/>
+              </a:prstGeom>
+              <a:solidFill>
+                <a:schemeClr val="bg1"/>
+              </a:solidFill>
+              <a:ln>
                 <a:solidFill>
-                  <a:schemeClr val="bg1"/>
+                  <a:schemeClr val="tx1"/>
                 </a:solidFill>
-                <a:ln>
+              </a:ln>
+            </p:spPr>
+            <p:style>
+              <a:lnRef idx="2">
+                <a:schemeClr val="accent1">
+                  <a:shade val="50000"/>
+                </a:schemeClr>
+              </a:lnRef>
+              <a:fillRef idx="1">
+                <a:schemeClr val="accent1"/>
+              </a:fillRef>
+              <a:effectRef idx="0">
+                <a:schemeClr val="accent1"/>
+              </a:effectRef>
+              <a:fontRef idx="minor">
+                <a:schemeClr val="lt1"/>
+              </a:fontRef>
+            </p:style>
+            <p:txBody>
+              <a:bodyPr rtlCol="0" anchor="ctr"/>
+              <a:lstStyle/>
+              <a:p>
+                <a:pPr algn="ctr"/>
+                <a:endParaRPr lang="en-US" sz="1200" dirty="0">
                   <a:solidFill>
                     <a:schemeClr val="tx1"/>
                   </a:solidFill>
-                </a:ln>
-              </p:spPr>
-              <p:style>
-                <a:lnRef idx="2">
-                  <a:schemeClr val="accent1">
-                    <a:shade val="50000"/>
-                  </a:schemeClr>
-                </a:lnRef>
-                <a:fillRef idx="1">
-                  <a:schemeClr val="accent1"/>
-                </a:fillRef>
-                <a:effectRef idx="0">
-                  <a:schemeClr val="accent1"/>
-                </a:effectRef>
-                <a:fontRef idx="minor">
-                  <a:schemeClr val="lt1"/>
-                </a:fontRef>
-              </p:style>
-              <p:txBody>
-                <a:bodyPr rtlCol="0" anchor="ctr"/>
-                <a:lstStyle/>
-                <a:p>
-                  <a:pPr algn="ctr"/>
-                  <a:endParaRPr lang="en-US" sz="1200" dirty="0">
-                    <a:solidFill>
-                      <a:schemeClr val="tx1"/>
-                    </a:solidFill>
-                  </a:endParaRPr>
-                </a:p>
-              </p:txBody>
-            </p:sp>
-            <p:pic>
-              <p:nvPicPr>
-                <p:cNvPr id="199" name="Picture 198">
-                  <a:extLst>
-                    <a:ext uri="{FF2B5EF4-FFF2-40B4-BE49-F238E27FC236}">
-                      <a16:creationId xmlns:a16="http://schemas.microsoft.com/office/drawing/2014/main" id="{A14F1D8A-3B8E-C84E-A6AA-C12881BCAA66}"/>
-                    </a:ext>
-                  </a:extLst>
-                </p:cNvPr>
-                <p:cNvPicPr>
-                  <a:picLocks noChangeAspect="1"/>
-                </p:cNvPicPr>
-                <p:nvPr/>
-              </p:nvPicPr>
-              <p:blipFill>
-                <a:blip r:embed="rId4"/>
-                <a:stretch>
-                  <a:fillRect/>
-                </a:stretch>
-              </p:blipFill>
-              <p:spPr>
-                <a:xfrm>
-                  <a:off x="5586136" y="872005"/>
-                  <a:ext cx="175602" cy="118956"/>
-                </a:xfrm>
-                <a:prstGeom prst="rect">
-                  <a:avLst/>
-                </a:prstGeom>
-              </p:spPr>
-            </p:pic>
-          </p:grpSp>
-          <p:grpSp>
-            <p:nvGrpSpPr>
-              <p:cNvPr id="204" name="Group 203">
+                </a:endParaRPr>
+              </a:p>
+            </p:txBody>
+          </p:sp>
+          <p:sp>
+            <p:nvSpPr>
+              <p:cNvPr id="205" name="Rectangle 204">
                 <a:extLst>
                   <a:ext uri="{FF2B5EF4-FFF2-40B4-BE49-F238E27FC236}">
-                    <a16:creationId xmlns:a16="http://schemas.microsoft.com/office/drawing/2014/main" id="{E0D8FE90-CA99-304A-9364-54DE61D04E2F}"/>
+                    <a16:creationId xmlns:a16="http://schemas.microsoft.com/office/drawing/2014/main" id="{B5CC50A7-C104-8846-900B-A8500C2CB94F}"/>
                   </a:ext>
                 </a:extLst>
               </p:cNvPr>
-              <p:cNvGrpSpPr/>
+              <p:cNvSpPr/>
               <p:nvPr/>
-            </p:nvGrpSpPr>
-            <p:grpSpPr>
+            </p:nvSpPr>
+            <p:spPr>
               <a:xfrm>
                 <a:off x="1590723" y="665876"/>
                 <a:ext cx="146367" cy="147710"/>
-                <a:chOff x="5568874" y="828450"/>
-                <a:chExt cx="210126" cy="212054"/>
               </a:xfrm>
-            </p:grpSpPr>
-            <p:sp>
-              <p:nvSpPr>
-                <p:cNvPr id="205" name="Rectangle 204">
-                  <a:extLst>
-                    <a:ext uri="{FF2B5EF4-FFF2-40B4-BE49-F238E27FC236}">
-                      <a16:creationId xmlns:a16="http://schemas.microsoft.com/office/drawing/2014/main" id="{B5CC50A7-C104-8846-900B-A8500C2CB94F}"/>
-                    </a:ext>
-                  </a:extLst>
-                </p:cNvPr>
-                <p:cNvSpPr/>
-                <p:nvPr/>
-              </p:nvSpPr>
-              <p:spPr>
-                <a:xfrm>
-                  <a:off x="5568874" y="828450"/>
-                  <a:ext cx="210126" cy="212054"/>
-                </a:xfrm>
-                <a:prstGeom prst="rect">
-                  <a:avLst/>
-                </a:prstGeom>
+              <a:prstGeom prst="rect">
+                <a:avLst/>
+              </a:prstGeom>
+              <a:solidFill>
+                <a:schemeClr val="bg1"/>
+              </a:solidFill>
+              <a:ln>
                 <a:solidFill>
-                  <a:schemeClr val="bg1"/>
+                  <a:schemeClr val="tx1"/>
                 </a:solidFill>
-                <a:ln>
+              </a:ln>
+            </p:spPr>
+            <p:style>
+              <a:lnRef idx="2">
+                <a:schemeClr val="accent1">
+                  <a:shade val="50000"/>
+                </a:schemeClr>
+              </a:lnRef>
+              <a:fillRef idx="1">
+                <a:schemeClr val="accent1"/>
+              </a:fillRef>
+              <a:effectRef idx="0">
+                <a:schemeClr val="accent1"/>
+              </a:effectRef>
+              <a:fontRef idx="minor">
+                <a:schemeClr val="lt1"/>
+              </a:fontRef>
+            </p:style>
+            <p:txBody>
+              <a:bodyPr rtlCol="0" anchor="ctr"/>
+              <a:lstStyle/>
+              <a:p>
+                <a:pPr algn="ctr"/>
+                <a:endParaRPr lang="en-US" sz="1200" dirty="0">
                   <a:solidFill>
                     <a:schemeClr val="tx1"/>
                   </a:solidFill>
-                </a:ln>
-              </p:spPr>
-              <p:style>
-                <a:lnRef idx="2">
-                  <a:schemeClr val="accent1">
-                    <a:shade val="50000"/>
-                  </a:schemeClr>
-                </a:lnRef>
-                <a:fillRef idx="1">
-                  <a:schemeClr val="accent1"/>
-                </a:fillRef>
-                <a:effectRef idx="0">
-                  <a:schemeClr val="accent1"/>
-                </a:effectRef>
-                <a:fontRef idx="minor">
-                  <a:schemeClr val="lt1"/>
-                </a:fontRef>
-              </p:style>
-              <p:txBody>
-                <a:bodyPr rtlCol="0" anchor="ctr"/>
-                <a:lstStyle/>
-                <a:p>
-                  <a:pPr algn="ctr"/>
-                  <a:endParaRPr lang="en-US" sz="1200" dirty="0">
-                    <a:solidFill>
-                      <a:schemeClr val="tx1"/>
-                    </a:solidFill>
-                  </a:endParaRPr>
-                </a:p>
-              </p:txBody>
-            </p:sp>
-            <p:pic>
-              <p:nvPicPr>
-                <p:cNvPr id="206" name="Picture 205">
-                  <a:extLst>
-                    <a:ext uri="{FF2B5EF4-FFF2-40B4-BE49-F238E27FC236}">
-                      <a16:creationId xmlns:a16="http://schemas.microsoft.com/office/drawing/2014/main" id="{87CFF984-D3A6-4E40-BDE8-45E3CE79563E}"/>
-                    </a:ext>
-                  </a:extLst>
-                </p:cNvPr>
-                <p:cNvPicPr>
-                  <a:picLocks noChangeAspect="1"/>
-                </p:cNvPicPr>
-                <p:nvPr/>
-              </p:nvPicPr>
-              <p:blipFill>
-                <a:blip r:embed="rId4"/>
-                <a:stretch>
-                  <a:fillRect/>
-                </a:stretch>
-              </p:blipFill>
-              <p:spPr>
-                <a:xfrm>
-                  <a:off x="5586136" y="872005"/>
-                  <a:ext cx="175602" cy="118956"/>
-                </a:xfrm>
-                <a:prstGeom prst="rect">
-                  <a:avLst/>
-                </a:prstGeom>
-              </p:spPr>
-            </p:pic>
-          </p:grpSp>
-          <p:grpSp>
-            <p:nvGrpSpPr>
-              <p:cNvPr id="207" name="Group 206">
+                </a:endParaRPr>
+              </a:p>
+            </p:txBody>
+          </p:sp>
+          <p:sp>
+            <p:nvSpPr>
+              <p:cNvPr id="208" name="Rectangle 207">
                 <a:extLst>
                   <a:ext uri="{FF2B5EF4-FFF2-40B4-BE49-F238E27FC236}">
-                    <a16:creationId xmlns:a16="http://schemas.microsoft.com/office/drawing/2014/main" id="{B0DF2B1D-D501-584B-A5D8-04D795433A18}"/>
+                    <a16:creationId xmlns:a16="http://schemas.microsoft.com/office/drawing/2014/main" id="{80F3C0BF-7FD4-9D4C-88A1-A63121507FC8}"/>
                   </a:ext>
                 </a:extLst>
               </p:cNvPr>
-              <p:cNvGrpSpPr/>
+              <p:cNvSpPr/>
               <p:nvPr/>
-            </p:nvGrpSpPr>
-            <p:grpSpPr>
+            </p:nvSpPr>
+            <p:spPr>
               <a:xfrm>
                 <a:off x="1590722" y="927700"/>
                 <a:ext cx="146367" cy="147710"/>
-                <a:chOff x="5568874" y="828450"/>
-                <a:chExt cx="210126" cy="212054"/>
               </a:xfrm>
-            </p:grpSpPr>
-            <p:sp>
-              <p:nvSpPr>
-                <p:cNvPr id="208" name="Rectangle 207">
-                  <a:extLst>
-                    <a:ext uri="{FF2B5EF4-FFF2-40B4-BE49-F238E27FC236}">
-                      <a16:creationId xmlns:a16="http://schemas.microsoft.com/office/drawing/2014/main" id="{80F3C0BF-7FD4-9D4C-88A1-A63121507FC8}"/>
-                    </a:ext>
-                  </a:extLst>
-                </p:cNvPr>
-                <p:cNvSpPr/>
-                <p:nvPr/>
-              </p:nvSpPr>
-              <p:spPr>
-                <a:xfrm>
-                  <a:off x="5568874" y="828450"/>
-                  <a:ext cx="210126" cy="212054"/>
-                </a:xfrm>
-                <a:prstGeom prst="rect">
-                  <a:avLst/>
-                </a:prstGeom>
+              <a:prstGeom prst="rect">
+                <a:avLst/>
+              </a:prstGeom>
+              <a:solidFill>
+                <a:schemeClr val="bg1"/>
+              </a:solidFill>
+              <a:ln>
                 <a:solidFill>
-                  <a:schemeClr val="bg1"/>
+                  <a:schemeClr val="tx1"/>
                 </a:solidFill>
-                <a:ln>
+              </a:ln>
+            </p:spPr>
+            <p:style>
+              <a:lnRef idx="2">
+                <a:schemeClr val="accent1">
+                  <a:shade val="50000"/>
+                </a:schemeClr>
+              </a:lnRef>
+              <a:fillRef idx="1">
+                <a:schemeClr val="accent1"/>
+              </a:fillRef>
+              <a:effectRef idx="0">
+                <a:schemeClr val="accent1"/>
+              </a:effectRef>
+              <a:fontRef idx="minor">
+                <a:schemeClr val="lt1"/>
+              </a:fontRef>
+            </p:style>
+            <p:txBody>
+              <a:bodyPr rtlCol="0" anchor="ctr"/>
+              <a:lstStyle/>
+              <a:p>
+                <a:pPr algn="ctr"/>
+                <a:endParaRPr lang="en-US" sz="1200" dirty="0">
                   <a:solidFill>
                     <a:schemeClr val="tx1"/>
                   </a:solidFill>
-                </a:ln>
-              </p:spPr>
-              <p:style>
-                <a:lnRef idx="2">
-                  <a:schemeClr val="accent1">
-                    <a:shade val="50000"/>
-                  </a:schemeClr>
-                </a:lnRef>
-                <a:fillRef idx="1">
-                  <a:schemeClr val="accent1"/>
-                </a:fillRef>
-                <a:effectRef idx="0">
-                  <a:schemeClr val="accent1"/>
-                </a:effectRef>
-                <a:fontRef idx="minor">
-                  <a:schemeClr val="lt1"/>
-                </a:fontRef>
-              </p:style>
-              <p:txBody>
-                <a:bodyPr rtlCol="0" anchor="ctr"/>
-                <a:lstStyle/>
-                <a:p>
-                  <a:pPr algn="ctr"/>
-                  <a:endParaRPr lang="en-US" sz="1200" dirty="0">
-                    <a:solidFill>
-                      <a:schemeClr val="tx1"/>
-                    </a:solidFill>
-                  </a:endParaRPr>
-                </a:p>
-              </p:txBody>
-            </p:sp>
-            <p:pic>
-              <p:nvPicPr>
-                <p:cNvPr id="209" name="Picture 208">
-                  <a:extLst>
-                    <a:ext uri="{FF2B5EF4-FFF2-40B4-BE49-F238E27FC236}">
-                      <a16:creationId xmlns:a16="http://schemas.microsoft.com/office/drawing/2014/main" id="{A2142604-9C4C-1D43-B46A-F3E43650D7A3}"/>
-                    </a:ext>
-                  </a:extLst>
-                </p:cNvPr>
-                <p:cNvPicPr>
-                  <a:picLocks noChangeAspect="1"/>
-                </p:cNvPicPr>
-                <p:nvPr/>
-              </p:nvPicPr>
-              <p:blipFill>
-                <a:blip r:embed="rId4"/>
-                <a:stretch>
-                  <a:fillRect/>
-                </a:stretch>
-              </p:blipFill>
-              <p:spPr>
-                <a:xfrm>
-                  <a:off x="5586136" y="872005"/>
-                  <a:ext cx="175602" cy="118956"/>
-                </a:xfrm>
-                <a:prstGeom prst="rect">
-                  <a:avLst/>
-                </a:prstGeom>
-              </p:spPr>
-            </p:pic>
-          </p:grpSp>
-          <p:grpSp>
-            <p:nvGrpSpPr>
-              <p:cNvPr id="210" name="Group 209">
+                </a:endParaRPr>
+              </a:p>
+            </p:txBody>
+          </p:sp>
+          <p:sp>
+            <p:nvSpPr>
+              <p:cNvPr id="211" name="Rectangle 210">
                 <a:extLst>
                   <a:ext uri="{FF2B5EF4-FFF2-40B4-BE49-F238E27FC236}">
-                    <a16:creationId xmlns:a16="http://schemas.microsoft.com/office/drawing/2014/main" id="{CC3A439D-0C93-184C-A92D-A73418107CB0}"/>
+                    <a16:creationId xmlns:a16="http://schemas.microsoft.com/office/drawing/2014/main" id="{24B1ED87-C8C3-D340-80EB-8244BC63F754}"/>
                   </a:ext>
                 </a:extLst>
               </p:cNvPr>
-              <p:cNvGrpSpPr/>
+              <p:cNvSpPr/>
               <p:nvPr/>
-            </p:nvGrpSpPr>
-            <p:grpSpPr>
+            </p:nvSpPr>
+            <p:spPr>
               <a:xfrm>
                 <a:off x="1590722" y="1204446"/>
                 <a:ext cx="146367" cy="147710"/>
-                <a:chOff x="5568874" y="828450"/>
-                <a:chExt cx="210126" cy="212054"/>
               </a:xfrm>
-            </p:grpSpPr>
-            <p:sp>
-              <p:nvSpPr>
-                <p:cNvPr id="211" name="Rectangle 210">
-                  <a:extLst>
-                    <a:ext uri="{FF2B5EF4-FFF2-40B4-BE49-F238E27FC236}">
-                      <a16:creationId xmlns:a16="http://schemas.microsoft.com/office/drawing/2014/main" id="{24B1ED87-C8C3-D340-80EB-8244BC63F754}"/>
-                    </a:ext>
-                  </a:extLst>
-                </p:cNvPr>
-                <p:cNvSpPr/>
-                <p:nvPr/>
-              </p:nvSpPr>
-              <p:spPr>
-                <a:xfrm>
-                  <a:off x="5568874" y="828450"/>
-                  <a:ext cx="210126" cy="212054"/>
-                </a:xfrm>
-                <a:prstGeom prst="rect">
-                  <a:avLst/>
-                </a:prstGeom>
+              <a:prstGeom prst="rect">
+                <a:avLst/>
+              </a:prstGeom>
+              <a:solidFill>
+                <a:schemeClr val="bg1"/>
+              </a:solidFill>
+              <a:ln>
                 <a:solidFill>
-                  <a:schemeClr val="bg1"/>
+                  <a:schemeClr val="tx1"/>
                 </a:solidFill>
-                <a:ln>
+              </a:ln>
+            </p:spPr>
+            <p:style>
+              <a:lnRef idx="2">
+                <a:schemeClr val="accent1">
+                  <a:shade val="50000"/>
+                </a:schemeClr>
+              </a:lnRef>
+              <a:fillRef idx="1">
+                <a:schemeClr val="accent1"/>
+              </a:fillRef>
+              <a:effectRef idx="0">
+                <a:schemeClr val="accent1"/>
+              </a:effectRef>
+              <a:fontRef idx="minor">
+                <a:schemeClr val="lt1"/>
+              </a:fontRef>
+            </p:style>
+            <p:txBody>
+              <a:bodyPr rtlCol="0" anchor="ctr"/>
+              <a:lstStyle/>
+              <a:p>
+                <a:pPr algn="ctr"/>
+                <a:endParaRPr lang="en-US" sz="1200" dirty="0">
                   <a:solidFill>
                     <a:schemeClr val="tx1"/>
                   </a:solidFill>
-                </a:ln>
-              </p:spPr>
-              <p:style>
-                <a:lnRef idx="2">
-                  <a:schemeClr val="accent1">
-                    <a:shade val="50000"/>
-                  </a:schemeClr>
-                </a:lnRef>
-                <a:fillRef idx="1">
-                  <a:schemeClr val="accent1"/>
-                </a:fillRef>
-                <a:effectRef idx="0">
-                  <a:schemeClr val="accent1"/>
-                </a:effectRef>
-                <a:fontRef idx="minor">
-                  <a:schemeClr val="lt1"/>
-                </a:fontRef>
-              </p:style>
-              <p:txBody>
-                <a:bodyPr rtlCol="0" anchor="ctr"/>
-                <a:lstStyle/>
-                <a:p>
-                  <a:pPr algn="ctr"/>
-                  <a:endParaRPr lang="en-US" sz="1200" dirty="0">
-                    <a:solidFill>
-                      <a:schemeClr val="tx1"/>
-                    </a:solidFill>
-                  </a:endParaRPr>
-                </a:p>
-              </p:txBody>
-            </p:sp>
-            <p:pic>
-              <p:nvPicPr>
-                <p:cNvPr id="212" name="Picture 211">
-                  <a:extLst>
-                    <a:ext uri="{FF2B5EF4-FFF2-40B4-BE49-F238E27FC236}">
-                      <a16:creationId xmlns:a16="http://schemas.microsoft.com/office/drawing/2014/main" id="{0DF8430A-D2B9-4E41-B887-5286EB75E5A4}"/>
-                    </a:ext>
-                  </a:extLst>
-                </p:cNvPr>
-                <p:cNvPicPr>
-                  <a:picLocks noChangeAspect="1"/>
-                </p:cNvPicPr>
-                <p:nvPr/>
-              </p:nvPicPr>
-              <p:blipFill>
-                <a:blip r:embed="rId4"/>
-                <a:stretch>
-                  <a:fillRect/>
-                </a:stretch>
-              </p:blipFill>
-              <p:spPr>
-                <a:xfrm>
-                  <a:off x="5586136" y="872005"/>
-                  <a:ext cx="175602" cy="118956"/>
-                </a:xfrm>
-                <a:prstGeom prst="rect">
-                  <a:avLst/>
-                </a:prstGeom>
-              </p:spPr>
-            </p:pic>
-          </p:grpSp>
-          <p:grpSp>
-            <p:nvGrpSpPr>
-              <p:cNvPr id="213" name="Group 212">
+                </a:endParaRPr>
+              </a:p>
+            </p:txBody>
+          </p:sp>
+          <p:sp>
+            <p:nvSpPr>
+              <p:cNvPr id="214" name="Rectangle 213">
                 <a:extLst>
                   <a:ext uri="{FF2B5EF4-FFF2-40B4-BE49-F238E27FC236}">
-                    <a16:creationId xmlns:a16="http://schemas.microsoft.com/office/drawing/2014/main" id="{9F141356-4B1F-144F-A814-05427A54CE95}"/>
+                    <a16:creationId xmlns:a16="http://schemas.microsoft.com/office/drawing/2014/main" id="{6A89D86C-072A-244A-A5FD-A68A002EDEB0}"/>
                   </a:ext>
                 </a:extLst>
               </p:cNvPr>
-              <p:cNvGrpSpPr/>
+              <p:cNvSpPr/>
               <p:nvPr/>
-            </p:nvGrpSpPr>
-            <p:grpSpPr>
+            </p:nvSpPr>
+            <p:spPr>
               <a:xfrm>
                 <a:off x="1590722" y="1421772"/>
                 <a:ext cx="146367" cy="147710"/>
-                <a:chOff x="5568874" y="828450"/>
-                <a:chExt cx="210126" cy="212054"/>
               </a:xfrm>
-            </p:grpSpPr>
-            <p:sp>
-              <p:nvSpPr>
-                <p:cNvPr id="214" name="Rectangle 213">
-                  <a:extLst>
-                    <a:ext uri="{FF2B5EF4-FFF2-40B4-BE49-F238E27FC236}">
-                      <a16:creationId xmlns:a16="http://schemas.microsoft.com/office/drawing/2014/main" id="{6A89D86C-072A-244A-A5FD-A68A002EDEB0}"/>
-                    </a:ext>
-                  </a:extLst>
-                </p:cNvPr>
-                <p:cNvSpPr/>
-                <p:nvPr/>
-              </p:nvSpPr>
-              <p:spPr>
-                <a:xfrm>
-                  <a:off x="5568874" y="828450"/>
-                  <a:ext cx="210126" cy="212054"/>
-                </a:xfrm>
-                <a:prstGeom prst="rect">
-                  <a:avLst/>
-                </a:prstGeom>
+              <a:prstGeom prst="rect">
+                <a:avLst/>
+              </a:prstGeom>
+              <a:solidFill>
+                <a:schemeClr val="bg1"/>
+              </a:solidFill>
+              <a:ln>
                 <a:solidFill>
-                  <a:schemeClr val="bg1"/>
+                  <a:schemeClr val="tx1"/>
                 </a:solidFill>
-                <a:ln>
+              </a:ln>
+            </p:spPr>
+            <p:style>
+              <a:lnRef idx="2">
+                <a:schemeClr val="accent1">
+                  <a:shade val="50000"/>
+                </a:schemeClr>
+              </a:lnRef>
+              <a:fillRef idx="1">
+                <a:schemeClr val="accent1"/>
+              </a:fillRef>
+              <a:effectRef idx="0">
+                <a:schemeClr val="accent1"/>
+              </a:effectRef>
+              <a:fontRef idx="minor">
+                <a:schemeClr val="lt1"/>
+              </a:fontRef>
+            </p:style>
+            <p:txBody>
+              <a:bodyPr rtlCol="0" anchor="ctr"/>
+              <a:lstStyle/>
+              <a:p>
+                <a:pPr algn="ctr"/>
+                <a:endParaRPr lang="en-US" sz="1200" dirty="0">
                   <a:solidFill>
                     <a:schemeClr val="tx1"/>
                   </a:solidFill>
-                </a:ln>
-              </p:spPr>
-              <p:style>
-                <a:lnRef idx="2">
-                  <a:schemeClr val="accent1">
-                    <a:shade val="50000"/>
-                  </a:schemeClr>
-                </a:lnRef>
-                <a:fillRef idx="1">
-                  <a:schemeClr val="accent1"/>
-                </a:fillRef>
-                <a:effectRef idx="0">
-                  <a:schemeClr val="accent1"/>
-                </a:effectRef>
-                <a:fontRef idx="minor">
-                  <a:schemeClr val="lt1"/>
-                </a:fontRef>
-              </p:style>
-              <p:txBody>
-                <a:bodyPr rtlCol="0" anchor="ctr"/>
-                <a:lstStyle/>
-                <a:p>
-                  <a:pPr algn="ctr"/>
-                  <a:endParaRPr lang="en-US" sz="1200" dirty="0">
-                    <a:solidFill>
-                      <a:schemeClr val="tx1"/>
-                    </a:solidFill>
-                  </a:endParaRPr>
-                </a:p>
-              </p:txBody>
-            </p:sp>
-            <p:pic>
-              <p:nvPicPr>
-                <p:cNvPr id="215" name="Picture 214">
-                  <a:extLst>
-                    <a:ext uri="{FF2B5EF4-FFF2-40B4-BE49-F238E27FC236}">
-                      <a16:creationId xmlns:a16="http://schemas.microsoft.com/office/drawing/2014/main" id="{F6B5DF05-7427-DC46-9635-147499A28839}"/>
-                    </a:ext>
-                  </a:extLst>
-                </p:cNvPr>
-                <p:cNvPicPr>
-                  <a:picLocks noChangeAspect="1"/>
-                </p:cNvPicPr>
-                <p:nvPr/>
-              </p:nvPicPr>
-              <p:blipFill>
-                <a:blip r:embed="rId4"/>
-                <a:stretch>
-                  <a:fillRect/>
-                </a:stretch>
-              </p:blipFill>
-              <p:spPr>
-                <a:xfrm>
-                  <a:off x="5586136" y="872005"/>
-                  <a:ext cx="175602" cy="118956"/>
-                </a:xfrm>
-                <a:prstGeom prst="rect">
-                  <a:avLst/>
-                </a:prstGeom>
-              </p:spPr>
-            </p:pic>
-          </p:grpSp>
-          <p:grpSp>
-            <p:nvGrpSpPr>
-              <p:cNvPr id="216" name="Group 215">
+                </a:endParaRPr>
+              </a:p>
+            </p:txBody>
+          </p:sp>
+          <p:sp>
+            <p:nvSpPr>
+              <p:cNvPr id="217" name="Rectangle 216">
                 <a:extLst>
                   <a:ext uri="{FF2B5EF4-FFF2-40B4-BE49-F238E27FC236}">
-                    <a16:creationId xmlns:a16="http://schemas.microsoft.com/office/drawing/2014/main" id="{E8C8E427-38A6-944E-98D2-EB51C80C678E}"/>
+                    <a16:creationId xmlns:a16="http://schemas.microsoft.com/office/drawing/2014/main" id="{9F458178-F013-6C41-B344-4172DE4809A9}"/>
                   </a:ext>
                 </a:extLst>
               </p:cNvPr>
-              <p:cNvGrpSpPr/>
+              <p:cNvSpPr/>
               <p:nvPr/>
-            </p:nvGrpSpPr>
-            <p:grpSpPr>
+            </p:nvSpPr>
+            <p:spPr>
               <a:xfrm>
                 <a:off x="1590721" y="1680672"/>
                 <a:ext cx="146367" cy="147710"/>
-                <a:chOff x="5568874" y="828450"/>
-                <a:chExt cx="210126" cy="212054"/>
               </a:xfrm>
-            </p:grpSpPr>
-            <p:sp>
-              <p:nvSpPr>
-                <p:cNvPr id="217" name="Rectangle 216">
-                  <a:extLst>
-                    <a:ext uri="{FF2B5EF4-FFF2-40B4-BE49-F238E27FC236}">
-                      <a16:creationId xmlns:a16="http://schemas.microsoft.com/office/drawing/2014/main" id="{9F458178-F013-6C41-B344-4172DE4809A9}"/>
-                    </a:ext>
-                  </a:extLst>
-                </p:cNvPr>
-                <p:cNvSpPr/>
-                <p:nvPr/>
-              </p:nvSpPr>
-              <p:spPr>
-                <a:xfrm>
-                  <a:off x="5568874" y="828450"/>
-                  <a:ext cx="210126" cy="212054"/>
-                </a:xfrm>
-                <a:prstGeom prst="rect">
-                  <a:avLst/>
-                </a:prstGeom>
+              <a:prstGeom prst="rect">
+                <a:avLst/>
+              </a:prstGeom>
+              <a:solidFill>
+                <a:schemeClr val="bg1"/>
+              </a:solidFill>
+              <a:ln>
                 <a:solidFill>
-                  <a:schemeClr val="bg1"/>
+                  <a:schemeClr val="tx1"/>
                 </a:solidFill>
-                <a:ln>
+              </a:ln>
+            </p:spPr>
+            <p:style>
+              <a:lnRef idx="2">
+                <a:schemeClr val="accent1">
+                  <a:shade val="50000"/>
+                </a:schemeClr>
+              </a:lnRef>
+              <a:fillRef idx="1">
+                <a:schemeClr val="accent1"/>
+              </a:fillRef>
+              <a:effectRef idx="0">
+                <a:schemeClr val="accent1"/>
+              </a:effectRef>
+              <a:fontRef idx="minor">
+                <a:schemeClr val="lt1"/>
+              </a:fontRef>
+            </p:style>
+            <p:txBody>
+              <a:bodyPr rtlCol="0" anchor="ctr"/>
+              <a:lstStyle/>
+              <a:p>
+                <a:pPr algn="ctr"/>
+                <a:endParaRPr lang="en-US" sz="1200" dirty="0">
                   <a:solidFill>
                     <a:schemeClr val="tx1"/>
                   </a:solidFill>
-                </a:ln>
-              </p:spPr>
-              <p:style>
-                <a:lnRef idx="2">
-                  <a:schemeClr val="accent1">
-                    <a:shade val="50000"/>
-                  </a:schemeClr>
-                </a:lnRef>
-                <a:fillRef idx="1">
-                  <a:schemeClr val="accent1"/>
-                </a:fillRef>
-                <a:effectRef idx="0">
-                  <a:schemeClr val="accent1"/>
-                </a:effectRef>
-                <a:fontRef idx="minor">
-                  <a:schemeClr val="lt1"/>
-                </a:fontRef>
-              </p:style>
-              <p:txBody>
-                <a:bodyPr rtlCol="0" anchor="ctr"/>
-                <a:lstStyle/>
-                <a:p>
-                  <a:pPr algn="ctr"/>
-                  <a:endParaRPr lang="en-US" sz="1200" dirty="0">
-                    <a:solidFill>
-                      <a:schemeClr val="tx1"/>
-                    </a:solidFill>
-                  </a:endParaRPr>
-                </a:p>
-              </p:txBody>
-            </p:sp>
-            <p:pic>
-              <p:nvPicPr>
-                <p:cNvPr id="218" name="Picture 217">
-                  <a:extLst>
-                    <a:ext uri="{FF2B5EF4-FFF2-40B4-BE49-F238E27FC236}">
-                      <a16:creationId xmlns:a16="http://schemas.microsoft.com/office/drawing/2014/main" id="{D8DE0666-D5AF-DD47-9F92-E9C43658B748}"/>
-                    </a:ext>
-                  </a:extLst>
-                </p:cNvPr>
-                <p:cNvPicPr>
-                  <a:picLocks noChangeAspect="1"/>
-                </p:cNvPicPr>
-                <p:nvPr/>
-              </p:nvPicPr>
-              <p:blipFill>
-                <a:blip r:embed="rId4"/>
-                <a:stretch>
-                  <a:fillRect/>
-                </a:stretch>
-              </p:blipFill>
-              <p:spPr>
-                <a:xfrm>
-                  <a:off x="5586136" y="872005"/>
-                  <a:ext cx="175602" cy="118956"/>
-                </a:xfrm>
-                <a:prstGeom prst="rect">
-                  <a:avLst/>
-                </a:prstGeom>
-              </p:spPr>
-            </p:pic>
-          </p:grpSp>
-          <p:grpSp>
-            <p:nvGrpSpPr>
-              <p:cNvPr id="219" name="Group 218">
+                </a:endParaRPr>
+              </a:p>
+            </p:txBody>
+          </p:sp>
+          <p:sp>
+            <p:nvSpPr>
+              <p:cNvPr id="220" name="Rectangle 219">
                 <a:extLst>
                   <a:ext uri="{FF2B5EF4-FFF2-40B4-BE49-F238E27FC236}">
-                    <a16:creationId xmlns:a16="http://schemas.microsoft.com/office/drawing/2014/main" id="{0B2B331A-BE26-1C40-A033-30CF548ED273}"/>
+                    <a16:creationId xmlns:a16="http://schemas.microsoft.com/office/drawing/2014/main" id="{D6D40EEC-EA91-4843-83DD-65F5C2D6E086}"/>
                   </a:ext>
                 </a:extLst>
               </p:cNvPr>
-              <p:cNvGrpSpPr/>
+              <p:cNvSpPr/>
               <p:nvPr/>
-            </p:nvGrpSpPr>
-            <p:grpSpPr>
+            </p:nvSpPr>
+            <p:spPr>
               <a:xfrm>
                 <a:off x="1590721" y="2011809"/>
                 <a:ext cx="146367" cy="147710"/>
-                <a:chOff x="5568874" y="828450"/>
-                <a:chExt cx="210126" cy="212054"/>
               </a:xfrm>
-            </p:grpSpPr>
-            <p:sp>
-              <p:nvSpPr>
-                <p:cNvPr id="220" name="Rectangle 219">
-                  <a:extLst>
-                    <a:ext uri="{FF2B5EF4-FFF2-40B4-BE49-F238E27FC236}">
-                      <a16:creationId xmlns:a16="http://schemas.microsoft.com/office/drawing/2014/main" id="{D6D40EEC-EA91-4843-83DD-65F5C2D6E086}"/>
-                    </a:ext>
-                  </a:extLst>
-                </p:cNvPr>
-                <p:cNvSpPr/>
-                <p:nvPr/>
-              </p:nvSpPr>
-              <p:spPr>
-                <a:xfrm>
-                  <a:off x="5568874" y="828450"/>
-                  <a:ext cx="210126" cy="212054"/>
-                </a:xfrm>
-                <a:prstGeom prst="rect">
-                  <a:avLst/>
-                </a:prstGeom>
+              <a:prstGeom prst="rect">
+                <a:avLst/>
+              </a:prstGeom>
+              <a:solidFill>
+                <a:schemeClr val="bg1"/>
+              </a:solidFill>
+              <a:ln>
                 <a:solidFill>
-                  <a:schemeClr val="bg1"/>
+                  <a:schemeClr val="tx1"/>
                 </a:solidFill>
-                <a:ln>
+              </a:ln>
+            </p:spPr>
+            <p:style>
+              <a:lnRef idx="2">
+                <a:schemeClr val="accent1">
+                  <a:shade val="50000"/>
+                </a:schemeClr>
+              </a:lnRef>
+              <a:fillRef idx="1">
+                <a:schemeClr val="accent1"/>
+              </a:fillRef>
+              <a:effectRef idx="0">
+                <a:schemeClr val="accent1"/>
+              </a:effectRef>
+              <a:fontRef idx="minor">
+                <a:schemeClr val="lt1"/>
+              </a:fontRef>
+            </p:style>
+            <p:txBody>
+              <a:bodyPr rtlCol="0" anchor="ctr"/>
+              <a:lstStyle/>
+              <a:p>
+                <a:pPr algn="ctr"/>
+                <a:endParaRPr lang="en-US" sz="1200" dirty="0">
                   <a:solidFill>
                     <a:schemeClr val="tx1"/>
                   </a:solidFill>
-                </a:ln>
-              </p:spPr>
-              <p:style>
-                <a:lnRef idx="2">
-                  <a:schemeClr val="accent1">
-                    <a:shade val="50000"/>
-                  </a:schemeClr>
-                </a:lnRef>
-                <a:fillRef idx="1">
-                  <a:schemeClr val="accent1"/>
-                </a:fillRef>
-                <a:effectRef idx="0">
-                  <a:schemeClr val="accent1"/>
-                </a:effectRef>
-                <a:fontRef idx="minor">
-                  <a:schemeClr val="lt1"/>
-                </a:fontRef>
-              </p:style>
-              <p:txBody>
-                <a:bodyPr rtlCol="0" anchor="ctr"/>
-                <a:lstStyle/>
-                <a:p>
-                  <a:pPr algn="ctr"/>
-                  <a:endParaRPr lang="en-US" sz="1200" dirty="0">
-                    <a:solidFill>
-                      <a:schemeClr val="tx1"/>
-                    </a:solidFill>
-                  </a:endParaRPr>
-                </a:p>
-              </p:txBody>
-            </p:sp>
-            <p:pic>
-              <p:nvPicPr>
-                <p:cNvPr id="221" name="Picture 220">
-                  <a:extLst>
-                    <a:ext uri="{FF2B5EF4-FFF2-40B4-BE49-F238E27FC236}">
-                      <a16:creationId xmlns:a16="http://schemas.microsoft.com/office/drawing/2014/main" id="{EA092791-66DA-C54B-B88D-82B13DA3023E}"/>
-                    </a:ext>
-                  </a:extLst>
-                </p:cNvPr>
-                <p:cNvPicPr>
-                  <a:picLocks noChangeAspect="1"/>
-                </p:cNvPicPr>
-                <p:nvPr/>
-              </p:nvPicPr>
-              <p:blipFill>
-                <a:blip r:embed="rId4"/>
-                <a:stretch>
-                  <a:fillRect/>
-                </a:stretch>
-              </p:blipFill>
-              <p:spPr>
-                <a:xfrm>
-                  <a:off x="5586136" y="872005"/>
-                  <a:ext cx="175602" cy="118956"/>
-                </a:xfrm>
-                <a:prstGeom prst="rect">
-                  <a:avLst/>
-                </a:prstGeom>
-              </p:spPr>
-            </p:pic>
-          </p:grpSp>
-          <p:grpSp>
-            <p:nvGrpSpPr>
-              <p:cNvPr id="225" name="Group 224">
+                </a:endParaRPr>
+              </a:p>
+            </p:txBody>
+          </p:sp>
+          <p:sp>
+            <p:nvSpPr>
+              <p:cNvPr id="226" name="Rectangle 225">
                 <a:extLst>
                   <a:ext uri="{FF2B5EF4-FFF2-40B4-BE49-F238E27FC236}">
-                    <a16:creationId xmlns:a16="http://schemas.microsoft.com/office/drawing/2014/main" id="{AED0795D-D2A1-7B45-8D82-236FB1B98B80}"/>
+                    <a16:creationId xmlns:a16="http://schemas.microsoft.com/office/drawing/2014/main" id="{7999BBF8-276B-C844-B710-69E7E5FC4A46}"/>
                   </a:ext>
                 </a:extLst>
               </p:cNvPr>
-              <p:cNvGrpSpPr/>
+              <p:cNvSpPr/>
               <p:nvPr/>
-            </p:nvGrpSpPr>
-            <p:grpSpPr>
+            </p:nvSpPr>
+            <p:spPr>
               <a:xfrm>
                 <a:off x="1590721" y="2227358"/>
                 <a:ext cx="146367" cy="147710"/>
-                <a:chOff x="5568874" y="828450"/>
-                <a:chExt cx="210126" cy="212054"/>
               </a:xfrm>
-            </p:grpSpPr>
-            <p:sp>
-              <p:nvSpPr>
-                <p:cNvPr id="226" name="Rectangle 225">
-                  <a:extLst>
-                    <a:ext uri="{FF2B5EF4-FFF2-40B4-BE49-F238E27FC236}">
-                      <a16:creationId xmlns:a16="http://schemas.microsoft.com/office/drawing/2014/main" id="{7999BBF8-276B-C844-B710-69E7E5FC4A46}"/>
-                    </a:ext>
-                  </a:extLst>
-                </p:cNvPr>
-                <p:cNvSpPr/>
-                <p:nvPr/>
-              </p:nvSpPr>
-              <p:spPr>
-                <a:xfrm>
-                  <a:off x="5568874" y="828450"/>
-                  <a:ext cx="210126" cy="212054"/>
-                </a:xfrm>
-                <a:prstGeom prst="rect">
-                  <a:avLst/>
-                </a:prstGeom>
+              <a:prstGeom prst="rect">
+                <a:avLst/>
+              </a:prstGeom>
+              <a:solidFill>
+                <a:schemeClr val="bg1"/>
+              </a:solidFill>
+              <a:ln>
                 <a:solidFill>
-                  <a:schemeClr val="bg1"/>
+                  <a:schemeClr val="tx1"/>
                 </a:solidFill>
-                <a:ln>
+              </a:ln>
+            </p:spPr>
+            <p:style>
+              <a:lnRef idx="2">
+                <a:schemeClr val="accent1">
+                  <a:shade val="50000"/>
+                </a:schemeClr>
+              </a:lnRef>
+              <a:fillRef idx="1">
+                <a:schemeClr val="accent1"/>
+              </a:fillRef>
+              <a:effectRef idx="0">
+                <a:schemeClr val="accent1"/>
+              </a:effectRef>
+              <a:fontRef idx="minor">
+                <a:schemeClr val="lt1"/>
+              </a:fontRef>
+            </p:style>
+            <p:txBody>
+              <a:bodyPr rtlCol="0" anchor="ctr"/>
+              <a:lstStyle/>
+              <a:p>
+                <a:pPr algn="ctr"/>
+                <a:endParaRPr lang="en-US" sz="1200" dirty="0">
                   <a:solidFill>
                     <a:schemeClr val="tx1"/>
                   </a:solidFill>
-                </a:ln>
-              </p:spPr>
-              <p:style>
-                <a:lnRef idx="2">
-                  <a:schemeClr val="accent1">
-                    <a:shade val="50000"/>
-                  </a:schemeClr>
-                </a:lnRef>
-                <a:fillRef idx="1">
-                  <a:schemeClr val="accent1"/>
-                </a:fillRef>
-                <a:effectRef idx="0">
-                  <a:schemeClr val="accent1"/>
-                </a:effectRef>
-                <a:fontRef idx="minor">
-                  <a:schemeClr val="lt1"/>
-                </a:fontRef>
-              </p:style>
-              <p:txBody>
-                <a:bodyPr rtlCol="0" anchor="ctr"/>
-                <a:lstStyle/>
-                <a:p>
-                  <a:pPr algn="ctr"/>
-                  <a:endParaRPr lang="en-US" sz="1200" dirty="0">
-                    <a:solidFill>
-                      <a:schemeClr val="tx1"/>
-                    </a:solidFill>
-                  </a:endParaRPr>
-                </a:p>
-              </p:txBody>
-            </p:sp>
-            <p:pic>
-              <p:nvPicPr>
-                <p:cNvPr id="227" name="Picture 226">
-                  <a:extLst>
-                    <a:ext uri="{FF2B5EF4-FFF2-40B4-BE49-F238E27FC236}">
-                      <a16:creationId xmlns:a16="http://schemas.microsoft.com/office/drawing/2014/main" id="{96734720-CA3D-9947-8D16-CB5E00910CE0}"/>
-                    </a:ext>
-                  </a:extLst>
-                </p:cNvPr>
-                <p:cNvPicPr>
-                  <a:picLocks noChangeAspect="1"/>
-                </p:cNvPicPr>
-                <p:nvPr/>
-              </p:nvPicPr>
-              <p:blipFill>
-                <a:blip r:embed="rId4"/>
-                <a:stretch>
-                  <a:fillRect/>
-                </a:stretch>
-              </p:blipFill>
-              <p:spPr>
-                <a:xfrm>
-                  <a:off x="5586136" y="872005"/>
-                  <a:ext cx="175602" cy="118956"/>
-                </a:xfrm>
-                <a:prstGeom prst="rect">
-                  <a:avLst/>
-                </a:prstGeom>
-              </p:spPr>
-            </p:pic>
-          </p:grpSp>
-          <p:grpSp>
-            <p:nvGrpSpPr>
-              <p:cNvPr id="228" name="Group 227">
+                </a:endParaRPr>
+              </a:p>
+            </p:txBody>
+          </p:sp>
+          <p:sp>
+            <p:nvSpPr>
+              <p:cNvPr id="229" name="Rectangle 228">
                 <a:extLst>
                   <a:ext uri="{FF2B5EF4-FFF2-40B4-BE49-F238E27FC236}">
-                    <a16:creationId xmlns:a16="http://schemas.microsoft.com/office/drawing/2014/main" id="{32D4799F-7E03-DF44-9C98-7B0616603F1D}"/>
+                    <a16:creationId xmlns:a16="http://schemas.microsoft.com/office/drawing/2014/main" id="{1BEC4365-1F38-4A42-9BB5-B1975643EC06}"/>
                   </a:ext>
                 </a:extLst>
               </p:cNvPr>
-              <p:cNvGrpSpPr/>
+              <p:cNvSpPr/>
               <p:nvPr/>
-            </p:nvGrpSpPr>
-            <p:grpSpPr>
+            </p:nvSpPr>
+            <p:spPr>
               <a:xfrm>
                 <a:off x="1590721" y="2481285"/>
                 <a:ext cx="146367" cy="147710"/>
-                <a:chOff x="5568874" y="828450"/>
-                <a:chExt cx="210126" cy="212054"/>
               </a:xfrm>
-            </p:grpSpPr>
-            <p:sp>
-              <p:nvSpPr>
-                <p:cNvPr id="229" name="Rectangle 228">
-                  <a:extLst>
-                    <a:ext uri="{FF2B5EF4-FFF2-40B4-BE49-F238E27FC236}">
-                      <a16:creationId xmlns:a16="http://schemas.microsoft.com/office/drawing/2014/main" id="{1BEC4365-1F38-4A42-9BB5-B1975643EC06}"/>
-                    </a:ext>
-                  </a:extLst>
-                </p:cNvPr>
-                <p:cNvSpPr/>
-                <p:nvPr/>
-              </p:nvSpPr>
-              <p:spPr>
-                <a:xfrm>
-                  <a:off x="5568874" y="828450"/>
-                  <a:ext cx="210126" cy="212054"/>
-                </a:xfrm>
-                <a:prstGeom prst="rect">
-                  <a:avLst/>
-                </a:prstGeom>
+              <a:prstGeom prst="rect">
+                <a:avLst/>
+              </a:prstGeom>
+              <a:solidFill>
+                <a:schemeClr val="bg1"/>
+              </a:solidFill>
+              <a:ln>
                 <a:solidFill>
-                  <a:schemeClr val="bg1"/>
+                  <a:schemeClr val="tx1"/>
                 </a:solidFill>
-                <a:ln>
+              </a:ln>
+            </p:spPr>
+            <p:style>
+              <a:lnRef idx="2">
+                <a:schemeClr val="accent1">
+                  <a:shade val="50000"/>
+                </a:schemeClr>
+              </a:lnRef>
+              <a:fillRef idx="1">
+                <a:schemeClr val="accent1"/>
+              </a:fillRef>
+              <a:effectRef idx="0">
+                <a:schemeClr val="accent1"/>
+              </a:effectRef>
+              <a:fontRef idx="minor">
+                <a:schemeClr val="lt1"/>
+              </a:fontRef>
+            </p:style>
+            <p:txBody>
+              <a:bodyPr rtlCol="0" anchor="ctr"/>
+              <a:lstStyle/>
+              <a:p>
+                <a:pPr algn="ctr"/>
+                <a:endParaRPr lang="en-US" sz="1200" dirty="0">
                   <a:solidFill>
                     <a:schemeClr val="tx1"/>
                   </a:solidFill>
-                </a:ln>
-              </p:spPr>
-              <p:style>
-                <a:lnRef idx="2">
-                  <a:schemeClr val="accent1">
-                    <a:shade val="50000"/>
-                  </a:schemeClr>
-                </a:lnRef>
-                <a:fillRef idx="1">
-                  <a:schemeClr val="accent1"/>
-                </a:fillRef>
-                <a:effectRef idx="0">
-                  <a:schemeClr val="accent1"/>
-                </a:effectRef>
-                <a:fontRef idx="minor">
-                  <a:schemeClr val="lt1"/>
-                </a:fontRef>
-              </p:style>
-              <p:txBody>
-                <a:bodyPr rtlCol="0" anchor="ctr"/>
-                <a:lstStyle/>
-                <a:p>
-                  <a:pPr algn="ctr"/>
-                  <a:endParaRPr lang="en-US" sz="1200" dirty="0">
-                    <a:solidFill>
-                      <a:schemeClr val="tx1"/>
-                    </a:solidFill>
-                  </a:endParaRPr>
-                </a:p>
-              </p:txBody>
-            </p:sp>
-            <p:pic>
-              <p:nvPicPr>
-                <p:cNvPr id="230" name="Picture 229">
-                  <a:extLst>
-                    <a:ext uri="{FF2B5EF4-FFF2-40B4-BE49-F238E27FC236}">
-                      <a16:creationId xmlns:a16="http://schemas.microsoft.com/office/drawing/2014/main" id="{91D2354A-4972-A845-B5C0-FB648543B811}"/>
-                    </a:ext>
-                  </a:extLst>
-                </p:cNvPr>
-                <p:cNvPicPr>
-                  <a:picLocks noChangeAspect="1"/>
-                </p:cNvPicPr>
-                <p:nvPr/>
-              </p:nvPicPr>
-              <p:blipFill>
-                <a:blip r:embed="rId4"/>
-                <a:stretch>
-                  <a:fillRect/>
-                </a:stretch>
-              </p:blipFill>
-              <p:spPr>
-                <a:xfrm>
-                  <a:off x="5586136" y="872005"/>
-                  <a:ext cx="175602" cy="118956"/>
-                </a:xfrm>
-                <a:prstGeom prst="rect">
-                  <a:avLst/>
-                </a:prstGeom>
-              </p:spPr>
-            </p:pic>
-          </p:grpSp>
-          <p:grpSp>
-            <p:nvGrpSpPr>
-              <p:cNvPr id="231" name="Group 230">
+                </a:endParaRPr>
+              </a:p>
+            </p:txBody>
+          </p:sp>
+          <p:sp>
+            <p:nvSpPr>
+              <p:cNvPr id="232" name="Rectangle 231">
                 <a:extLst>
                   <a:ext uri="{FF2B5EF4-FFF2-40B4-BE49-F238E27FC236}">
-                    <a16:creationId xmlns:a16="http://schemas.microsoft.com/office/drawing/2014/main" id="{96582338-B9A4-C648-BF73-9A58E4B44409}"/>
+                    <a16:creationId xmlns:a16="http://schemas.microsoft.com/office/drawing/2014/main" id="{6300B34D-E1C6-2A48-8076-17CBFBFF8DA0}"/>
                   </a:ext>
                 </a:extLst>
               </p:cNvPr>
-              <p:cNvGrpSpPr/>
+              <p:cNvSpPr/>
               <p:nvPr/>
-            </p:nvGrpSpPr>
-            <p:grpSpPr>
+            </p:nvSpPr>
+            <p:spPr>
               <a:xfrm>
                 <a:off x="1590721" y="2780341"/>
                 <a:ext cx="146367" cy="147710"/>
-                <a:chOff x="5568874" y="828450"/>
-                <a:chExt cx="210126" cy="212054"/>
               </a:xfrm>
-            </p:grpSpPr>
-            <p:sp>
-              <p:nvSpPr>
-                <p:cNvPr id="232" name="Rectangle 231">
-                  <a:extLst>
-                    <a:ext uri="{FF2B5EF4-FFF2-40B4-BE49-F238E27FC236}">
-                      <a16:creationId xmlns:a16="http://schemas.microsoft.com/office/drawing/2014/main" id="{6300B34D-E1C6-2A48-8076-17CBFBFF8DA0}"/>
-                    </a:ext>
-                  </a:extLst>
-                </p:cNvPr>
-                <p:cNvSpPr/>
-                <p:nvPr/>
-              </p:nvSpPr>
-              <p:spPr>
-                <a:xfrm>
-                  <a:off x="5568874" y="828450"/>
-                  <a:ext cx="210126" cy="212054"/>
-                </a:xfrm>
-                <a:prstGeom prst="rect">
-                  <a:avLst/>
-                </a:prstGeom>
+              <a:prstGeom prst="rect">
+                <a:avLst/>
+              </a:prstGeom>
+              <a:solidFill>
+                <a:schemeClr val="bg1"/>
+              </a:solidFill>
+              <a:ln>
                 <a:solidFill>
-                  <a:schemeClr val="bg1"/>
+                  <a:schemeClr val="tx1"/>
                 </a:solidFill>
-                <a:ln>
+              </a:ln>
+            </p:spPr>
+            <p:style>
+              <a:lnRef idx="2">
+                <a:schemeClr val="accent1">
+                  <a:shade val="50000"/>
+                </a:schemeClr>
+              </a:lnRef>
+              <a:fillRef idx="1">
+                <a:schemeClr val="accent1"/>
+              </a:fillRef>
+              <a:effectRef idx="0">
+                <a:schemeClr val="accent1"/>
+              </a:effectRef>
+              <a:fontRef idx="minor">
+                <a:schemeClr val="lt1"/>
+              </a:fontRef>
+            </p:style>
+            <p:txBody>
+              <a:bodyPr rtlCol="0" anchor="ctr"/>
+              <a:lstStyle/>
+              <a:p>
+                <a:pPr algn="ctr"/>
+                <a:endParaRPr lang="en-US" sz="1200" dirty="0">
                   <a:solidFill>
                     <a:schemeClr val="tx1"/>
                   </a:solidFill>
-                </a:ln>
-              </p:spPr>
-              <p:style>
-                <a:lnRef idx="2">
-                  <a:schemeClr val="accent1">
-                    <a:shade val="50000"/>
-                  </a:schemeClr>
-                </a:lnRef>
-                <a:fillRef idx="1">
-                  <a:schemeClr val="accent1"/>
-                </a:fillRef>
-                <a:effectRef idx="0">
-                  <a:schemeClr val="accent1"/>
-                </a:effectRef>
-                <a:fontRef idx="minor">
-                  <a:schemeClr val="lt1"/>
-                </a:fontRef>
-              </p:style>
-              <p:txBody>
-                <a:bodyPr rtlCol="0" anchor="ctr"/>
-                <a:lstStyle/>
-                <a:p>
-                  <a:pPr algn="ctr"/>
-                  <a:endParaRPr lang="en-US" sz="1200" dirty="0">
-                    <a:solidFill>
-                      <a:schemeClr val="tx1"/>
-                    </a:solidFill>
-                  </a:endParaRPr>
-                </a:p>
-              </p:txBody>
-            </p:sp>
-            <p:pic>
-              <p:nvPicPr>
-                <p:cNvPr id="233" name="Picture 232">
-                  <a:extLst>
-                    <a:ext uri="{FF2B5EF4-FFF2-40B4-BE49-F238E27FC236}">
-                      <a16:creationId xmlns:a16="http://schemas.microsoft.com/office/drawing/2014/main" id="{9CD03B0C-2717-FE4A-87C2-82EC4DB01DBD}"/>
-                    </a:ext>
-                  </a:extLst>
-                </p:cNvPr>
-                <p:cNvPicPr>
-                  <a:picLocks noChangeAspect="1"/>
-                </p:cNvPicPr>
-                <p:nvPr/>
-              </p:nvPicPr>
-              <p:blipFill>
-                <a:blip r:embed="rId4"/>
-                <a:stretch>
-                  <a:fillRect/>
-                </a:stretch>
-              </p:blipFill>
-              <p:spPr>
-                <a:xfrm>
-                  <a:off x="5586136" y="872005"/>
-                  <a:ext cx="175602" cy="118956"/>
-                </a:xfrm>
-                <a:prstGeom prst="rect">
-                  <a:avLst/>
-                </a:prstGeom>
-              </p:spPr>
-            </p:pic>
-          </p:grpSp>
-          <p:grpSp>
-            <p:nvGrpSpPr>
-              <p:cNvPr id="234" name="Group 233">
+                </a:endParaRPr>
+              </a:p>
+            </p:txBody>
+          </p:sp>
+          <p:sp>
+            <p:nvSpPr>
+              <p:cNvPr id="235" name="Rectangle 234">
                 <a:extLst>
                   <a:ext uri="{FF2B5EF4-FFF2-40B4-BE49-F238E27FC236}">
-                    <a16:creationId xmlns:a16="http://schemas.microsoft.com/office/drawing/2014/main" id="{21A72EC8-0C03-CD45-9E41-89FD8ADEB55C}"/>
+                    <a16:creationId xmlns:a16="http://schemas.microsoft.com/office/drawing/2014/main" id="{922E35A0-E2AB-5241-ABB5-86BA791A7D7D}"/>
                   </a:ext>
                 </a:extLst>
               </p:cNvPr>
-              <p:cNvGrpSpPr/>
+              <p:cNvSpPr/>
               <p:nvPr/>
-            </p:nvGrpSpPr>
-            <p:grpSpPr>
+            </p:nvSpPr>
+            <p:spPr>
               <a:xfrm>
                 <a:off x="1590721" y="2996034"/>
                 <a:ext cx="146367" cy="147710"/>
-                <a:chOff x="5568874" y="828450"/>
-                <a:chExt cx="210126" cy="212054"/>
               </a:xfrm>
-            </p:grpSpPr>
-            <p:sp>
-              <p:nvSpPr>
-                <p:cNvPr id="235" name="Rectangle 234">
-                  <a:extLst>
-                    <a:ext uri="{FF2B5EF4-FFF2-40B4-BE49-F238E27FC236}">
-                      <a16:creationId xmlns:a16="http://schemas.microsoft.com/office/drawing/2014/main" id="{922E35A0-E2AB-5241-ABB5-86BA791A7D7D}"/>
-                    </a:ext>
-                  </a:extLst>
-                </p:cNvPr>
-                <p:cNvSpPr/>
-                <p:nvPr/>
-              </p:nvSpPr>
-              <p:spPr>
-                <a:xfrm>
-                  <a:off x="5568874" y="828450"/>
-                  <a:ext cx="210126" cy="212054"/>
-                </a:xfrm>
-                <a:prstGeom prst="rect">
-                  <a:avLst/>
-                </a:prstGeom>
+              <a:prstGeom prst="rect">
+                <a:avLst/>
+              </a:prstGeom>
+              <a:solidFill>
+                <a:schemeClr val="bg1"/>
+              </a:solidFill>
+              <a:ln>
                 <a:solidFill>
-                  <a:schemeClr val="bg1"/>
+                  <a:schemeClr val="tx1"/>
                 </a:solidFill>
-                <a:ln>
+              </a:ln>
+            </p:spPr>
+            <p:style>
+              <a:lnRef idx="2">
+                <a:schemeClr val="accent1">
+                  <a:shade val="50000"/>
+                </a:schemeClr>
+              </a:lnRef>
+              <a:fillRef idx="1">
+                <a:schemeClr val="accent1"/>
+              </a:fillRef>
+              <a:effectRef idx="0">
+                <a:schemeClr val="accent1"/>
+              </a:effectRef>
+              <a:fontRef idx="minor">
+                <a:schemeClr val="lt1"/>
+              </a:fontRef>
+            </p:style>
+            <p:txBody>
+              <a:bodyPr rtlCol="0" anchor="ctr"/>
+              <a:lstStyle/>
+              <a:p>
+                <a:pPr algn="ctr"/>
+                <a:endParaRPr lang="en-US" sz="1200" dirty="0">
                   <a:solidFill>
                     <a:schemeClr val="tx1"/>
                   </a:solidFill>
-                </a:ln>
-              </p:spPr>
-              <p:style>
-                <a:lnRef idx="2">
-                  <a:schemeClr val="accent1">
-                    <a:shade val="50000"/>
-                  </a:schemeClr>
-                </a:lnRef>
-                <a:fillRef idx="1">
-                  <a:schemeClr val="accent1"/>
-                </a:fillRef>
-                <a:effectRef idx="0">
-                  <a:schemeClr val="accent1"/>
-                </a:effectRef>
-                <a:fontRef idx="minor">
-                  <a:schemeClr val="lt1"/>
-                </a:fontRef>
-              </p:style>
-              <p:txBody>
-                <a:bodyPr rtlCol="0" anchor="ctr"/>
-                <a:lstStyle/>
-                <a:p>
-                  <a:pPr algn="ctr"/>
-                  <a:endParaRPr lang="en-US" sz="1200" dirty="0">
-                    <a:solidFill>
-                      <a:schemeClr val="tx1"/>
-                    </a:solidFill>
-                  </a:endParaRPr>
-                </a:p>
-              </p:txBody>
-            </p:sp>
-            <p:pic>
-              <p:nvPicPr>
-                <p:cNvPr id="236" name="Picture 235">
-                  <a:extLst>
-                    <a:ext uri="{FF2B5EF4-FFF2-40B4-BE49-F238E27FC236}">
-                      <a16:creationId xmlns:a16="http://schemas.microsoft.com/office/drawing/2014/main" id="{E796876E-EE47-154E-8D7C-5512A934FC5F}"/>
-                    </a:ext>
-                  </a:extLst>
-                </p:cNvPr>
-                <p:cNvPicPr>
-                  <a:picLocks noChangeAspect="1"/>
-                </p:cNvPicPr>
-                <p:nvPr/>
-              </p:nvPicPr>
-              <p:blipFill>
-                <a:blip r:embed="rId4"/>
-                <a:stretch>
-                  <a:fillRect/>
-                </a:stretch>
-              </p:blipFill>
-              <p:spPr>
-                <a:xfrm>
-                  <a:off x="5586136" y="872005"/>
-                  <a:ext cx="175602" cy="118956"/>
-                </a:xfrm>
-                <a:prstGeom prst="rect">
-                  <a:avLst/>
-                </a:prstGeom>
-              </p:spPr>
-            </p:pic>
-          </p:grpSp>
-          <p:grpSp>
-            <p:nvGrpSpPr>
-              <p:cNvPr id="237" name="Group 236">
+                </a:endParaRPr>
+              </a:p>
+            </p:txBody>
+          </p:sp>
+          <p:sp>
+            <p:nvSpPr>
+              <p:cNvPr id="238" name="Rectangle 237">
                 <a:extLst>
                   <a:ext uri="{FF2B5EF4-FFF2-40B4-BE49-F238E27FC236}">
-                    <a16:creationId xmlns:a16="http://schemas.microsoft.com/office/drawing/2014/main" id="{963ECE74-D3A9-7A46-885D-1A53DE776E07}"/>
+                    <a16:creationId xmlns:a16="http://schemas.microsoft.com/office/drawing/2014/main" id="{AF9794F7-96D9-4648-B6E1-1900D7278EF6}"/>
                   </a:ext>
                 </a:extLst>
               </p:cNvPr>
-              <p:cNvGrpSpPr/>
+              <p:cNvSpPr/>
               <p:nvPr/>
-            </p:nvGrpSpPr>
-            <p:grpSpPr>
+            </p:nvSpPr>
+            <p:spPr>
               <a:xfrm>
                 <a:off x="1593148" y="3257171"/>
                 <a:ext cx="146367" cy="147710"/>
-                <a:chOff x="5568874" y="828450"/>
-                <a:chExt cx="210126" cy="212054"/>
               </a:xfrm>
-            </p:grpSpPr>
-            <p:sp>
-              <p:nvSpPr>
-                <p:cNvPr id="238" name="Rectangle 237">
-                  <a:extLst>
-                    <a:ext uri="{FF2B5EF4-FFF2-40B4-BE49-F238E27FC236}">
-                      <a16:creationId xmlns:a16="http://schemas.microsoft.com/office/drawing/2014/main" id="{AF9794F7-96D9-4648-B6E1-1900D7278EF6}"/>
-                    </a:ext>
-                  </a:extLst>
-                </p:cNvPr>
-                <p:cNvSpPr/>
-                <p:nvPr/>
-              </p:nvSpPr>
-              <p:spPr>
-                <a:xfrm>
-                  <a:off x="5568874" y="828450"/>
-                  <a:ext cx="210126" cy="212054"/>
-                </a:xfrm>
-                <a:prstGeom prst="rect">
-                  <a:avLst/>
-                </a:prstGeom>
+              <a:prstGeom prst="rect">
+                <a:avLst/>
+              </a:prstGeom>
+              <a:solidFill>
+                <a:schemeClr val="bg1"/>
+              </a:solidFill>
+              <a:ln>
                 <a:solidFill>
-                  <a:schemeClr val="bg1"/>
+                  <a:schemeClr val="tx1"/>
                 </a:solidFill>
-                <a:ln>
+              </a:ln>
+            </p:spPr>
+            <p:style>
+              <a:lnRef idx="2">
+                <a:schemeClr val="accent1">
+                  <a:shade val="50000"/>
+                </a:schemeClr>
+              </a:lnRef>
+              <a:fillRef idx="1">
+                <a:schemeClr val="accent1"/>
+              </a:fillRef>
+              <a:effectRef idx="0">
+                <a:schemeClr val="accent1"/>
+              </a:effectRef>
+              <a:fontRef idx="minor">
+                <a:schemeClr val="lt1"/>
+              </a:fontRef>
+            </p:style>
+            <p:txBody>
+              <a:bodyPr rtlCol="0" anchor="ctr"/>
+              <a:lstStyle/>
+              <a:p>
+                <a:pPr algn="ctr"/>
+                <a:endParaRPr lang="en-US" sz="1200" dirty="0">
                   <a:solidFill>
                     <a:schemeClr val="tx1"/>
                   </a:solidFill>
-                </a:ln>
-              </p:spPr>
-              <p:style>
-                <a:lnRef idx="2">
-                  <a:schemeClr val="accent1">
-                    <a:shade val="50000"/>
-                  </a:schemeClr>
-                </a:lnRef>
-                <a:fillRef idx="1">
-                  <a:schemeClr val="accent1"/>
-                </a:fillRef>
-                <a:effectRef idx="0">
-                  <a:schemeClr val="accent1"/>
-                </a:effectRef>
-                <a:fontRef idx="minor">
-                  <a:schemeClr val="lt1"/>
-                </a:fontRef>
-              </p:style>
-              <p:txBody>
-                <a:bodyPr rtlCol="0" anchor="ctr"/>
-                <a:lstStyle/>
-                <a:p>
-                  <a:pPr algn="ctr"/>
-                  <a:endParaRPr lang="en-US" sz="1200" dirty="0">
-                    <a:solidFill>
-                      <a:schemeClr val="tx1"/>
-                    </a:solidFill>
-                  </a:endParaRPr>
-                </a:p>
-              </p:txBody>
-            </p:sp>
-            <p:pic>
-              <p:nvPicPr>
-                <p:cNvPr id="239" name="Picture 238">
-                  <a:extLst>
-                    <a:ext uri="{FF2B5EF4-FFF2-40B4-BE49-F238E27FC236}">
-                      <a16:creationId xmlns:a16="http://schemas.microsoft.com/office/drawing/2014/main" id="{F31C9B50-2101-2249-AC33-005D7A35AE5F}"/>
-                    </a:ext>
-                  </a:extLst>
-                </p:cNvPr>
-                <p:cNvPicPr>
-                  <a:picLocks noChangeAspect="1"/>
-                </p:cNvPicPr>
-                <p:nvPr/>
-              </p:nvPicPr>
-              <p:blipFill>
-                <a:blip r:embed="rId4"/>
-                <a:stretch>
-                  <a:fillRect/>
-                </a:stretch>
-              </p:blipFill>
-              <p:spPr>
-                <a:xfrm>
-                  <a:off x="5586136" y="872005"/>
-                  <a:ext cx="175602" cy="118956"/>
-                </a:xfrm>
-                <a:prstGeom prst="rect">
-                  <a:avLst/>
-                </a:prstGeom>
-              </p:spPr>
-            </p:pic>
-          </p:grpSp>
-          <p:grpSp>
-            <p:nvGrpSpPr>
-              <p:cNvPr id="240" name="Group 239">
+                </a:endParaRPr>
+              </a:p>
+            </p:txBody>
+          </p:sp>
+          <p:sp>
+            <p:nvSpPr>
+              <p:cNvPr id="241" name="Rectangle 240">
                 <a:extLst>
                   <a:ext uri="{FF2B5EF4-FFF2-40B4-BE49-F238E27FC236}">
-                    <a16:creationId xmlns:a16="http://schemas.microsoft.com/office/drawing/2014/main" id="{E96ED198-42BE-4047-9FF4-B863B2FAC0E7}"/>
+                    <a16:creationId xmlns:a16="http://schemas.microsoft.com/office/drawing/2014/main" id="{81991AFE-5348-5B44-871E-52541C443E96}"/>
                   </a:ext>
                 </a:extLst>
               </p:cNvPr>
-              <p:cNvGrpSpPr/>
+              <p:cNvSpPr/>
               <p:nvPr/>
-            </p:nvGrpSpPr>
-            <p:grpSpPr>
+            </p:nvSpPr>
+            <p:spPr>
               <a:xfrm>
                 <a:off x="1598460" y="3563363"/>
                 <a:ext cx="146367" cy="147710"/>
-                <a:chOff x="5568874" y="828450"/>
-                <a:chExt cx="210126" cy="212054"/>
               </a:xfrm>
-            </p:grpSpPr>
-            <p:sp>
-              <p:nvSpPr>
-                <p:cNvPr id="241" name="Rectangle 240">
-                  <a:extLst>
-                    <a:ext uri="{FF2B5EF4-FFF2-40B4-BE49-F238E27FC236}">
-                      <a16:creationId xmlns:a16="http://schemas.microsoft.com/office/drawing/2014/main" id="{81991AFE-5348-5B44-871E-52541C443E96}"/>
-                    </a:ext>
-                  </a:extLst>
-                </p:cNvPr>
-                <p:cNvSpPr/>
-                <p:nvPr/>
-              </p:nvSpPr>
-              <p:spPr>
-                <a:xfrm>
-                  <a:off x="5568874" y="828450"/>
-                  <a:ext cx="210126" cy="212054"/>
-                </a:xfrm>
-                <a:prstGeom prst="rect">
-                  <a:avLst/>
-                </a:prstGeom>
+              <a:prstGeom prst="rect">
+                <a:avLst/>
+              </a:prstGeom>
+              <a:solidFill>
+                <a:schemeClr val="bg1"/>
+              </a:solidFill>
+              <a:ln>
                 <a:solidFill>
-                  <a:schemeClr val="bg1"/>
+                  <a:schemeClr val="tx1"/>
                 </a:solidFill>
-                <a:ln>
+              </a:ln>
+            </p:spPr>
+            <p:style>
+              <a:lnRef idx="2">
+                <a:schemeClr val="accent1">
+                  <a:shade val="50000"/>
+                </a:schemeClr>
+              </a:lnRef>
+              <a:fillRef idx="1">
+                <a:schemeClr val="accent1"/>
+              </a:fillRef>
+              <a:effectRef idx="0">
+                <a:schemeClr val="accent1"/>
+              </a:effectRef>
+              <a:fontRef idx="minor">
+                <a:schemeClr val="lt1"/>
+              </a:fontRef>
+            </p:style>
+            <p:txBody>
+              <a:bodyPr rtlCol="0" anchor="ctr"/>
+              <a:lstStyle/>
+              <a:p>
+                <a:pPr algn="ctr"/>
+                <a:endParaRPr lang="en-US" sz="1200" dirty="0">
                   <a:solidFill>
                     <a:schemeClr val="tx1"/>
                   </a:solidFill>
-                </a:ln>
-              </p:spPr>
-              <p:style>
-                <a:lnRef idx="2">
-                  <a:schemeClr val="accent1">
-                    <a:shade val="50000"/>
-                  </a:schemeClr>
-                </a:lnRef>
-                <a:fillRef idx="1">
-                  <a:schemeClr val="accent1"/>
-                </a:fillRef>
-                <a:effectRef idx="0">
-                  <a:schemeClr val="accent1"/>
-                </a:effectRef>
-                <a:fontRef idx="minor">
-                  <a:schemeClr val="lt1"/>
-                </a:fontRef>
-              </p:style>
-              <p:txBody>
-                <a:bodyPr rtlCol="0" anchor="ctr"/>
-                <a:lstStyle/>
-                <a:p>
-                  <a:pPr algn="ctr"/>
-                  <a:endParaRPr lang="en-US" sz="1200" dirty="0">
-                    <a:solidFill>
-                      <a:schemeClr val="tx1"/>
-                    </a:solidFill>
-                  </a:endParaRPr>
-                </a:p>
-              </p:txBody>
-            </p:sp>
-            <p:pic>
-              <p:nvPicPr>
-                <p:cNvPr id="242" name="Picture 241">
-                  <a:extLst>
-                    <a:ext uri="{FF2B5EF4-FFF2-40B4-BE49-F238E27FC236}">
-                      <a16:creationId xmlns:a16="http://schemas.microsoft.com/office/drawing/2014/main" id="{7989DAB5-3A5E-B840-91A6-1030368C15F5}"/>
-                    </a:ext>
-                  </a:extLst>
-                </p:cNvPr>
-                <p:cNvPicPr>
-                  <a:picLocks noChangeAspect="1"/>
-                </p:cNvPicPr>
-                <p:nvPr/>
-              </p:nvPicPr>
-              <p:blipFill>
-                <a:blip r:embed="rId4"/>
-                <a:stretch>
-                  <a:fillRect/>
-                </a:stretch>
-              </p:blipFill>
-              <p:spPr>
-                <a:xfrm>
-                  <a:off x="5586136" y="872005"/>
-                  <a:ext cx="175602" cy="118956"/>
-                </a:xfrm>
-                <a:prstGeom prst="rect">
-                  <a:avLst/>
-                </a:prstGeom>
-              </p:spPr>
-            </p:pic>
-          </p:grpSp>
-          <p:grpSp>
-            <p:nvGrpSpPr>
-              <p:cNvPr id="243" name="Group 242">
+                </a:endParaRPr>
+              </a:p>
+            </p:txBody>
+          </p:sp>
+          <p:sp>
+            <p:nvSpPr>
+              <p:cNvPr id="244" name="Rectangle 243">
                 <a:extLst>
                   <a:ext uri="{FF2B5EF4-FFF2-40B4-BE49-F238E27FC236}">
-                    <a16:creationId xmlns:a16="http://schemas.microsoft.com/office/drawing/2014/main" id="{1A784D9B-4D3A-B74C-ADF2-AFFBAA1CED9F}"/>
+                    <a16:creationId xmlns:a16="http://schemas.microsoft.com/office/drawing/2014/main" id="{17D1C936-A204-7944-A24A-AD1C02BDBEAF}"/>
                   </a:ext>
                 </a:extLst>
               </p:cNvPr>
-              <p:cNvGrpSpPr/>
+              <p:cNvSpPr/>
               <p:nvPr/>
-            </p:nvGrpSpPr>
-            <p:grpSpPr>
+            </p:nvSpPr>
+            <p:spPr>
               <a:xfrm>
                 <a:off x="1598460" y="3778889"/>
                 <a:ext cx="146367" cy="147710"/>
-                <a:chOff x="5568874" y="828450"/>
-                <a:chExt cx="210126" cy="212054"/>
               </a:xfrm>
-            </p:grpSpPr>
-            <p:sp>
-              <p:nvSpPr>
-                <p:cNvPr id="244" name="Rectangle 243">
-                  <a:extLst>
-                    <a:ext uri="{FF2B5EF4-FFF2-40B4-BE49-F238E27FC236}">
-                      <a16:creationId xmlns:a16="http://schemas.microsoft.com/office/drawing/2014/main" id="{17D1C936-A204-7944-A24A-AD1C02BDBEAF}"/>
-                    </a:ext>
-                  </a:extLst>
-                </p:cNvPr>
-                <p:cNvSpPr/>
-                <p:nvPr/>
-              </p:nvSpPr>
-              <p:spPr>
-                <a:xfrm>
-                  <a:off x="5568874" y="828450"/>
-                  <a:ext cx="210126" cy="212054"/>
-                </a:xfrm>
-                <a:prstGeom prst="rect">
-                  <a:avLst/>
-                </a:prstGeom>
+              <a:prstGeom prst="rect">
+                <a:avLst/>
+              </a:prstGeom>
+              <a:solidFill>
+                <a:schemeClr val="bg1"/>
+              </a:solidFill>
+              <a:ln>
                 <a:solidFill>
-                  <a:schemeClr val="bg1"/>
+                  <a:schemeClr val="tx1"/>
                 </a:solidFill>
-                <a:ln>
+              </a:ln>
+            </p:spPr>
+            <p:style>
+              <a:lnRef idx="2">
+                <a:schemeClr val="accent1">
+                  <a:shade val="50000"/>
+                </a:schemeClr>
+              </a:lnRef>
+              <a:fillRef idx="1">
+                <a:schemeClr val="accent1"/>
+              </a:fillRef>
+              <a:effectRef idx="0">
+                <a:schemeClr val="accent1"/>
+              </a:effectRef>
+              <a:fontRef idx="minor">
+                <a:schemeClr val="lt1"/>
+              </a:fontRef>
+            </p:style>
+            <p:txBody>
+              <a:bodyPr rtlCol="0" anchor="ctr"/>
+              <a:lstStyle/>
+              <a:p>
+                <a:pPr algn="ctr"/>
+                <a:endParaRPr lang="en-US" sz="1200" dirty="0">
                   <a:solidFill>
                     <a:schemeClr val="tx1"/>
                   </a:solidFill>
-                </a:ln>
-              </p:spPr>
-              <p:style>
-                <a:lnRef idx="2">
-                  <a:schemeClr val="accent1">
-                    <a:shade val="50000"/>
-                  </a:schemeClr>
-                </a:lnRef>
-                <a:fillRef idx="1">
-                  <a:schemeClr val="accent1"/>
-                </a:fillRef>
-                <a:effectRef idx="0">
-                  <a:schemeClr val="accent1"/>
-                </a:effectRef>
-                <a:fontRef idx="minor">
-                  <a:schemeClr val="lt1"/>
-                </a:fontRef>
-              </p:style>
-              <p:txBody>
-                <a:bodyPr rtlCol="0" anchor="ctr"/>
-                <a:lstStyle/>
-                <a:p>
-                  <a:pPr algn="ctr"/>
-                  <a:endParaRPr lang="en-US" sz="1200" dirty="0">
-                    <a:solidFill>
-                      <a:schemeClr val="tx1"/>
-                    </a:solidFill>
-                  </a:endParaRPr>
-                </a:p>
-              </p:txBody>
-            </p:sp>
-            <p:pic>
-              <p:nvPicPr>
-                <p:cNvPr id="245" name="Picture 244">
-                  <a:extLst>
-                    <a:ext uri="{FF2B5EF4-FFF2-40B4-BE49-F238E27FC236}">
-                      <a16:creationId xmlns:a16="http://schemas.microsoft.com/office/drawing/2014/main" id="{85156285-4B6C-0D4D-B548-472BCB61D84E}"/>
-                    </a:ext>
-                  </a:extLst>
-                </p:cNvPr>
-                <p:cNvPicPr>
-                  <a:picLocks noChangeAspect="1"/>
-                </p:cNvPicPr>
-                <p:nvPr/>
-              </p:nvPicPr>
-              <p:blipFill>
-                <a:blip r:embed="rId4"/>
-                <a:stretch>
-                  <a:fillRect/>
-                </a:stretch>
-              </p:blipFill>
-              <p:spPr>
-                <a:xfrm>
-                  <a:off x="5586136" y="872005"/>
-                  <a:ext cx="175602" cy="118956"/>
-                </a:xfrm>
-                <a:prstGeom prst="rect">
-                  <a:avLst/>
-                </a:prstGeom>
-              </p:spPr>
-            </p:pic>
-          </p:grpSp>
-          <p:grpSp>
-            <p:nvGrpSpPr>
-              <p:cNvPr id="246" name="Group 245">
+                </a:endParaRPr>
+              </a:p>
+            </p:txBody>
+          </p:sp>
+          <p:sp>
+            <p:nvSpPr>
+              <p:cNvPr id="247" name="Rectangle 246">
                 <a:extLst>
                   <a:ext uri="{FF2B5EF4-FFF2-40B4-BE49-F238E27FC236}">
-                    <a16:creationId xmlns:a16="http://schemas.microsoft.com/office/drawing/2014/main" id="{2F0B27D4-1EE8-B249-9CAA-7A071968AD33}"/>
+                    <a16:creationId xmlns:a16="http://schemas.microsoft.com/office/drawing/2014/main" id="{CC105103-569D-5141-ABB1-E3E0BF0869A1}"/>
                   </a:ext>
                 </a:extLst>
               </p:cNvPr>
-              <p:cNvGrpSpPr/>
+              <p:cNvSpPr/>
               <p:nvPr/>
-            </p:nvGrpSpPr>
-            <p:grpSpPr>
+            </p:nvSpPr>
+            <p:spPr>
               <a:xfrm>
                 <a:off x="1598460" y="4033760"/>
                 <a:ext cx="146367" cy="147710"/>
-                <a:chOff x="5568874" y="828450"/>
-                <a:chExt cx="210126" cy="212054"/>
               </a:xfrm>
-            </p:grpSpPr>
-            <p:sp>
-              <p:nvSpPr>
-                <p:cNvPr id="247" name="Rectangle 246">
-                  <a:extLst>
-                    <a:ext uri="{FF2B5EF4-FFF2-40B4-BE49-F238E27FC236}">
-                      <a16:creationId xmlns:a16="http://schemas.microsoft.com/office/drawing/2014/main" id="{CC105103-569D-5141-ABB1-E3E0BF0869A1}"/>
-                    </a:ext>
-                  </a:extLst>
-                </p:cNvPr>
-                <p:cNvSpPr/>
-                <p:nvPr/>
-              </p:nvSpPr>
-              <p:spPr>
-                <a:xfrm>
-                  <a:off x="5568874" y="828450"/>
-                  <a:ext cx="210126" cy="212054"/>
-                </a:xfrm>
-                <a:prstGeom prst="rect">
-                  <a:avLst/>
-                </a:prstGeom>
+              <a:prstGeom prst="rect">
+                <a:avLst/>
+              </a:prstGeom>
+              <a:solidFill>
+                <a:schemeClr val="bg1"/>
+              </a:solidFill>
+              <a:ln>
                 <a:solidFill>
-                  <a:schemeClr val="bg1"/>
+                  <a:schemeClr val="tx1"/>
                 </a:solidFill>
-                <a:ln>
+              </a:ln>
+            </p:spPr>
+            <p:style>
+              <a:lnRef idx="2">
+                <a:schemeClr val="accent1">
+                  <a:shade val="50000"/>
+                </a:schemeClr>
+              </a:lnRef>
+              <a:fillRef idx="1">
+                <a:schemeClr val="accent1"/>
+              </a:fillRef>
+              <a:effectRef idx="0">
+                <a:schemeClr val="accent1"/>
+              </a:effectRef>
+              <a:fontRef idx="minor">
+                <a:schemeClr val="lt1"/>
+              </a:fontRef>
+            </p:style>
+            <p:txBody>
+              <a:bodyPr rtlCol="0" anchor="ctr"/>
+              <a:lstStyle/>
+              <a:p>
+                <a:pPr algn="ctr"/>
+                <a:endParaRPr lang="en-US" sz="1200" dirty="0">
                   <a:solidFill>
                     <a:schemeClr val="tx1"/>
                   </a:solidFill>
-                </a:ln>
-              </p:spPr>
-              <p:style>
-                <a:lnRef idx="2">
-                  <a:schemeClr val="accent1">
-                    <a:shade val="50000"/>
-                  </a:schemeClr>
-                </a:lnRef>
-                <a:fillRef idx="1">
-                  <a:schemeClr val="accent1"/>
-                </a:fillRef>
-                <a:effectRef idx="0">
-                  <a:schemeClr val="accent1"/>
-                </a:effectRef>
-                <a:fontRef idx="minor">
-                  <a:schemeClr val="lt1"/>
-                </a:fontRef>
-              </p:style>
-              <p:txBody>
-                <a:bodyPr rtlCol="0" anchor="ctr"/>
-                <a:lstStyle/>
-                <a:p>
-                  <a:pPr algn="ctr"/>
-                  <a:endParaRPr lang="en-US" sz="1200" dirty="0">
-                    <a:solidFill>
-                      <a:schemeClr val="tx1"/>
-                    </a:solidFill>
-                  </a:endParaRPr>
-                </a:p>
-              </p:txBody>
-            </p:sp>
-            <p:pic>
-              <p:nvPicPr>
-                <p:cNvPr id="248" name="Picture 247">
-                  <a:extLst>
-                    <a:ext uri="{FF2B5EF4-FFF2-40B4-BE49-F238E27FC236}">
-                      <a16:creationId xmlns:a16="http://schemas.microsoft.com/office/drawing/2014/main" id="{03C640B9-AB06-8646-AE74-F7E8DC767E89}"/>
-                    </a:ext>
-                  </a:extLst>
-                </p:cNvPr>
-                <p:cNvPicPr>
-                  <a:picLocks noChangeAspect="1"/>
-                </p:cNvPicPr>
-                <p:nvPr/>
-              </p:nvPicPr>
-              <p:blipFill>
-                <a:blip r:embed="rId4"/>
-                <a:stretch>
-                  <a:fillRect/>
-                </a:stretch>
-              </p:blipFill>
-              <p:spPr>
-                <a:xfrm>
-                  <a:off x="5586136" y="872005"/>
-                  <a:ext cx="175602" cy="118956"/>
-                </a:xfrm>
-                <a:prstGeom prst="rect">
-                  <a:avLst/>
-                </a:prstGeom>
-              </p:spPr>
-            </p:pic>
-          </p:grpSp>
-          <p:grpSp>
-            <p:nvGrpSpPr>
-              <p:cNvPr id="249" name="Group 248">
+                </a:endParaRPr>
+              </a:p>
+            </p:txBody>
+          </p:sp>
+          <p:sp>
+            <p:nvSpPr>
+              <p:cNvPr id="250" name="Rectangle 249">
                 <a:extLst>
                   <a:ext uri="{FF2B5EF4-FFF2-40B4-BE49-F238E27FC236}">
-                    <a16:creationId xmlns:a16="http://schemas.microsoft.com/office/drawing/2014/main" id="{0BBB8DAB-2179-F748-91C1-7BB153E76F1C}"/>
+                    <a16:creationId xmlns:a16="http://schemas.microsoft.com/office/drawing/2014/main" id="{62212FE3-E9AB-2242-A6D4-BE1FB79B18CB}"/>
                   </a:ext>
                 </a:extLst>
               </p:cNvPr>
-              <p:cNvGrpSpPr/>
+              <p:cNvSpPr/>
               <p:nvPr/>
-            </p:nvGrpSpPr>
-            <p:grpSpPr>
+            </p:nvSpPr>
+            <p:spPr>
               <a:xfrm>
                 <a:off x="1604201" y="4325587"/>
                 <a:ext cx="146367" cy="147710"/>
-                <a:chOff x="5568874" y="828450"/>
-                <a:chExt cx="210126" cy="212054"/>
               </a:xfrm>
-            </p:grpSpPr>
-            <p:sp>
-              <p:nvSpPr>
-                <p:cNvPr id="250" name="Rectangle 249">
-                  <a:extLst>
-                    <a:ext uri="{FF2B5EF4-FFF2-40B4-BE49-F238E27FC236}">
-                      <a16:creationId xmlns:a16="http://schemas.microsoft.com/office/drawing/2014/main" id="{62212FE3-E9AB-2242-A6D4-BE1FB79B18CB}"/>
-                    </a:ext>
-                  </a:extLst>
-                </p:cNvPr>
-                <p:cNvSpPr/>
-                <p:nvPr/>
-              </p:nvSpPr>
-              <p:spPr>
-                <a:xfrm>
-                  <a:off x="5568874" y="828450"/>
-                  <a:ext cx="210126" cy="212054"/>
-                </a:xfrm>
-                <a:prstGeom prst="rect">
-                  <a:avLst/>
-                </a:prstGeom>
+              <a:prstGeom prst="rect">
+                <a:avLst/>
+              </a:prstGeom>
+              <a:solidFill>
+                <a:schemeClr val="bg1"/>
+              </a:solidFill>
+              <a:ln>
                 <a:solidFill>
-                  <a:schemeClr val="bg1"/>
+                  <a:schemeClr val="tx1"/>
                 </a:solidFill>
-                <a:ln>
+              </a:ln>
+            </p:spPr>
+            <p:style>
+              <a:lnRef idx="2">
+                <a:schemeClr val="accent1">
+                  <a:shade val="50000"/>
+                </a:schemeClr>
+              </a:lnRef>
+              <a:fillRef idx="1">
+                <a:schemeClr val="accent1"/>
+              </a:fillRef>
+              <a:effectRef idx="0">
+                <a:schemeClr val="accent1"/>
+              </a:effectRef>
+              <a:fontRef idx="minor">
+                <a:schemeClr val="lt1"/>
+              </a:fontRef>
+            </p:style>
+            <p:txBody>
+              <a:bodyPr rtlCol="0" anchor="ctr"/>
+              <a:lstStyle/>
+              <a:p>
+                <a:pPr algn="ctr"/>
+                <a:endParaRPr lang="en-US" sz="1200" dirty="0">
                   <a:solidFill>
                     <a:schemeClr val="tx1"/>
                   </a:solidFill>
-                </a:ln>
-              </p:spPr>
-              <p:style>
-                <a:lnRef idx="2">
-                  <a:schemeClr val="accent1">
-                    <a:shade val="50000"/>
-                  </a:schemeClr>
-                </a:lnRef>
-                <a:fillRef idx="1">
-                  <a:schemeClr val="accent1"/>
-                </a:fillRef>
-                <a:effectRef idx="0">
-                  <a:schemeClr val="accent1"/>
-                </a:effectRef>
-                <a:fontRef idx="minor">
-                  <a:schemeClr val="lt1"/>
-                </a:fontRef>
-              </p:style>
-              <p:txBody>
-                <a:bodyPr rtlCol="0" anchor="ctr"/>
-                <a:lstStyle/>
-                <a:p>
-                  <a:pPr algn="ctr"/>
-                  <a:endParaRPr lang="en-US" sz="1200" dirty="0">
-                    <a:solidFill>
-                      <a:schemeClr val="tx1"/>
-                    </a:solidFill>
-                  </a:endParaRPr>
-                </a:p>
-              </p:txBody>
-            </p:sp>
-            <p:pic>
-              <p:nvPicPr>
-                <p:cNvPr id="251" name="Picture 250">
-                  <a:extLst>
-                    <a:ext uri="{FF2B5EF4-FFF2-40B4-BE49-F238E27FC236}">
-                      <a16:creationId xmlns:a16="http://schemas.microsoft.com/office/drawing/2014/main" id="{85517A0C-32AF-9242-AD3B-2066A33CAB39}"/>
-                    </a:ext>
-                  </a:extLst>
-                </p:cNvPr>
-                <p:cNvPicPr>
-                  <a:picLocks noChangeAspect="1"/>
-                </p:cNvPicPr>
-                <p:nvPr/>
-              </p:nvPicPr>
-              <p:blipFill>
-                <a:blip r:embed="rId4"/>
-                <a:stretch>
-                  <a:fillRect/>
-                </a:stretch>
-              </p:blipFill>
-              <p:spPr>
-                <a:xfrm>
-                  <a:off x="5586136" y="872005"/>
-                  <a:ext cx="175602" cy="118956"/>
-                </a:xfrm>
-                <a:prstGeom prst="rect">
-                  <a:avLst/>
-                </a:prstGeom>
-              </p:spPr>
-            </p:pic>
-          </p:grpSp>
-          <p:grpSp>
-            <p:nvGrpSpPr>
-              <p:cNvPr id="252" name="Group 251">
+                </a:endParaRPr>
+              </a:p>
+            </p:txBody>
+          </p:sp>
+          <p:sp>
+            <p:nvSpPr>
+              <p:cNvPr id="253" name="Rectangle 252">
                 <a:extLst>
                   <a:ext uri="{FF2B5EF4-FFF2-40B4-BE49-F238E27FC236}">
-                    <a16:creationId xmlns:a16="http://schemas.microsoft.com/office/drawing/2014/main" id="{C1F755F9-3868-0847-B4E2-6C6F6F10264F}"/>
+                    <a16:creationId xmlns:a16="http://schemas.microsoft.com/office/drawing/2014/main" id="{BCFBADA6-F4FA-9048-ADCE-2744EBDD7A8D}"/>
                   </a:ext>
                 </a:extLst>
               </p:cNvPr>
-              <p:cNvGrpSpPr/>
+              <p:cNvSpPr/>
               <p:nvPr/>
-            </p:nvGrpSpPr>
-            <p:grpSpPr>
+            </p:nvSpPr>
+            <p:spPr>
               <a:xfrm>
                 <a:off x="1604201" y="4541113"/>
                 <a:ext cx="146367" cy="147710"/>
-                <a:chOff x="5568874" y="828450"/>
-                <a:chExt cx="210126" cy="212054"/>
               </a:xfrm>
-            </p:grpSpPr>
-            <p:sp>
-              <p:nvSpPr>
-                <p:cNvPr id="253" name="Rectangle 252">
-                  <a:extLst>
-                    <a:ext uri="{FF2B5EF4-FFF2-40B4-BE49-F238E27FC236}">
-                      <a16:creationId xmlns:a16="http://schemas.microsoft.com/office/drawing/2014/main" id="{BCFBADA6-F4FA-9048-ADCE-2744EBDD7A8D}"/>
-                    </a:ext>
-                  </a:extLst>
-                </p:cNvPr>
-                <p:cNvSpPr/>
-                <p:nvPr/>
-              </p:nvSpPr>
-              <p:spPr>
-                <a:xfrm>
-                  <a:off x="5568874" y="828450"/>
-                  <a:ext cx="210126" cy="212054"/>
-                </a:xfrm>
-                <a:prstGeom prst="rect">
-                  <a:avLst/>
-                </a:prstGeom>
+              <a:prstGeom prst="rect">
+                <a:avLst/>
+              </a:prstGeom>
+              <a:solidFill>
+                <a:schemeClr val="bg1"/>
+              </a:solidFill>
+              <a:ln>
                 <a:solidFill>
-                  <a:schemeClr val="bg1"/>
+                  <a:schemeClr val="tx1"/>
                 </a:solidFill>
-                <a:ln>
+              </a:ln>
+            </p:spPr>
+            <p:style>
+              <a:lnRef idx="2">
+                <a:schemeClr val="accent1">
+                  <a:shade val="50000"/>
+                </a:schemeClr>
+              </a:lnRef>
+              <a:fillRef idx="1">
+                <a:schemeClr val="accent1"/>
+              </a:fillRef>
+              <a:effectRef idx="0">
+                <a:schemeClr val="accent1"/>
+              </a:effectRef>
+              <a:fontRef idx="minor">
+                <a:schemeClr val="lt1"/>
+              </a:fontRef>
+            </p:style>
+            <p:txBody>
+              <a:bodyPr rtlCol="0" anchor="ctr"/>
+              <a:lstStyle/>
+              <a:p>
+                <a:pPr algn="ctr"/>
+                <a:endParaRPr lang="en-US" sz="1200" dirty="0">
                   <a:solidFill>
                     <a:schemeClr val="tx1"/>
                   </a:solidFill>
-                </a:ln>
-              </p:spPr>
-              <p:style>
-                <a:lnRef idx="2">
-                  <a:schemeClr val="accent1">
-                    <a:shade val="50000"/>
-                  </a:schemeClr>
-                </a:lnRef>
-                <a:fillRef idx="1">
-                  <a:schemeClr val="accent1"/>
-                </a:fillRef>
-                <a:effectRef idx="0">
-                  <a:schemeClr val="accent1"/>
-                </a:effectRef>
-                <a:fontRef idx="minor">
-                  <a:schemeClr val="lt1"/>
-                </a:fontRef>
-              </p:style>
-              <p:txBody>
-                <a:bodyPr rtlCol="0" anchor="ctr"/>
-                <a:lstStyle/>
-                <a:p>
-                  <a:pPr algn="ctr"/>
-                  <a:endParaRPr lang="en-US" sz="1200" dirty="0">
-                    <a:solidFill>
-                      <a:schemeClr val="tx1"/>
-                    </a:solidFill>
-                  </a:endParaRPr>
-                </a:p>
-              </p:txBody>
-            </p:sp>
-            <p:pic>
-              <p:nvPicPr>
-                <p:cNvPr id="254" name="Picture 253">
-                  <a:extLst>
-                    <a:ext uri="{FF2B5EF4-FFF2-40B4-BE49-F238E27FC236}">
-                      <a16:creationId xmlns:a16="http://schemas.microsoft.com/office/drawing/2014/main" id="{22AE5CBE-C9E4-2846-9966-7EF685FC09E3}"/>
-                    </a:ext>
-                  </a:extLst>
-                </p:cNvPr>
-                <p:cNvPicPr>
-                  <a:picLocks noChangeAspect="1"/>
-                </p:cNvPicPr>
-                <p:nvPr/>
-              </p:nvPicPr>
-              <p:blipFill>
-                <a:blip r:embed="rId4"/>
-                <a:stretch>
-                  <a:fillRect/>
-                </a:stretch>
-              </p:blipFill>
-              <p:spPr>
-                <a:xfrm>
-                  <a:off x="5586136" y="872005"/>
-                  <a:ext cx="175602" cy="118956"/>
-                </a:xfrm>
-                <a:prstGeom prst="rect">
-                  <a:avLst/>
-                </a:prstGeom>
-              </p:spPr>
-            </p:pic>
-          </p:grpSp>
-          <p:grpSp>
-            <p:nvGrpSpPr>
-              <p:cNvPr id="255" name="Group 254">
+                </a:endParaRPr>
+              </a:p>
+            </p:txBody>
+          </p:sp>
+          <p:sp>
+            <p:nvSpPr>
+              <p:cNvPr id="256" name="Rectangle 255">
                 <a:extLst>
                   <a:ext uri="{FF2B5EF4-FFF2-40B4-BE49-F238E27FC236}">
-                    <a16:creationId xmlns:a16="http://schemas.microsoft.com/office/drawing/2014/main" id="{C4A01E62-5C4B-4C43-98D6-0CE095CD4248}"/>
+                    <a16:creationId xmlns:a16="http://schemas.microsoft.com/office/drawing/2014/main" id="{8E7968B4-B821-2246-A8A2-72ECEB926ED0}"/>
                   </a:ext>
                 </a:extLst>
               </p:cNvPr>
-              <p:cNvGrpSpPr/>
+              <p:cNvSpPr/>
               <p:nvPr/>
-            </p:nvGrpSpPr>
-            <p:grpSpPr>
+            </p:nvSpPr>
+            <p:spPr>
               <a:xfrm>
                 <a:off x="1604201" y="4795984"/>
                 <a:ext cx="146367" cy="147710"/>
-                <a:chOff x="5568874" y="828450"/>
-                <a:chExt cx="210126" cy="212054"/>
               </a:xfrm>
-            </p:grpSpPr>
-            <p:sp>
-              <p:nvSpPr>
-                <p:cNvPr id="256" name="Rectangle 255">
-                  <a:extLst>
-                    <a:ext uri="{FF2B5EF4-FFF2-40B4-BE49-F238E27FC236}">
-                      <a16:creationId xmlns:a16="http://schemas.microsoft.com/office/drawing/2014/main" id="{8E7968B4-B821-2246-A8A2-72ECEB926ED0}"/>
-                    </a:ext>
-                  </a:extLst>
-                </p:cNvPr>
-                <p:cNvSpPr/>
-                <p:nvPr/>
-              </p:nvSpPr>
-              <p:spPr>
-                <a:xfrm>
-                  <a:off x="5568874" y="828450"/>
-                  <a:ext cx="210126" cy="212054"/>
-                </a:xfrm>
-                <a:prstGeom prst="rect">
-                  <a:avLst/>
-                </a:prstGeom>
+              <a:prstGeom prst="rect">
+                <a:avLst/>
+              </a:prstGeom>
+              <a:solidFill>
+                <a:schemeClr val="bg1"/>
+              </a:solidFill>
+              <a:ln>
                 <a:solidFill>
-                  <a:schemeClr val="bg1"/>
+                  <a:schemeClr val="tx1"/>
                 </a:solidFill>
-                <a:ln>
+              </a:ln>
+            </p:spPr>
+            <p:style>
+              <a:lnRef idx="2">
+                <a:schemeClr val="accent1">
+                  <a:shade val="50000"/>
+                </a:schemeClr>
+              </a:lnRef>
+              <a:fillRef idx="1">
+                <a:schemeClr val="accent1"/>
+              </a:fillRef>
+              <a:effectRef idx="0">
+                <a:schemeClr val="accent1"/>
+              </a:effectRef>
+              <a:fontRef idx="minor">
+                <a:schemeClr val="lt1"/>
+              </a:fontRef>
+            </p:style>
+            <p:txBody>
+              <a:bodyPr rtlCol="0" anchor="ctr"/>
+              <a:lstStyle/>
+              <a:p>
+                <a:pPr algn="ctr"/>
+                <a:endParaRPr lang="en-US" sz="1200" dirty="0">
                   <a:solidFill>
                     <a:schemeClr val="tx1"/>
                   </a:solidFill>
-                </a:ln>
-              </p:spPr>
-              <p:style>
-                <a:lnRef idx="2">
-                  <a:schemeClr val="accent1">
-                    <a:shade val="50000"/>
-                  </a:schemeClr>
-                </a:lnRef>
-                <a:fillRef idx="1">
-                  <a:schemeClr val="accent1"/>
-                </a:fillRef>
-                <a:effectRef idx="0">
-                  <a:schemeClr val="accent1"/>
-                </a:effectRef>
-                <a:fontRef idx="minor">
-                  <a:schemeClr val="lt1"/>
-                </a:fontRef>
-              </p:style>
-              <p:txBody>
-                <a:bodyPr rtlCol="0" anchor="ctr"/>
-                <a:lstStyle/>
-                <a:p>
-                  <a:pPr algn="ctr"/>
-                  <a:endParaRPr lang="en-US" sz="1200" dirty="0">
-                    <a:solidFill>
-                      <a:schemeClr val="tx1"/>
-                    </a:solidFill>
-                  </a:endParaRPr>
-                </a:p>
-              </p:txBody>
-            </p:sp>
-            <p:pic>
-              <p:nvPicPr>
-                <p:cNvPr id="257" name="Picture 256">
-                  <a:extLst>
-                    <a:ext uri="{FF2B5EF4-FFF2-40B4-BE49-F238E27FC236}">
-                      <a16:creationId xmlns:a16="http://schemas.microsoft.com/office/drawing/2014/main" id="{CDAB11E0-47CB-824F-B635-D7CBB9E8DBC4}"/>
-                    </a:ext>
-                  </a:extLst>
-                </p:cNvPr>
-                <p:cNvPicPr>
-                  <a:picLocks noChangeAspect="1"/>
-                </p:cNvPicPr>
-                <p:nvPr/>
-              </p:nvPicPr>
-              <p:blipFill>
-                <a:blip r:embed="rId4"/>
-                <a:stretch>
-                  <a:fillRect/>
-                </a:stretch>
-              </p:blipFill>
-              <p:spPr>
-                <a:xfrm>
-                  <a:off x="5586136" y="872005"/>
-                  <a:ext cx="175602" cy="118956"/>
-                </a:xfrm>
-                <a:prstGeom prst="rect">
-                  <a:avLst/>
-                </a:prstGeom>
-              </p:spPr>
-            </p:pic>
-          </p:grpSp>
-          <p:grpSp>
-            <p:nvGrpSpPr>
-              <p:cNvPr id="258" name="Group 257">
+                </a:endParaRPr>
+              </a:p>
+            </p:txBody>
+          </p:sp>
+          <p:sp>
+            <p:nvSpPr>
+              <p:cNvPr id="259" name="Rectangle 258">
                 <a:extLst>
                   <a:ext uri="{FF2B5EF4-FFF2-40B4-BE49-F238E27FC236}">
-                    <a16:creationId xmlns:a16="http://schemas.microsoft.com/office/drawing/2014/main" id="{DDE68A85-4C23-194F-82C9-A28CB54092BC}"/>
+                    <a16:creationId xmlns:a16="http://schemas.microsoft.com/office/drawing/2014/main" id="{FC722855-EE0B-044B-A3C4-A932CECC0420}"/>
                   </a:ext>
                 </a:extLst>
               </p:cNvPr>
-              <p:cNvGrpSpPr/>
+              <p:cNvSpPr/>
               <p:nvPr/>
-            </p:nvGrpSpPr>
-            <p:grpSpPr>
+            </p:nvSpPr>
+            <p:spPr>
               <a:xfrm>
                 <a:off x="1601315" y="5120205"/>
                 <a:ext cx="146367" cy="147710"/>
-                <a:chOff x="5568874" y="828450"/>
-                <a:chExt cx="210126" cy="212054"/>
               </a:xfrm>
-            </p:grpSpPr>
-            <p:sp>
-              <p:nvSpPr>
-                <p:cNvPr id="259" name="Rectangle 258">
-                  <a:extLst>
-                    <a:ext uri="{FF2B5EF4-FFF2-40B4-BE49-F238E27FC236}">
-                      <a16:creationId xmlns:a16="http://schemas.microsoft.com/office/drawing/2014/main" id="{FC722855-EE0B-044B-A3C4-A932CECC0420}"/>
-                    </a:ext>
-                  </a:extLst>
-                </p:cNvPr>
-                <p:cNvSpPr/>
-                <p:nvPr/>
-              </p:nvSpPr>
-              <p:spPr>
-                <a:xfrm>
-                  <a:off x="5568874" y="828450"/>
-                  <a:ext cx="210126" cy="212054"/>
-                </a:xfrm>
-                <a:prstGeom prst="rect">
-                  <a:avLst/>
-                </a:prstGeom>
+              <a:prstGeom prst="rect">
+                <a:avLst/>
+              </a:prstGeom>
+              <a:solidFill>
+                <a:schemeClr val="bg1"/>
+              </a:solidFill>
+              <a:ln>
                 <a:solidFill>
-                  <a:schemeClr val="bg1"/>
+                  <a:schemeClr val="tx1"/>
                 </a:solidFill>
-                <a:ln>
+              </a:ln>
+            </p:spPr>
+            <p:style>
+              <a:lnRef idx="2">
+                <a:schemeClr val="accent1">
+                  <a:shade val="50000"/>
+                </a:schemeClr>
+              </a:lnRef>
+              <a:fillRef idx="1">
+                <a:schemeClr val="accent1"/>
+              </a:fillRef>
+              <a:effectRef idx="0">
+                <a:schemeClr val="accent1"/>
+              </a:effectRef>
+              <a:fontRef idx="minor">
+                <a:schemeClr val="lt1"/>
+              </a:fontRef>
+            </p:style>
+            <p:txBody>
+              <a:bodyPr rtlCol="0" anchor="ctr"/>
+              <a:lstStyle/>
+              <a:p>
+                <a:pPr algn="ctr"/>
+                <a:endParaRPr lang="en-US" sz="1200" dirty="0">
                   <a:solidFill>
                     <a:schemeClr val="tx1"/>
                   </a:solidFill>
-                </a:ln>
-              </p:spPr>
-              <p:style>
-                <a:lnRef idx="2">
-                  <a:schemeClr val="accent1">
-                    <a:shade val="50000"/>
-                  </a:schemeClr>
-                </a:lnRef>
-                <a:fillRef idx="1">
-                  <a:schemeClr val="accent1"/>
-                </a:fillRef>
-                <a:effectRef idx="0">
-                  <a:schemeClr val="accent1"/>
-                </a:effectRef>
-                <a:fontRef idx="minor">
-                  <a:schemeClr val="lt1"/>
-                </a:fontRef>
-              </p:style>
-              <p:txBody>
-                <a:bodyPr rtlCol="0" anchor="ctr"/>
-                <a:lstStyle/>
-                <a:p>
-                  <a:pPr algn="ctr"/>
-                  <a:endParaRPr lang="en-US" sz="1200" dirty="0">
-                    <a:solidFill>
-                      <a:schemeClr val="tx1"/>
-                    </a:solidFill>
-                  </a:endParaRPr>
-                </a:p>
-              </p:txBody>
-            </p:sp>
-            <p:pic>
-              <p:nvPicPr>
-                <p:cNvPr id="260" name="Picture 259">
-                  <a:extLst>
-                    <a:ext uri="{FF2B5EF4-FFF2-40B4-BE49-F238E27FC236}">
-                      <a16:creationId xmlns:a16="http://schemas.microsoft.com/office/drawing/2014/main" id="{5BC8465A-2EDF-CD47-8B84-A2C754C2D70B}"/>
-                    </a:ext>
-                  </a:extLst>
-                </p:cNvPr>
-                <p:cNvPicPr>
-                  <a:picLocks noChangeAspect="1"/>
-                </p:cNvPicPr>
-                <p:nvPr/>
-              </p:nvPicPr>
-              <p:blipFill>
-                <a:blip r:embed="rId4"/>
-                <a:stretch>
-                  <a:fillRect/>
-                </a:stretch>
-              </p:blipFill>
-              <p:spPr>
-                <a:xfrm>
-                  <a:off x="5586136" y="872005"/>
-                  <a:ext cx="175602" cy="118956"/>
-                </a:xfrm>
-                <a:prstGeom prst="rect">
-                  <a:avLst/>
-                </a:prstGeom>
-              </p:spPr>
-            </p:pic>
-          </p:grpSp>
-          <p:grpSp>
-            <p:nvGrpSpPr>
-              <p:cNvPr id="261" name="Group 260">
+                </a:endParaRPr>
+              </a:p>
+            </p:txBody>
+          </p:sp>
+          <p:sp>
+            <p:nvSpPr>
+              <p:cNvPr id="262" name="Rectangle 261">
                 <a:extLst>
                   <a:ext uri="{FF2B5EF4-FFF2-40B4-BE49-F238E27FC236}">
-                    <a16:creationId xmlns:a16="http://schemas.microsoft.com/office/drawing/2014/main" id="{CED2EEB1-C252-F84C-81CF-C4247F481103}"/>
+                    <a16:creationId xmlns:a16="http://schemas.microsoft.com/office/drawing/2014/main" id="{DFB0C43B-572A-394D-8DD3-F62A97300A0A}"/>
                   </a:ext>
                 </a:extLst>
               </p:cNvPr>
-              <p:cNvGrpSpPr/>
+              <p:cNvSpPr/>
               <p:nvPr/>
-            </p:nvGrpSpPr>
-            <p:grpSpPr>
+            </p:nvSpPr>
+            <p:spPr>
               <a:xfrm>
                 <a:off x="1601315" y="5335731"/>
                 <a:ext cx="146367" cy="147710"/>
-                <a:chOff x="5568874" y="828450"/>
-                <a:chExt cx="210126" cy="212054"/>
               </a:xfrm>
-            </p:grpSpPr>
-            <p:sp>
-              <p:nvSpPr>
-                <p:cNvPr id="262" name="Rectangle 261">
-                  <a:extLst>
-                    <a:ext uri="{FF2B5EF4-FFF2-40B4-BE49-F238E27FC236}">
-                      <a16:creationId xmlns:a16="http://schemas.microsoft.com/office/drawing/2014/main" id="{DFB0C43B-572A-394D-8DD3-F62A97300A0A}"/>
-                    </a:ext>
-                  </a:extLst>
-                </p:cNvPr>
-                <p:cNvSpPr/>
-                <p:nvPr/>
-              </p:nvSpPr>
-              <p:spPr>
-                <a:xfrm>
-                  <a:off x="5568874" y="828450"/>
-                  <a:ext cx="210126" cy="212054"/>
-                </a:xfrm>
-                <a:prstGeom prst="rect">
-                  <a:avLst/>
-                </a:prstGeom>
+              <a:prstGeom prst="rect">
+                <a:avLst/>
+              </a:prstGeom>
+              <a:solidFill>
+                <a:schemeClr val="bg1"/>
+              </a:solidFill>
+              <a:ln>
                 <a:solidFill>
-                  <a:schemeClr val="bg1"/>
+                  <a:schemeClr val="tx1"/>
                 </a:solidFill>
-                <a:ln>
+              </a:ln>
+            </p:spPr>
+            <p:style>
+              <a:lnRef idx="2">
+                <a:schemeClr val="accent1">
+                  <a:shade val="50000"/>
+                </a:schemeClr>
+              </a:lnRef>
+              <a:fillRef idx="1">
+                <a:schemeClr val="accent1"/>
+              </a:fillRef>
+              <a:effectRef idx="0">
+                <a:schemeClr val="accent1"/>
+              </a:effectRef>
+              <a:fontRef idx="minor">
+                <a:schemeClr val="lt1"/>
+              </a:fontRef>
+            </p:style>
+            <p:txBody>
+              <a:bodyPr rtlCol="0" anchor="ctr"/>
+              <a:lstStyle/>
+              <a:p>
+                <a:pPr algn="ctr"/>
+                <a:endParaRPr lang="en-US" sz="1200" dirty="0">
                   <a:solidFill>
                     <a:schemeClr val="tx1"/>
                   </a:solidFill>
-                </a:ln>
-              </p:spPr>
-              <p:style>
-                <a:lnRef idx="2">
-                  <a:schemeClr val="accent1">
-                    <a:shade val="50000"/>
-                  </a:schemeClr>
-                </a:lnRef>
-                <a:fillRef idx="1">
-                  <a:schemeClr val="accent1"/>
-                </a:fillRef>
-                <a:effectRef idx="0">
-                  <a:schemeClr val="accent1"/>
-                </a:effectRef>
-                <a:fontRef idx="minor">
-                  <a:schemeClr val="lt1"/>
-                </a:fontRef>
-              </p:style>
-              <p:txBody>
-                <a:bodyPr rtlCol="0" anchor="ctr"/>
-                <a:lstStyle/>
-                <a:p>
-                  <a:pPr algn="ctr"/>
-                  <a:endParaRPr lang="en-US" sz="1200" dirty="0">
-                    <a:solidFill>
-                      <a:schemeClr val="tx1"/>
-                    </a:solidFill>
-                  </a:endParaRPr>
-                </a:p>
-              </p:txBody>
-            </p:sp>
-            <p:pic>
-              <p:nvPicPr>
-                <p:cNvPr id="263" name="Picture 262">
-                  <a:extLst>
-                    <a:ext uri="{FF2B5EF4-FFF2-40B4-BE49-F238E27FC236}">
-                      <a16:creationId xmlns:a16="http://schemas.microsoft.com/office/drawing/2014/main" id="{939B91E1-5A6A-A44F-9E58-30650F2CE697}"/>
-                    </a:ext>
-                  </a:extLst>
-                </p:cNvPr>
-                <p:cNvPicPr>
-                  <a:picLocks noChangeAspect="1"/>
-                </p:cNvPicPr>
-                <p:nvPr/>
-              </p:nvPicPr>
-              <p:blipFill>
-                <a:blip r:embed="rId4"/>
-                <a:stretch>
-                  <a:fillRect/>
-                </a:stretch>
-              </p:blipFill>
-              <p:spPr>
-                <a:xfrm>
-                  <a:off x="5586136" y="872005"/>
-                  <a:ext cx="175602" cy="118956"/>
-                </a:xfrm>
-                <a:prstGeom prst="rect">
-                  <a:avLst/>
-                </a:prstGeom>
-              </p:spPr>
-            </p:pic>
-          </p:grpSp>
-          <p:grpSp>
-            <p:nvGrpSpPr>
-              <p:cNvPr id="264" name="Group 263">
+                </a:endParaRPr>
+              </a:p>
+            </p:txBody>
+          </p:sp>
+          <p:sp>
+            <p:nvSpPr>
+              <p:cNvPr id="265" name="Rectangle 264">
                 <a:extLst>
                   <a:ext uri="{FF2B5EF4-FFF2-40B4-BE49-F238E27FC236}">
-                    <a16:creationId xmlns:a16="http://schemas.microsoft.com/office/drawing/2014/main" id="{35A5003F-6CF7-9546-8701-CEB200A4D80E}"/>
+                    <a16:creationId xmlns:a16="http://schemas.microsoft.com/office/drawing/2014/main" id="{81E219CC-8C52-534D-8FCA-BE545E983CA1}"/>
                   </a:ext>
                 </a:extLst>
               </p:cNvPr>
-              <p:cNvGrpSpPr/>
+              <p:cNvSpPr/>
               <p:nvPr/>
-            </p:nvGrpSpPr>
-            <p:grpSpPr>
+            </p:nvSpPr>
+            <p:spPr>
               <a:xfrm>
                 <a:off x="1601315" y="5590602"/>
                 <a:ext cx="146367" cy="147710"/>
-                <a:chOff x="5568874" y="828450"/>
-                <a:chExt cx="210126" cy="212054"/>
               </a:xfrm>
-            </p:grpSpPr>
-            <p:sp>
-              <p:nvSpPr>
-                <p:cNvPr id="265" name="Rectangle 264">
-                  <a:extLst>
-                    <a:ext uri="{FF2B5EF4-FFF2-40B4-BE49-F238E27FC236}">
-                      <a16:creationId xmlns:a16="http://schemas.microsoft.com/office/drawing/2014/main" id="{81E219CC-8C52-534D-8FCA-BE545E983CA1}"/>
-                    </a:ext>
-                  </a:extLst>
-                </p:cNvPr>
-                <p:cNvSpPr/>
-                <p:nvPr/>
-              </p:nvSpPr>
-              <p:spPr>
-                <a:xfrm>
-                  <a:off x="5568874" y="828450"/>
-                  <a:ext cx="210126" cy="212054"/>
-                </a:xfrm>
-                <a:prstGeom prst="rect">
-                  <a:avLst/>
-                </a:prstGeom>
+              <a:prstGeom prst="rect">
+                <a:avLst/>
+              </a:prstGeom>
+              <a:solidFill>
+                <a:schemeClr val="bg1"/>
+              </a:solidFill>
+              <a:ln>
                 <a:solidFill>
-                  <a:schemeClr val="bg1"/>
+                  <a:schemeClr val="tx1"/>
                 </a:solidFill>
-                <a:ln>
+              </a:ln>
+            </p:spPr>
+            <p:style>
+              <a:lnRef idx="2">
+                <a:schemeClr val="accent1">
+                  <a:shade val="50000"/>
+                </a:schemeClr>
+              </a:lnRef>
+              <a:fillRef idx="1">
+                <a:schemeClr val="accent1"/>
+              </a:fillRef>
+              <a:effectRef idx="0">
+                <a:schemeClr val="accent1"/>
+              </a:effectRef>
+              <a:fontRef idx="minor">
+                <a:schemeClr val="lt1"/>
+              </a:fontRef>
+            </p:style>
+            <p:txBody>
+              <a:bodyPr rtlCol="0" anchor="ctr"/>
+              <a:lstStyle/>
+              <a:p>
+                <a:pPr algn="ctr"/>
+                <a:endParaRPr lang="en-US" sz="1200" dirty="0">
                   <a:solidFill>
                     <a:schemeClr val="tx1"/>
                   </a:solidFill>
-                </a:ln>
-              </p:spPr>
-              <p:style>
-                <a:lnRef idx="2">
-                  <a:schemeClr val="accent1">
-                    <a:shade val="50000"/>
-                  </a:schemeClr>
-                </a:lnRef>
-                <a:fillRef idx="1">
-                  <a:schemeClr val="accent1"/>
-                </a:fillRef>
-                <a:effectRef idx="0">
-                  <a:schemeClr val="accent1"/>
-                </a:effectRef>
-                <a:fontRef idx="minor">
-                  <a:schemeClr val="lt1"/>
-                </a:fontRef>
-              </p:style>
-              <p:txBody>
-                <a:bodyPr rtlCol="0" anchor="ctr"/>
-                <a:lstStyle/>
-                <a:p>
-                  <a:pPr algn="ctr"/>
-                  <a:endParaRPr lang="en-US" sz="1200" dirty="0">
-                    <a:solidFill>
-                      <a:schemeClr val="tx1"/>
-                    </a:solidFill>
-                  </a:endParaRPr>
-                </a:p>
-              </p:txBody>
-            </p:sp>
-            <p:pic>
-              <p:nvPicPr>
-                <p:cNvPr id="266" name="Picture 265">
-                  <a:extLst>
-                    <a:ext uri="{FF2B5EF4-FFF2-40B4-BE49-F238E27FC236}">
-                      <a16:creationId xmlns:a16="http://schemas.microsoft.com/office/drawing/2014/main" id="{D800AC87-0308-F849-99E0-057C9E597AD9}"/>
-                    </a:ext>
-                  </a:extLst>
-                </p:cNvPr>
-                <p:cNvPicPr>
-                  <a:picLocks noChangeAspect="1"/>
-                </p:cNvPicPr>
-                <p:nvPr/>
-              </p:nvPicPr>
-              <p:blipFill>
-                <a:blip r:embed="rId4"/>
-                <a:stretch>
-                  <a:fillRect/>
-                </a:stretch>
-              </p:blipFill>
-              <p:spPr>
-                <a:xfrm>
-                  <a:off x="5586136" y="872005"/>
-                  <a:ext cx="175602" cy="118956"/>
-                </a:xfrm>
-                <a:prstGeom prst="rect">
-                  <a:avLst/>
-                </a:prstGeom>
-              </p:spPr>
-            </p:pic>
-          </p:grpSp>
-          <p:grpSp>
-            <p:nvGrpSpPr>
-              <p:cNvPr id="267" name="Group 266">
+                </a:endParaRPr>
+              </a:p>
+            </p:txBody>
+          </p:sp>
+          <p:sp>
+            <p:nvSpPr>
+              <p:cNvPr id="268" name="Rectangle 267">
                 <a:extLst>
                   <a:ext uri="{FF2B5EF4-FFF2-40B4-BE49-F238E27FC236}">
-                    <a16:creationId xmlns:a16="http://schemas.microsoft.com/office/drawing/2014/main" id="{9DF7463A-BB90-6244-9A45-DDCEDE91CEC2}"/>
+                    <a16:creationId xmlns:a16="http://schemas.microsoft.com/office/drawing/2014/main" id="{D98028F6-3D57-B74A-AD45-55A55C57A7E9}"/>
                   </a:ext>
                 </a:extLst>
               </p:cNvPr>
-              <p:cNvGrpSpPr/>
+              <p:cNvSpPr/>
               <p:nvPr/>
-            </p:nvGrpSpPr>
-            <p:grpSpPr>
+            </p:nvSpPr>
+            <p:spPr>
               <a:xfrm>
                 <a:off x="1605933" y="5882205"/>
                 <a:ext cx="146367" cy="147710"/>
-                <a:chOff x="5568874" y="828450"/>
-                <a:chExt cx="210126" cy="212054"/>
               </a:xfrm>
-            </p:grpSpPr>
-            <p:sp>
-              <p:nvSpPr>
-                <p:cNvPr id="268" name="Rectangle 267">
-                  <a:extLst>
-                    <a:ext uri="{FF2B5EF4-FFF2-40B4-BE49-F238E27FC236}">
-                      <a16:creationId xmlns:a16="http://schemas.microsoft.com/office/drawing/2014/main" id="{D98028F6-3D57-B74A-AD45-55A55C57A7E9}"/>
-                    </a:ext>
-                  </a:extLst>
-                </p:cNvPr>
-                <p:cNvSpPr/>
-                <p:nvPr/>
-              </p:nvSpPr>
-              <p:spPr>
-                <a:xfrm>
-                  <a:off x="5568874" y="828450"/>
-                  <a:ext cx="210126" cy="212054"/>
-                </a:xfrm>
-                <a:prstGeom prst="rect">
-                  <a:avLst/>
-                </a:prstGeom>
+              <a:prstGeom prst="rect">
+                <a:avLst/>
+              </a:prstGeom>
+              <a:solidFill>
+                <a:schemeClr val="bg1"/>
+              </a:solidFill>
+              <a:ln>
                 <a:solidFill>
-                  <a:schemeClr val="bg1"/>
+                  <a:schemeClr val="tx1"/>
                 </a:solidFill>
-                <a:ln>
+              </a:ln>
+            </p:spPr>
+            <p:style>
+              <a:lnRef idx="2">
+                <a:schemeClr val="accent1">
+                  <a:shade val="50000"/>
+                </a:schemeClr>
+              </a:lnRef>
+              <a:fillRef idx="1">
+                <a:schemeClr val="accent1"/>
+              </a:fillRef>
+              <a:effectRef idx="0">
+                <a:schemeClr val="accent1"/>
+              </a:effectRef>
+              <a:fontRef idx="minor">
+                <a:schemeClr val="lt1"/>
+              </a:fontRef>
+            </p:style>
+            <p:txBody>
+              <a:bodyPr rtlCol="0" anchor="ctr"/>
+              <a:lstStyle/>
+              <a:p>
+                <a:pPr algn="ctr"/>
+                <a:endParaRPr lang="en-US" sz="1200" dirty="0">
                   <a:solidFill>
                     <a:schemeClr val="tx1"/>
                   </a:solidFill>
-                </a:ln>
-              </p:spPr>
-              <p:style>
-                <a:lnRef idx="2">
-                  <a:schemeClr val="accent1">
-                    <a:shade val="50000"/>
-                  </a:schemeClr>
-                </a:lnRef>
-                <a:fillRef idx="1">
-                  <a:schemeClr val="accent1"/>
-                </a:fillRef>
-                <a:effectRef idx="0">
-                  <a:schemeClr val="accent1"/>
-                </a:effectRef>
-                <a:fontRef idx="minor">
-                  <a:schemeClr val="lt1"/>
-                </a:fontRef>
-              </p:style>
-              <p:txBody>
-                <a:bodyPr rtlCol="0" anchor="ctr"/>
-                <a:lstStyle/>
-                <a:p>
-                  <a:pPr algn="ctr"/>
-                  <a:endParaRPr lang="en-US" sz="1200" dirty="0">
-                    <a:solidFill>
-                      <a:schemeClr val="tx1"/>
-                    </a:solidFill>
-                  </a:endParaRPr>
-                </a:p>
-              </p:txBody>
-            </p:sp>
-            <p:pic>
-              <p:nvPicPr>
-                <p:cNvPr id="269" name="Picture 268">
-                  <a:extLst>
-                    <a:ext uri="{FF2B5EF4-FFF2-40B4-BE49-F238E27FC236}">
-                      <a16:creationId xmlns:a16="http://schemas.microsoft.com/office/drawing/2014/main" id="{41F812CE-CA35-C043-A3E4-4FB604C29E67}"/>
-                    </a:ext>
-                  </a:extLst>
-                </p:cNvPr>
-                <p:cNvPicPr>
-                  <a:picLocks noChangeAspect="1"/>
-                </p:cNvPicPr>
-                <p:nvPr/>
-              </p:nvPicPr>
-              <p:blipFill>
-                <a:blip r:embed="rId4"/>
-                <a:stretch>
-                  <a:fillRect/>
-                </a:stretch>
-              </p:blipFill>
-              <p:spPr>
-                <a:xfrm>
-                  <a:off x="5586136" y="872005"/>
-                  <a:ext cx="175602" cy="118956"/>
-                </a:xfrm>
-                <a:prstGeom prst="rect">
-                  <a:avLst/>
-                </a:prstGeom>
-              </p:spPr>
-            </p:pic>
-          </p:grpSp>
-          <p:grpSp>
-            <p:nvGrpSpPr>
-              <p:cNvPr id="270" name="Group 269">
+                </a:endParaRPr>
+              </a:p>
+            </p:txBody>
+          </p:sp>
+          <p:sp>
+            <p:nvSpPr>
+              <p:cNvPr id="271" name="Rectangle 270">
                 <a:extLst>
                   <a:ext uri="{FF2B5EF4-FFF2-40B4-BE49-F238E27FC236}">
-                    <a16:creationId xmlns:a16="http://schemas.microsoft.com/office/drawing/2014/main" id="{C9EDFE93-AC71-5946-8A68-69133BE0E7B4}"/>
+                    <a16:creationId xmlns:a16="http://schemas.microsoft.com/office/drawing/2014/main" id="{F37A0109-2C14-E64E-B0FD-EF903A8BE474}"/>
                   </a:ext>
                 </a:extLst>
               </p:cNvPr>
-              <p:cNvGrpSpPr/>
+              <p:cNvSpPr/>
               <p:nvPr/>
-            </p:nvGrpSpPr>
-            <p:grpSpPr>
+            </p:nvSpPr>
+            <p:spPr>
               <a:xfrm>
                 <a:off x="1605933" y="6102349"/>
                 <a:ext cx="146367" cy="147710"/>
-                <a:chOff x="5568874" y="828450"/>
-                <a:chExt cx="210126" cy="212054"/>
               </a:xfrm>
-            </p:grpSpPr>
-            <p:sp>
-              <p:nvSpPr>
-                <p:cNvPr id="271" name="Rectangle 270">
-                  <a:extLst>
-                    <a:ext uri="{FF2B5EF4-FFF2-40B4-BE49-F238E27FC236}">
-                      <a16:creationId xmlns:a16="http://schemas.microsoft.com/office/drawing/2014/main" id="{F37A0109-2C14-E64E-B0FD-EF903A8BE474}"/>
-                    </a:ext>
-                  </a:extLst>
-                </p:cNvPr>
-                <p:cNvSpPr/>
-                <p:nvPr/>
-              </p:nvSpPr>
-              <p:spPr>
-                <a:xfrm>
-                  <a:off x="5568874" y="828450"/>
-                  <a:ext cx="210126" cy="212054"/>
-                </a:xfrm>
-                <a:prstGeom prst="rect">
-                  <a:avLst/>
-                </a:prstGeom>
+              <a:prstGeom prst="rect">
+                <a:avLst/>
+              </a:prstGeom>
+              <a:solidFill>
+                <a:schemeClr val="bg1"/>
+              </a:solidFill>
+              <a:ln>
                 <a:solidFill>
-                  <a:schemeClr val="bg1"/>
+                  <a:schemeClr val="tx1"/>
                 </a:solidFill>
-                <a:ln>
+              </a:ln>
+            </p:spPr>
+            <p:style>
+              <a:lnRef idx="2">
+                <a:schemeClr val="accent1">
+                  <a:shade val="50000"/>
+                </a:schemeClr>
+              </a:lnRef>
+              <a:fillRef idx="1">
+                <a:schemeClr val="accent1"/>
+              </a:fillRef>
+              <a:effectRef idx="0">
+                <a:schemeClr val="accent1"/>
+              </a:effectRef>
+              <a:fontRef idx="minor">
+                <a:schemeClr val="lt1"/>
+              </a:fontRef>
+            </p:style>
+            <p:txBody>
+              <a:bodyPr rtlCol="0" anchor="ctr"/>
+              <a:lstStyle/>
+              <a:p>
+                <a:pPr algn="ctr"/>
+                <a:endParaRPr lang="en-US" sz="1200" dirty="0">
                   <a:solidFill>
                     <a:schemeClr val="tx1"/>
                   </a:solidFill>
-                </a:ln>
-              </p:spPr>
-              <p:style>
-                <a:lnRef idx="2">
-                  <a:schemeClr val="accent1">
-                    <a:shade val="50000"/>
-                  </a:schemeClr>
-                </a:lnRef>
-                <a:fillRef idx="1">
-                  <a:schemeClr val="accent1"/>
-                </a:fillRef>
-                <a:effectRef idx="0">
-                  <a:schemeClr val="accent1"/>
-                </a:effectRef>
-                <a:fontRef idx="minor">
-                  <a:schemeClr val="lt1"/>
-                </a:fontRef>
-              </p:style>
-              <p:txBody>
-                <a:bodyPr rtlCol="0" anchor="ctr"/>
-                <a:lstStyle/>
-                <a:p>
-                  <a:pPr algn="ctr"/>
-                  <a:endParaRPr lang="en-US" sz="1200" dirty="0">
-                    <a:solidFill>
-                      <a:schemeClr val="tx1"/>
-                    </a:solidFill>
-                  </a:endParaRPr>
-                </a:p>
-              </p:txBody>
-            </p:sp>
-            <p:pic>
-              <p:nvPicPr>
-                <p:cNvPr id="272" name="Picture 271">
-                  <a:extLst>
-                    <a:ext uri="{FF2B5EF4-FFF2-40B4-BE49-F238E27FC236}">
-                      <a16:creationId xmlns:a16="http://schemas.microsoft.com/office/drawing/2014/main" id="{894F3C49-AEB0-6842-A5CA-BB77ED2E7D44}"/>
-                    </a:ext>
-                  </a:extLst>
-                </p:cNvPr>
-                <p:cNvPicPr>
-                  <a:picLocks noChangeAspect="1"/>
-                </p:cNvPicPr>
-                <p:nvPr/>
-              </p:nvPicPr>
-              <p:blipFill>
-                <a:blip r:embed="rId4"/>
-                <a:stretch>
-                  <a:fillRect/>
-                </a:stretch>
-              </p:blipFill>
-              <p:spPr>
-                <a:xfrm>
-                  <a:off x="5586136" y="872005"/>
-                  <a:ext cx="175602" cy="118956"/>
-                </a:xfrm>
-                <a:prstGeom prst="rect">
-                  <a:avLst/>
-                </a:prstGeom>
-              </p:spPr>
-            </p:pic>
-          </p:grpSp>
-          <p:grpSp>
-            <p:nvGrpSpPr>
-              <p:cNvPr id="273" name="Group 272">
+                </a:endParaRPr>
+              </a:p>
+            </p:txBody>
+          </p:sp>
+          <p:sp>
+            <p:nvSpPr>
+              <p:cNvPr id="274" name="Rectangle 273">
                 <a:extLst>
                   <a:ext uri="{FF2B5EF4-FFF2-40B4-BE49-F238E27FC236}">
-                    <a16:creationId xmlns:a16="http://schemas.microsoft.com/office/drawing/2014/main" id="{27B9AC12-CF10-2C4D-9D3A-30E954956C03}"/>
+                    <a16:creationId xmlns:a16="http://schemas.microsoft.com/office/drawing/2014/main" id="{A362DC2E-5731-EF40-86FA-1985CF8514E7}"/>
                   </a:ext>
                 </a:extLst>
               </p:cNvPr>
-              <p:cNvGrpSpPr/>
+              <p:cNvSpPr/>
               <p:nvPr/>
-            </p:nvGrpSpPr>
-            <p:grpSpPr>
+            </p:nvSpPr>
+            <p:spPr>
               <a:xfrm>
                 <a:off x="1605933" y="6357220"/>
                 <a:ext cx="146367" cy="147710"/>
-                <a:chOff x="5568874" y="828450"/>
-                <a:chExt cx="210126" cy="212054"/>
               </a:xfrm>
-            </p:grpSpPr>
-            <p:sp>
-              <p:nvSpPr>
-                <p:cNvPr id="274" name="Rectangle 273">
-                  <a:extLst>
-                    <a:ext uri="{FF2B5EF4-FFF2-40B4-BE49-F238E27FC236}">
-                      <a16:creationId xmlns:a16="http://schemas.microsoft.com/office/drawing/2014/main" id="{A362DC2E-5731-EF40-86FA-1985CF8514E7}"/>
-                    </a:ext>
-                  </a:extLst>
-                </p:cNvPr>
-                <p:cNvSpPr/>
-                <p:nvPr/>
-              </p:nvSpPr>
-              <p:spPr>
-                <a:xfrm>
-                  <a:off x="5568874" y="828450"/>
-                  <a:ext cx="210126" cy="212054"/>
-                </a:xfrm>
-                <a:prstGeom prst="rect">
-                  <a:avLst/>
-                </a:prstGeom>
+              <a:prstGeom prst="rect">
+                <a:avLst/>
+              </a:prstGeom>
+              <a:solidFill>
+                <a:schemeClr val="bg1"/>
+              </a:solidFill>
+              <a:ln>
                 <a:solidFill>
-                  <a:schemeClr val="bg1"/>
+                  <a:schemeClr val="tx1"/>
                 </a:solidFill>
-                <a:ln>
+              </a:ln>
+            </p:spPr>
+            <p:style>
+              <a:lnRef idx="2">
+                <a:schemeClr val="accent1">
+                  <a:shade val="50000"/>
+                </a:schemeClr>
+              </a:lnRef>
+              <a:fillRef idx="1">
+                <a:schemeClr val="accent1"/>
+              </a:fillRef>
+              <a:effectRef idx="0">
+                <a:schemeClr val="accent1"/>
+              </a:effectRef>
+              <a:fontRef idx="minor">
+                <a:schemeClr val="lt1"/>
+              </a:fontRef>
+            </p:style>
+            <p:txBody>
+              <a:bodyPr rtlCol="0" anchor="ctr"/>
+              <a:lstStyle/>
+              <a:p>
+                <a:pPr algn="ctr"/>
+                <a:endParaRPr lang="en-US" sz="1200" dirty="0">
                   <a:solidFill>
                     <a:schemeClr val="tx1"/>
                   </a:solidFill>
-                </a:ln>
-              </p:spPr>
-              <p:style>
-                <a:lnRef idx="2">
-                  <a:schemeClr val="accent1">
-                    <a:shade val="50000"/>
-                  </a:schemeClr>
-                </a:lnRef>
-                <a:fillRef idx="1">
-                  <a:schemeClr val="accent1"/>
-                </a:fillRef>
-                <a:effectRef idx="0">
-                  <a:schemeClr val="accent1"/>
-                </a:effectRef>
-                <a:fontRef idx="minor">
-                  <a:schemeClr val="lt1"/>
-                </a:fontRef>
-              </p:style>
-              <p:txBody>
-                <a:bodyPr rtlCol="0" anchor="ctr"/>
-                <a:lstStyle/>
-                <a:p>
-                  <a:pPr algn="ctr"/>
-                  <a:endParaRPr lang="en-US" sz="1200" dirty="0">
-                    <a:solidFill>
-                      <a:schemeClr val="tx1"/>
-                    </a:solidFill>
-                  </a:endParaRPr>
-                </a:p>
-              </p:txBody>
-            </p:sp>
-            <p:pic>
-              <p:nvPicPr>
-                <p:cNvPr id="275" name="Picture 274">
-                  <a:extLst>
-                    <a:ext uri="{FF2B5EF4-FFF2-40B4-BE49-F238E27FC236}">
-                      <a16:creationId xmlns:a16="http://schemas.microsoft.com/office/drawing/2014/main" id="{6D76159D-6F44-2446-8805-1BE3BDA26D27}"/>
-                    </a:ext>
-                  </a:extLst>
-                </p:cNvPr>
-                <p:cNvPicPr>
-                  <a:picLocks noChangeAspect="1"/>
-                </p:cNvPicPr>
-                <p:nvPr/>
-              </p:nvPicPr>
-              <p:blipFill>
-                <a:blip r:embed="rId4"/>
-                <a:stretch>
-                  <a:fillRect/>
-                </a:stretch>
-              </p:blipFill>
-              <p:spPr>
-                <a:xfrm>
-                  <a:off x="5586136" y="872005"/>
-                  <a:ext cx="175602" cy="118956"/>
-                </a:xfrm>
-                <a:prstGeom prst="rect">
-                  <a:avLst/>
-                </a:prstGeom>
-              </p:spPr>
-            </p:pic>
-          </p:grpSp>
-          <p:grpSp>
-            <p:nvGrpSpPr>
-              <p:cNvPr id="276" name="Group 275">
+                </a:endParaRPr>
+              </a:p>
+            </p:txBody>
+          </p:sp>
+          <p:sp>
+            <p:nvSpPr>
+              <p:cNvPr id="277" name="Rectangle 276">
                 <a:extLst>
                   <a:ext uri="{FF2B5EF4-FFF2-40B4-BE49-F238E27FC236}">
-                    <a16:creationId xmlns:a16="http://schemas.microsoft.com/office/drawing/2014/main" id="{35F9BDCE-E2B7-B342-9217-0AB6BC091800}"/>
+                    <a16:creationId xmlns:a16="http://schemas.microsoft.com/office/drawing/2014/main" id="{66DCACF5-2C44-D346-85F9-9D8FCB202F54}"/>
                   </a:ext>
                 </a:extLst>
               </p:cNvPr>
-              <p:cNvGrpSpPr/>
+              <p:cNvSpPr/>
               <p:nvPr/>
-            </p:nvGrpSpPr>
-            <p:grpSpPr>
+            </p:nvSpPr>
+            <p:spPr>
               <a:xfrm>
                 <a:off x="2899021" y="6365713"/>
                 <a:ext cx="146367" cy="147710"/>
-                <a:chOff x="5568874" y="828450"/>
-                <a:chExt cx="210126" cy="212054"/>
               </a:xfrm>
-            </p:grpSpPr>
-            <p:sp>
-              <p:nvSpPr>
-                <p:cNvPr id="277" name="Rectangle 276">
-                  <a:extLst>
-                    <a:ext uri="{FF2B5EF4-FFF2-40B4-BE49-F238E27FC236}">
-                      <a16:creationId xmlns:a16="http://schemas.microsoft.com/office/drawing/2014/main" id="{66DCACF5-2C44-D346-85F9-9D8FCB202F54}"/>
-                    </a:ext>
-                  </a:extLst>
-                </p:cNvPr>
-                <p:cNvSpPr/>
-                <p:nvPr/>
-              </p:nvSpPr>
-              <p:spPr>
-                <a:xfrm>
-                  <a:off x="5568874" y="828450"/>
-                  <a:ext cx="210126" cy="212054"/>
-                </a:xfrm>
-                <a:prstGeom prst="rect">
-                  <a:avLst/>
-                </a:prstGeom>
+              <a:prstGeom prst="rect">
+                <a:avLst/>
+              </a:prstGeom>
+              <a:solidFill>
+                <a:schemeClr val="bg1"/>
+              </a:solidFill>
+              <a:ln>
                 <a:solidFill>
-                  <a:schemeClr val="bg1"/>
+                  <a:schemeClr val="tx1"/>
                 </a:solidFill>
-                <a:ln>
+              </a:ln>
+            </p:spPr>
+            <p:style>
+              <a:lnRef idx="2">
+                <a:schemeClr val="accent1">
+                  <a:shade val="50000"/>
+                </a:schemeClr>
+              </a:lnRef>
+              <a:fillRef idx="1">
+                <a:schemeClr val="accent1"/>
+              </a:fillRef>
+              <a:effectRef idx="0">
+                <a:schemeClr val="accent1"/>
+              </a:effectRef>
+              <a:fontRef idx="minor">
+                <a:schemeClr val="lt1"/>
+              </a:fontRef>
+            </p:style>
+            <p:txBody>
+              <a:bodyPr rtlCol="0" anchor="ctr"/>
+              <a:lstStyle/>
+              <a:p>
+                <a:pPr algn="ctr"/>
+                <a:endParaRPr lang="en-US" sz="1200" dirty="0">
                   <a:solidFill>
                     <a:schemeClr val="tx1"/>
                   </a:solidFill>
-                </a:ln>
-              </p:spPr>
-              <p:style>
-                <a:lnRef idx="2">
-                  <a:schemeClr val="accent1">
-                    <a:shade val="50000"/>
-                  </a:schemeClr>
-                </a:lnRef>
-                <a:fillRef idx="1">
-                  <a:schemeClr val="accent1"/>
-                </a:fillRef>
-                <a:effectRef idx="0">
-                  <a:schemeClr val="accent1"/>
-                </a:effectRef>
-                <a:fontRef idx="minor">
-                  <a:schemeClr val="lt1"/>
-                </a:fontRef>
-              </p:style>
-              <p:txBody>
-                <a:bodyPr rtlCol="0" anchor="ctr"/>
-                <a:lstStyle/>
-                <a:p>
-                  <a:pPr algn="ctr"/>
-                  <a:endParaRPr lang="en-US" sz="1200" dirty="0">
-                    <a:solidFill>
-                      <a:schemeClr val="tx1"/>
-                    </a:solidFill>
-                  </a:endParaRPr>
-                </a:p>
-              </p:txBody>
-            </p:sp>
-            <p:pic>
-              <p:nvPicPr>
-                <p:cNvPr id="278" name="Picture 277">
-                  <a:extLst>
-                    <a:ext uri="{FF2B5EF4-FFF2-40B4-BE49-F238E27FC236}">
-                      <a16:creationId xmlns:a16="http://schemas.microsoft.com/office/drawing/2014/main" id="{EB443DC8-9557-CC4D-9DFB-3682AEF3EFC1}"/>
-                    </a:ext>
-                  </a:extLst>
-                </p:cNvPr>
-                <p:cNvPicPr>
-                  <a:picLocks noChangeAspect="1"/>
-                </p:cNvPicPr>
-                <p:nvPr/>
-              </p:nvPicPr>
-              <p:blipFill>
-                <a:blip r:embed="rId4"/>
-                <a:stretch>
-                  <a:fillRect/>
-                </a:stretch>
-              </p:blipFill>
-              <p:spPr>
-                <a:xfrm>
-                  <a:off x="5586136" y="872005"/>
-                  <a:ext cx="175602" cy="118956"/>
-                </a:xfrm>
-                <a:prstGeom prst="rect">
-                  <a:avLst/>
-                </a:prstGeom>
-              </p:spPr>
-            </p:pic>
-          </p:grpSp>
-          <p:grpSp>
-            <p:nvGrpSpPr>
-              <p:cNvPr id="279" name="Group 278">
+                </a:endParaRPr>
+              </a:p>
+            </p:txBody>
+          </p:sp>
+          <p:sp>
+            <p:nvSpPr>
+              <p:cNvPr id="280" name="Rectangle 279">
                 <a:extLst>
                   <a:ext uri="{FF2B5EF4-FFF2-40B4-BE49-F238E27FC236}">
-                    <a16:creationId xmlns:a16="http://schemas.microsoft.com/office/drawing/2014/main" id="{8B7F2D27-0CB2-7A41-BCCE-A72304106C52}"/>
+                    <a16:creationId xmlns:a16="http://schemas.microsoft.com/office/drawing/2014/main" id="{0C54AA7A-C9E3-DC4E-943B-649BA690599D}"/>
                   </a:ext>
                 </a:extLst>
               </p:cNvPr>
-              <p:cNvGrpSpPr/>
+              <p:cNvSpPr/>
               <p:nvPr/>
-            </p:nvGrpSpPr>
-            <p:grpSpPr>
+            </p:nvSpPr>
+            <p:spPr>
               <a:xfrm>
                 <a:off x="2899021" y="4794738"/>
                 <a:ext cx="146367" cy="147710"/>
-                <a:chOff x="5568874" y="828450"/>
-                <a:chExt cx="210126" cy="212054"/>
               </a:xfrm>
-            </p:grpSpPr>
-            <p:sp>
-              <p:nvSpPr>
-                <p:cNvPr id="280" name="Rectangle 279">
-                  <a:extLst>
-                    <a:ext uri="{FF2B5EF4-FFF2-40B4-BE49-F238E27FC236}">
-                      <a16:creationId xmlns:a16="http://schemas.microsoft.com/office/drawing/2014/main" id="{0C54AA7A-C9E3-DC4E-943B-649BA690599D}"/>
-                    </a:ext>
-                  </a:extLst>
-                </p:cNvPr>
-                <p:cNvSpPr/>
-                <p:nvPr/>
-              </p:nvSpPr>
-              <p:spPr>
-                <a:xfrm>
-                  <a:off x="5568874" y="828450"/>
-                  <a:ext cx="210126" cy="212054"/>
-                </a:xfrm>
-                <a:prstGeom prst="rect">
-                  <a:avLst/>
-                </a:prstGeom>
+              <a:prstGeom prst="rect">
+                <a:avLst/>
+              </a:prstGeom>
+              <a:solidFill>
+                <a:schemeClr val="bg1"/>
+              </a:solidFill>
+              <a:ln>
                 <a:solidFill>
-                  <a:schemeClr val="bg1"/>
+                  <a:schemeClr val="tx1"/>
                 </a:solidFill>
-                <a:ln>
+              </a:ln>
+            </p:spPr>
+            <p:style>
+              <a:lnRef idx="2">
+                <a:schemeClr val="accent1">
+                  <a:shade val="50000"/>
+                </a:schemeClr>
+              </a:lnRef>
+              <a:fillRef idx="1">
+                <a:schemeClr val="accent1"/>
+              </a:fillRef>
+              <a:effectRef idx="0">
+                <a:schemeClr val="accent1"/>
+              </a:effectRef>
+              <a:fontRef idx="minor">
+                <a:schemeClr val="lt1"/>
+              </a:fontRef>
+            </p:style>
+            <p:txBody>
+              <a:bodyPr rtlCol="0" anchor="ctr"/>
+              <a:lstStyle/>
+              <a:p>
+                <a:pPr algn="ctr"/>
+                <a:endParaRPr lang="en-US" sz="1200" dirty="0">
                   <a:solidFill>
                     <a:schemeClr val="tx1"/>
                   </a:solidFill>
-                </a:ln>
-              </p:spPr>
-              <p:style>
-                <a:lnRef idx="2">
-                  <a:schemeClr val="accent1">
-                    <a:shade val="50000"/>
-                  </a:schemeClr>
-                </a:lnRef>
-                <a:fillRef idx="1">
-                  <a:schemeClr val="accent1"/>
-                </a:fillRef>
-                <a:effectRef idx="0">
-                  <a:schemeClr val="accent1"/>
-                </a:effectRef>
-                <a:fontRef idx="minor">
-                  <a:schemeClr val="lt1"/>
-                </a:fontRef>
-              </p:style>
-              <p:txBody>
-                <a:bodyPr rtlCol="0" anchor="ctr"/>
-                <a:lstStyle/>
-                <a:p>
-                  <a:pPr algn="ctr"/>
-                  <a:endParaRPr lang="en-US" sz="1200" dirty="0">
-                    <a:solidFill>
-                      <a:schemeClr val="tx1"/>
-                    </a:solidFill>
-                  </a:endParaRPr>
-                </a:p>
-              </p:txBody>
-            </p:sp>
-            <p:pic>
-              <p:nvPicPr>
-                <p:cNvPr id="281" name="Picture 280">
-                  <a:extLst>
-                    <a:ext uri="{FF2B5EF4-FFF2-40B4-BE49-F238E27FC236}">
-                      <a16:creationId xmlns:a16="http://schemas.microsoft.com/office/drawing/2014/main" id="{B289899F-F772-A646-9364-B57923CF8886}"/>
-                    </a:ext>
-                  </a:extLst>
-                </p:cNvPr>
-                <p:cNvPicPr>
-                  <a:picLocks noChangeAspect="1"/>
-                </p:cNvPicPr>
-                <p:nvPr/>
-              </p:nvPicPr>
-              <p:blipFill>
-                <a:blip r:embed="rId4"/>
-                <a:stretch>
-                  <a:fillRect/>
-                </a:stretch>
-              </p:blipFill>
-              <p:spPr>
-                <a:xfrm>
-                  <a:off x="5586136" y="872005"/>
-                  <a:ext cx="175602" cy="118956"/>
-                </a:xfrm>
-                <a:prstGeom prst="rect">
-                  <a:avLst/>
-                </a:prstGeom>
-              </p:spPr>
-            </p:pic>
-          </p:grpSp>
-          <p:grpSp>
-            <p:nvGrpSpPr>
-              <p:cNvPr id="282" name="Group 281">
+                </a:endParaRPr>
+              </a:p>
+            </p:txBody>
+          </p:sp>
+          <p:sp>
+            <p:nvSpPr>
+              <p:cNvPr id="283" name="Rectangle 282">
                 <a:extLst>
                   <a:ext uri="{FF2B5EF4-FFF2-40B4-BE49-F238E27FC236}">
-                    <a16:creationId xmlns:a16="http://schemas.microsoft.com/office/drawing/2014/main" id="{677CB3D6-11BC-FB4A-9345-71B3FA98F4FA}"/>
+                    <a16:creationId xmlns:a16="http://schemas.microsoft.com/office/drawing/2014/main" id="{F7DC9033-6A48-2A47-AEA1-09C398D2ABE4}"/>
                   </a:ext>
                 </a:extLst>
               </p:cNvPr>
-              <p:cNvGrpSpPr/>
+              <p:cNvSpPr/>
               <p:nvPr/>
-            </p:nvGrpSpPr>
-            <p:grpSpPr>
+            </p:nvSpPr>
+            <p:spPr>
               <a:xfrm>
                 <a:off x="2903640" y="3247340"/>
                 <a:ext cx="146367" cy="147710"/>
-                <a:chOff x="5568874" y="828450"/>
-                <a:chExt cx="210126" cy="212054"/>
               </a:xfrm>
-            </p:grpSpPr>
-            <p:sp>
-              <p:nvSpPr>
-                <p:cNvPr id="283" name="Rectangle 282">
-                  <a:extLst>
-                    <a:ext uri="{FF2B5EF4-FFF2-40B4-BE49-F238E27FC236}">
-                      <a16:creationId xmlns:a16="http://schemas.microsoft.com/office/drawing/2014/main" id="{F7DC9033-6A48-2A47-AEA1-09C398D2ABE4}"/>
-                    </a:ext>
-                  </a:extLst>
-                </p:cNvPr>
-                <p:cNvSpPr/>
-                <p:nvPr/>
-              </p:nvSpPr>
-              <p:spPr>
-                <a:xfrm>
-                  <a:off x="5568874" y="828450"/>
-                  <a:ext cx="210126" cy="212054"/>
-                </a:xfrm>
-                <a:prstGeom prst="rect">
-                  <a:avLst/>
-                </a:prstGeom>
+              <a:prstGeom prst="rect">
+                <a:avLst/>
+              </a:prstGeom>
+              <a:solidFill>
+                <a:schemeClr val="bg1"/>
+              </a:solidFill>
+              <a:ln>
                 <a:solidFill>
-                  <a:schemeClr val="bg1"/>
+                  <a:schemeClr val="tx1"/>
                 </a:solidFill>
-                <a:ln>
+              </a:ln>
+            </p:spPr>
+            <p:style>
+              <a:lnRef idx="2">
+                <a:schemeClr val="accent1">
+                  <a:shade val="50000"/>
+                </a:schemeClr>
+              </a:lnRef>
+              <a:fillRef idx="1">
+                <a:schemeClr val="accent1"/>
+              </a:fillRef>
+              <a:effectRef idx="0">
+                <a:schemeClr val="accent1"/>
+              </a:effectRef>
+              <a:fontRef idx="minor">
+                <a:schemeClr val="lt1"/>
+              </a:fontRef>
+            </p:style>
+            <p:txBody>
+              <a:bodyPr rtlCol="0" anchor="ctr"/>
+              <a:lstStyle/>
+              <a:p>
+                <a:pPr algn="ctr"/>
+                <a:endParaRPr lang="en-US" sz="1200" dirty="0">
                   <a:solidFill>
                     <a:schemeClr val="tx1"/>
                   </a:solidFill>
-                </a:ln>
-              </p:spPr>
-              <p:style>
-                <a:lnRef idx="2">
-                  <a:schemeClr val="accent1">
-                    <a:shade val="50000"/>
-                  </a:schemeClr>
-                </a:lnRef>
-                <a:fillRef idx="1">
-                  <a:schemeClr val="accent1"/>
-                </a:fillRef>
-                <a:effectRef idx="0">
-                  <a:schemeClr val="accent1"/>
-                </a:effectRef>
-                <a:fontRef idx="minor">
-                  <a:schemeClr val="lt1"/>
-                </a:fontRef>
-              </p:style>
-              <p:txBody>
-                <a:bodyPr rtlCol="0" anchor="ctr"/>
-                <a:lstStyle/>
-                <a:p>
-                  <a:pPr algn="ctr"/>
-                  <a:endParaRPr lang="en-US" sz="1200" dirty="0">
-                    <a:solidFill>
-                      <a:schemeClr val="tx1"/>
-                    </a:solidFill>
-                  </a:endParaRPr>
-                </a:p>
-              </p:txBody>
-            </p:sp>
-            <p:pic>
-              <p:nvPicPr>
-                <p:cNvPr id="284" name="Picture 283">
-                  <a:extLst>
-                    <a:ext uri="{FF2B5EF4-FFF2-40B4-BE49-F238E27FC236}">
-                      <a16:creationId xmlns:a16="http://schemas.microsoft.com/office/drawing/2014/main" id="{5962C256-2C9F-984A-8AA4-2FB88AA803D5}"/>
-                    </a:ext>
-                  </a:extLst>
-                </p:cNvPr>
-                <p:cNvPicPr>
-                  <a:picLocks noChangeAspect="1"/>
-                </p:cNvPicPr>
-                <p:nvPr/>
-              </p:nvPicPr>
-              <p:blipFill>
-                <a:blip r:embed="rId4"/>
-                <a:stretch>
-                  <a:fillRect/>
-                </a:stretch>
-              </p:blipFill>
-              <p:spPr>
-                <a:xfrm>
-                  <a:off x="5586136" y="872005"/>
-                  <a:ext cx="175602" cy="118956"/>
-                </a:xfrm>
-                <a:prstGeom prst="rect">
-                  <a:avLst/>
-                </a:prstGeom>
-              </p:spPr>
-            </p:pic>
-          </p:grpSp>
-          <p:grpSp>
-            <p:nvGrpSpPr>
-              <p:cNvPr id="285" name="Group 284">
+                </a:endParaRPr>
+              </a:p>
+            </p:txBody>
+          </p:sp>
+          <p:sp>
+            <p:nvSpPr>
+              <p:cNvPr id="286" name="Rectangle 285">
                 <a:extLst>
                   <a:ext uri="{FF2B5EF4-FFF2-40B4-BE49-F238E27FC236}">
-                    <a16:creationId xmlns:a16="http://schemas.microsoft.com/office/drawing/2014/main" id="{2A7F1EC0-6240-5741-9D9F-22D1D36B5BFA}"/>
+                    <a16:creationId xmlns:a16="http://schemas.microsoft.com/office/drawing/2014/main" id="{36250903-EB6F-1E42-B0D7-089EF0CF2D81}"/>
                   </a:ext>
                 </a:extLst>
               </p:cNvPr>
-              <p:cNvGrpSpPr/>
+              <p:cNvSpPr/>
               <p:nvPr/>
-            </p:nvGrpSpPr>
-            <p:grpSpPr>
+            </p:nvSpPr>
+            <p:spPr>
               <a:xfrm>
                 <a:off x="2908258" y="1686395"/>
                 <a:ext cx="146367" cy="147710"/>
-                <a:chOff x="5568874" y="828450"/>
-                <a:chExt cx="210126" cy="212054"/>
               </a:xfrm>
-            </p:grpSpPr>
-            <p:sp>
-              <p:nvSpPr>
-                <p:cNvPr id="286" name="Rectangle 285">
-                  <a:extLst>
-                    <a:ext uri="{FF2B5EF4-FFF2-40B4-BE49-F238E27FC236}">
-                      <a16:creationId xmlns:a16="http://schemas.microsoft.com/office/drawing/2014/main" id="{36250903-EB6F-1E42-B0D7-089EF0CF2D81}"/>
-                    </a:ext>
-                  </a:extLst>
-                </p:cNvPr>
-                <p:cNvSpPr/>
-                <p:nvPr/>
-              </p:nvSpPr>
-              <p:spPr>
-                <a:xfrm>
-                  <a:off x="5568874" y="828450"/>
-                  <a:ext cx="210126" cy="212054"/>
-                </a:xfrm>
-                <a:prstGeom prst="rect">
-                  <a:avLst/>
-                </a:prstGeom>
+              <a:prstGeom prst="rect">
+                <a:avLst/>
+              </a:prstGeom>
+              <a:solidFill>
+                <a:schemeClr val="bg1"/>
+              </a:solidFill>
+              <a:ln>
                 <a:solidFill>
-                  <a:schemeClr val="bg1"/>
+                  <a:schemeClr val="tx1"/>
                 </a:solidFill>
-                <a:ln>
+              </a:ln>
+            </p:spPr>
+            <p:style>
+              <a:lnRef idx="2">
+                <a:schemeClr val="accent1">
+                  <a:shade val="50000"/>
+                </a:schemeClr>
+              </a:lnRef>
+              <a:fillRef idx="1">
+                <a:schemeClr val="accent1"/>
+              </a:fillRef>
+              <a:effectRef idx="0">
+                <a:schemeClr val="accent1"/>
+              </a:effectRef>
+              <a:fontRef idx="minor">
+                <a:schemeClr val="lt1"/>
+              </a:fontRef>
+            </p:style>
+            <p:txBody>
+              <a:bodyPr rtlCol="0" anchor="ctr"/>
+              <a:lstStyle/>
+              <a:p>
+                <a:pPr algn="ctr"/>
+                <a:endParaRPr lang="en-US" sz="1200" dirty="0">
                   <a:solidFill>
                     <a:schemeClr val="tx1"/>
                   </a:solidFill>
-                </a:ln>
-              </p:spPr>
-              <p:style>
-                <a:lnRef idx="2">
-                  <a:schemeClr val="accent1">
-                    <a:shade val="50000"/>
-                  </a:schemeClr>
-                </a:lnRef>
-                <a:fillRef idx="1">
-                  <a:schemeClr val="accent1"/>
-                </a:fillRef>
-                <a:effectRef idx="0">
-                  <a:schemeClr val="accent1"/>
-                </a:effectRef>
-                <a:fontRef idx="minor">
-                  <a:schemeClr val="lt1"/>
-                </a:fontRef>
-              </p:style>
-              <p:txBody>
-                <a:bodyPr rtlCol="0" anchor="ctr"/>
-                <a:lstStyle/>
-                <a:p>
-                  <a:pPr algn="ctr"/>
-                  <a:endParaRPr lang="en-US" sz="1200" dirty="0">
-                    <a:solidFill>
-                      <a:schemeClr val="tx1"/>
-                    </a:solidFill>
-                  </a:endParaRPr>
-                </a:p>
-              </p:txBody>
-            </p:sp>
-            <p:pic>
-              <p:nvPicPr>
-                <p:cNvPr id="287" name="Picture 286">
-                  <a:extLst>
-                    <a:ext uri="{FF2B5EF4-FFF2-40B4-BE49-F238E27FC236}">
-                      <a16:creationId xmlns:a16="http://schemas.microsoft.com/office/drawing/2014/main" id="{DEC17EEB-92E7-404B-84A8-378AC2A60797}"/>
-                    </a:ext>
-                  </a:extLst>
-                </p:cNvPr>
-                <p:cNvPicPr>
-                  <a:picLocks noChangeAspect="1"/>
-                </p:cNvPicPr>
-                <p:nvPr/>
-              </p:nvPicPr>
-              <p:blipFill>
-                <a:blip r:embed="rId4"/>
-                <a:stretch>
-                  <a:fillRect/>
-                </a:stretch>
-              </p:blipFill>
-              <p:spPr>
-                <a:xfrm>
-                  <a:off x="5586136" y="872005"/>
-                  <a:ext cx="175602" cy="118956"/>
-                </a:xfrm>
-                <a:prstGeom prst="rect">
-                  <a:avLst/>
-                </a:prstGeom>
-              </p:spPr>
-            </p:pic>
-          </p:grpSp>
-          <p:grpSp>
-            <p:nvGrpSpPr>
-              <p:cNvPr id="288" name="Group 287">
+                </a:endParaRPr>
+              </a:p>
+            </p:txBody>
+          </p:sp>
+          <p:sp>
+            <p:nvSpPr>
+              <p:cNvPr id="289" name="Rectangle 288">
                 <a:extLst>
                   <a:ext uri="{FF2B5EF4-FFF2-40B4-BE49-F238E27FC236}">
-                    <a16:creationId xmlns:a16="http://schemas.microsoft.com/office/drawing/2014/main" id="{4DF74168-F60E-B844-9FD7-491F2CA505DF}"/>
+                    <a16:creationId xmlns:a16="http://schemas.microsoft.com/office/drawing/2014/main" id="{2B8A6B2D-5583-0644-8115-AE92341CB088}"/>
                   </a:ext>
                 </a:extLst>
               </p:cNvPr>
-              <p:cNvGrpSpPr/>
+              <p:cNvSpPr/>
               <p:nvPr/>
-            </p:nvGrpSpPr>
-            <p:grpSpPr>
+            </p:nvSpPr>
+            <p:spPr>
               <a:xfrm>
                 <a:off x="3864222" y="3238104"/>
                 <a:ext cx="146367" cy="147710"/>
-                <a:chOff x="5568874" y="828450"/>
-                <a:chExt cx="210126" cy="212054"/>
               </a:xfrm>
-            </p:grpSpPr>
-            <p:sp>
-              <p:nvSpPr>
-                <p:cNvPr id="289" name="Rectangle 288">
-                  <a:extLst>
-                    <a:ext uri="{FF2B5EF4-FFF2-40B4-BE49-F238E27FC236}">
-                      <a16:creationId xmlns:a16="http://schemas.microsoft.com/office/drawing/2014/main" id="{2B8A6B2D-5583-0644-8115-AE92341CB088}"/>
-                    </a:ext>
-                  </a:extLst>
-                </p:cNvPr>
-                <p:cNvSpPr/>
-                <p:nvPr/>
-              </p:nvSpPr>
-              <p:spPr>
-                <a:xfrm>
-                  <a:off x="5568874" y="828450"/>
-                  <a:ext cx="210126" cy="212054"/>
-                </a:xfrm>
-                <a:prstGeom prst="rect">
-                  <a:avLst/>
-                </a:prstGeom>
+              <a:prstGeom prst="rect">
+                <a:avLst/>
+              </a:prstGeom>
+              <a:solidFill>
+                <a:schemeClr val="bg1"/>
+              </a:solidFill>
+              <a:ln>
                 <a:solidFill>
-                  <a:schemeClr val="bg1"/>
+                  <a:schemeClr val="tx1"/>
                 </a:solidFill>
-                <a:ln>
+              </a:ln>
+            </p:spPr>
+            <p:style>
+              <a:lnRef idx="2">
+                <a:schemeClr val="accent1">
+                  <a:shade val="50000"/>
+                </a:schemeClr>
+              </a:lnRef>
+              <a:fillRef idx="1">
+                <a:schemeClr val="accent1"/>
+              </a:fillRef>
+              <a:effectRef idx="0">
+                <a:schemeClr val="accent1"/>
+              </a:effectRef>
+              <a:fontRef idx="minor">
+                <a:schemeClr val="lt1"/>
+              </a:fontRef>
+            </p:style>
+            <p:txBody>
+              <a:bodyPr rtlCol="0" anchor="ctr"/>
+              <a:lstStyle/>
+              <a:p>
+                <a:pPr algn="ctr"/>
+                <a:endParaRPr lang="en-US" sz="1200" dirty="0">
                   <a:solidFill>
                     <a:schemeClr val="tx1"/>
                   </a:solidFill>
-                </a:ln>
-              </p:spPr>
-              <p:style>
-                <a:lnRef idx="2">
-                  <a:schemeClr val="accent1">
-                    <a:shade val="50000"/>
-                  </a:schemeClr>
-                </a:lnRef>
-                <a:fillRef idx="1">
-                  <a:schemeClr val="accent1"/>
-                </a:fillRef>
-                <a:effectRef idx="0">
-                  <a:schemeClr val="accent1"/>
-                </a:effectRef>
-                <a:fontRef idx="minor">
-                  <a:schemeClr val="lt1"/>
-                </a:fontRef>
-              </p:style>
-              <p:txBody>
-                <a:bodyPr rtlCol="0" anchor="ctr"/>
-                <a:lstStyle/>
-                <a:p>
-                  <a:pPr algn="ctr"/>
-                  <a:endParaRPr lang="en-US" sz="1200" dirty="0">
-                    <a:solidFill>
-                      <a:schemeClr val="tx1"/>
-                    </a:solidFill>
-                  </a:endParaRPr>
-                </a:p>
-              </p:txBody>
-            </p:sp>
-            <p:pic>
-              <p:nvPicPr>
-                <p:cNvPr id="290" name="Picture 289">
-                  <a:extLst>
-                    <a:ext uri="{FF2B5EF4-FFF2-40B4-BE49-F238E27FC236}">
-                      <a16:creationId xmlns:a16="http://schemas.microsoft.com/office/drawing/2014/main" id="{8724CE17-75A0-D04D-AC73-AB007926C7AA}"/>
-                    </a:ext>
-                  </a:extLst>
-                </p:cNvPr>
-                <p:cNvPicPr>
-                  <a:picLocks noChangeAspect="1"/>
-                </p:cNvPicPr>
-                <p:nvPr/>
-              </p:nvPicPr>
-              <p:blipFill>
-                <a:blip r:embed="rId4"/>
-                <a:stretch>
-                  <a:fillRect/>
-                </a:stretch>
-              </p:blipFill>
-              <p:spPr>
-                <a:xfrm>
-                  <a:off x="5586136" y="872005"/>
-                  <a:ext cx="175602" cy="118956"/>
-                </a:xfrm>
-                <a:prstGeom prst="rect">
-                  <a:avLst/>
-                </a:prstGeom>
-              </p:spPr>
-            </p:pic>
-          </p:grpSp>
-          <p:grpSp>
-            <p:nvGrpSpPr>
-              <p:cNvPr id="291" name="Group 290">
+                </a:endParaRPr>
+              </a:p>
+            </p:txBody>
+          </p:sp>
+          <p:sp>
+            <p:nvSpPr>
+              <p:cNvPr id="292" name="Rectangle 291">
                 <a:extLst>
                   <a:ext uri="{FF2B5EF4-FFF2-40B4-BE49-F238E27FC236}">
-                    <a16:creationId xmlns:a16="http://schemas.microsoft.com/office/drawing/2014/main" id="{5E348FD2-C0E9-994A-8C13-2E1B8F99822B}"/>
+                    <a16:creationId xmlns:a16="http://schemas.microsoft.com/office/drawing/2014/main" id="{80577730-56BD-734C-919D-2659E4822E6E}"/>
                   </a:ext>
                 </a:extLst>
               </p:cNvPr>
-              <p:cNvGrpSpPr/>
+              <p:cNvSpPr/>
               <p:nvPr/>
-            </p:nvGrpSpPr>
-            <p:grpSpPr>
+            </p:nvSpPr>
+            <p:spPr>
               <a:xfrm>
                 <a:off x="3864222" y="6363360"/>
                 <a:ext cx="146367" cy="147710"/>
-                <a:chOff x="5568874" y="828450"/>
-                <a:chExt cx="210126" cy="212054"/>
               </a:xfrm>
-            </p:grpSpPr>
-            <p:sp>
-              <p:nvSpPr>
-                <p:cNvPr id="292" name="Rectangle 291">
-                  <a:extLst>
-                    <a:ext uri="{FF2B5EF4-FFF2-40B4-BE49-F238E27FC236}">
-                      <a16:creationId xmlns:a16="http://schemas.microsoft.com/office/drawing/2014/main" id="{80577730-56BD-734C-919D-2659E4822E6E}"/>
-                    </a:ext>
-                  </a:extLst>
-                </p:cNvPr>
-                <p:cNvSpPr/>
-                <p:nvPr/>
-              </p:nvSpPr>
-              <p:spPr>
-                <a:xfrm>
-                  <a:off x="5568874" y="828450"/>
-                  <a:ext cx="210126" cy="212054"/>
-                </a:xfrm>
-                <a:prstGeom prst="rect">
-                  <a:avLst/>
-                </a:prstGeom>
+              <a:prstGeom prst="rect">
+                <a:avLst/>
+              </a:prstGeom>
+              <a:solidFill>
+                <a:schemeClr val="bg1"/>
+              </a:solidFill>
+              <a:ln>
                 <a:solidFill>
-                  <a:schemeClr val="bg1"/>
+                  <a:schemeClr val="tx1"/>
                 </a:solidFill>
-                <a:ln>
+              </a:ln>
+            </p:spPr>
+            <p:style>
+              <a:lnRef idx="2">
+                <a:schemeClr val="accent1">
+                  <a:shade val="50000"/>
+                </a:schemeClr>
+              </a:lnRef>
+              <a:fillRef idx="1">
+                <a:schemeClr val="accent1"/>
+              </a:fillRef>
+              <a:effectRef idx="0">
+                <a:schemeClr val="accent1"/>
+              </a:effectRef>
+              <a:fontRef idx="minor">
+                <a:schemeClr val="lt1"/>
+              </a:fontRef>
+            </p:style>
+            <p:txBody>
+              <a:bodyPr rtlCol="0" anchor="ctr"/>
+              <a:lstStyle/>
+              <a:p>
+                <a:pPr algn="ctr"/>
+                <a:endParaRPr lang="en-US" sz="1200" dirty="0">
                   <a:solidFill>
                     <a:schemeClr val="tx1"/>
                   </a:solidFill>
-                </a:ln>
-              </p:spPr>
-              <p:style>
-                <a:lnRef idx="2">
-                  <a:schemeClr val="accent1">
-                    <a:shade val="50000"/>
-                  </a:schemeClr>
-                </a:lnRef>
-                <a:fillRef idx="1">
-                  <a:schemeClr val="accent1"/>
-                </a:fillRef>
-                <a:effectRef idx="0">
-                  <a:schemeClr val="accent1"/>
-                </a:effectRef>
-                <a:fontRef idx="minor">
-                  <a:schemeClr val="lt1"/>
-                </a:fontRef>
-              </p:style>
-              <p:txBody>
-                <a:bodyPr rtlCol="0" anchor="ctr"/>
-                <a:lstStyle/>
-                <a:p>
-                  <a:pPr algn="ctr"/>
-                  <a:endParaRPr lang="en-US" sz="1200" dirty="0">
-                    <a:solidFill>
-                      <a:schemeClr val="tx1"/>
-                    </a:solidFill>
-                  </a:endParaRPr>
-                </a:p>
-              </p:txBody>
-            </p:sp>
-            <p:pic>
-              <p:nvPicPr>
-                <p:cNvPr id="293" name="Picture 292">
-                  <a:extLst>
-                    <a:ext uri="{FF2B5EF4-FFF2-40B4-BE49-F238E27FC236}">
-                      <a16:creationId xmlns:a16="http://schemas.microsoft.com/office/drawing/2014/main" id="{4FB570F9-9B99-1B46-8883-1A0517977BA5}"/>
-                    </a:ext>
-                  </a:extLst>
-                </p:cNvPr>
-                <p:cNvPicPr>
-                  <a:picLocks noChangeAspect="1"/>
-                </p:cNvPicPr>
-                <p:nvPr/>
-              </p:nvPicPr>
-              <p:blipFill>
-                <a:blip r:embed="rId4"/>
-                <a:stretch>
-                  <a:fillRect/>
-                </a:stretch>
-              </p:blipFill>
-              <p:spPr>
-                <a:xfrm>
-                  <a:off x="5586136" y="872005"/>
-                  <a:ext cx="175602" cy="118956"/>
-                </a:xfrm>
-                <a:prstGeom prst="rect">
-                  <a:avLst/>
-                </a:prstGeom>
-              </p:spPr>
-            </p:pic>
-          </p:grpSp>
-          <p:grpSp>
-            <p:nvGrpSpPr>
-              <p:cNvPr id="294" name="Group 293">
+                </a:endParaRPr>
+              </a:p>
+            </p:txBody>
+          </p:sp>
+          <p:sp>
+            <p:nvSpPr>
+              <p:cNvPr id="295" name="Rectangle 294">
                 <a:extLst>
                   <a:ext uri="{FF2B5EF4-FFF2-40B4-BE49-F238E27FC236}">
-                    <a16:creationId xmlns:a16="http://schemas.microsoft.com/office/drawing/2014/main" id="{B499C61E-F1A3-7C49-83D4-BA041D43BD5D}"/>
+                    <a16:creationId xmlns:a16="http://schemas.microsoft.com/office/drawing/2014/main" id="{A8B841A3-6F69-4A4E-9A1A-DC846357F951}"/>
                   </a:ext>
                 </a:extLst>
               </p:cNvPr>
-              <p:cNvGrpSpPr/>
+              <p:cNvSpPr/>
               <p:nvPr/>
-            </p:nvGrpSpPr>
-            <p:grpSpPr>
+            </p:nvSpPr>
+            <p:spPr>
               <a:xfrm>
                 <a:off x="4846152" y="6363360"/>
                 <a:ext cx="146367" cy="147710"/>
-                <a:chOff x="5568874" y="828450"/>
-                <a:chExt cx="210126" cy="212054"/>
               </a:xfrm>
-            </p:grpSpPr>
-            <p:sp>
-              <p:nvSpPr>
-                <p:cNvPr id="295" name="Rectangle 294">
-                  <a:extLst>
-                    <a:ext uri="{FF2B5EF4-FFF2-40B4-BE49-F238E27FC236}">
-                      <a16:creationId xmlns:a16="http://schemas.microsoft.com/office/drawing/2014/main" id="{A8B841A3-6F69-4A4E-9A1A-DC846357F951}"/>
-                    </a:ext>
-                  </a:extLst>
-                </p:cNvPr>
-                <p:cNvSpPr/>
-                <p:nvPr/>
-              </p:nvSpPr>
-              <p:spPr>
-                <a:xfrm>
-                  <a:off x="5568874" y="828450"/>
-                  <a:ext cx="210126" cy="212054"/>
-                </a:xfrm>
-                <a:prstGeom prst="rect">
-                  <a:avLst/>
-                </a:prstGeom>
+              <a:prstGeom prst="rect">
+                <a:avLst/>
+              </a:prstGeom>
+              <a:solidFill>
+                <a:schemeClr val="bg1"/>
+              </a:solidFill>
+              <a:ln>
                 <a:solidFill>
-                  <a:schemeClr val="bg1"/>
+                  <a:schemeClr val="tx1"/>
                 </a:solidFill>
-                <a:ln>
+              </a:ln>
+            </p:spPr>
+            <p:style>
+              <a:lnRef idx="2">
+                <a:schemeClr val="accent1">
+                  <a:shade val="50000"/>
+                </a:schemeClr>
+              </a:lnRef>
+              <a:fillRef idx="1">
+                <a:schemeClr val="accent1"/>
+              </a:fillRef>
+              <a:effectRef idx="0">
+                <a:schemeClr val="accent1"/>
+              </a:effectRef>
+              <a:fontRef idx="minor">
+                <a:schemeClr val="lt1"/>
+              </a:fontRef>
+            </p:style>
+            <p:txBody>
+              <a:bodyPr rtlCol="0" anchor="ctr"/>
+              <a:lstStyle/>
+              <a:p>
+                <a:pPr algn="ctr"/>
+                <a:endParaRPr lang="en-US" sz="1200" dirty="0">
                   <a:solidFill>
                     <a:schemeClr val="tx1"/>
                   </a:solidFill>
-                </a:ln>
-              </p:spPr>
-              <p:style>
-                <a:lnRef idx="2">
-                  <a:schemeClr val="accent1">
-                    <a:shade val="50000"/>
-                  </a:schemeClr>
-                </a:lnRef>
-                <a:fillRef idx="1">
-                  <a:schemeClr val="accent1"/>
-                </a:fillRef>
-                <a:effectRef idx="0">
-                  <a:schemeClr val="accent1"/>
-                </a:effectRef>
-                <a:fontRef idx="minor">
-                  <a:schemeClr val="lt1"/>
-                </a:fontRef>
-              </p:style>
-              <p:txBody>
-                <a:bodyPr rtlCol="0" anchor="ctr"/>
-                <a:lstStyle/>
-                <a:p>
-                  <a:pPr algn="ctr"/>
-                  <a:endParaRPr lang="en-US" sz="1200" dirty="0">
-                    <a:solidFill>
-                      <a:schemeClr val="tx1"/>
-                    </a:solidFill>
-                  </a:endParaRPr>
-                </a:p>
-              </p:txBody>
-            </p:sp>
-            <p:pic>
-              <p:nvPicPr>
-                <p:cNvPr id="296" name="Picture 295">
-                  <a:extLst>
-                    <a:ext uri="{FF2B5EF4-FFF2-40B4-BE49-F238E27FC236}">
-                      <a16:creationId xmlns:a16="http://schemas.microsoft.com/office/drawing/2014/main" id="{2B4A60BC-AA12-224F-854D-E1903685AE9D}"/>
-                    </a:ext>
-                  </a:extLst>
-                </p:cNvPr>
-                <p:cNvPicPr>
-                  <a:picLocks noChangeAspect="1"/>
-                </p:cNvPicPr>
-                <p:nvPr/>
-              </p:nvPicPr>
-              <p:blipFill>
-                <a:blip r:embed="rId4"/>
-                <a:stretch>
-                  <a:fillRect/>
-                </a:stretch>
-              </p:blipFill>
-              <p:spPr>
-                <a:xfrm>
-                  <a:off x="5586136" y="872005"/>
-                  <a:ext cx="175602" cy="118956"/>
-                </a:xfrm>
-                <a:prstGeom prst="rect">
-                  <a:avLst/>
-                </a:prstGeom>
-              </p:spPr>
-            </p:pic>
-          </p:grpSp>
+                </a:endParaRPr>
+              </a:p>
+            </p:txBody>
+          </p:sp>
         </p:grpSp>
         <p:cxnSp>
           <p:nvCxnSpPr>
@@ -12196,7 +10620,7 @@
             <p:nvPr/>
           </p:nvPicPr>
           <p:blipFill>
-            <a:blip r:embed="rId5"/>
+            <a:blip r:embed="rId4"/>
             <a:stretch>
               <a:fillRect/>
             </a:stretch>
@@ -12307,7 +10731,7 @@
           </p:nvSpPr>
           <p:spPr>
             <a:xfrm>
-              <a:off x="5504414" y="4427034"/>
+              <a:off x="5517114" y="4427034"/>
               <a:ext cx="69528" cy="942067"/>
             </a:xfrm>
             <a:prstGeom prst="leftBrace">
@@ -12358,8 +10782,8 @@
               </p:nvSpPr>
               <p:spPr>
                 <a:xfrm rot="16200000">
-                  <a:off x="5156945" y="4776537"/>
-                  <a:ext cx="583663" cy="276999"/>
+                  <a:off x="5007750" y="4751510"/>
+                  <a:ext cx="880667" cy="276999"/>
                 </a:xfrm>
                 <a:prstGeom prst="rect">
                   <a:avLst/>
@@ -12372,6 +10796,7 @@
                 </a:bodyPr>
                 <a:lstStyle/>
                 <a:p>
+                  <a:pPr/>
                   <a14:m>
                     <m:oMathPara xmlns:m="http://schemas.openxmlformats.org/officeDocument/2006/math">
                       <m:oMathParaPr>
@@ -12395,6 +10820,12 @@
                             <a:latin typeface="Cambria Math" panose="02040503050406030204" pitchFamily="18" charset="0"/>
                           </a:rPr>
                           <m:t>𝑘</m:t>
+                        </m:r>
+                        <m:r>
+                          <a:rPr lang="en-CA" sz="1200" b="0" i="1" smtClean="0">
+                            <a:latin typeface="Cambria Math" panose="02040503050406030204" pitchFamily="18" charset="0"/>
+                          </a:rPr>
+                          <m:t>−1</m:t>
                         </m:r>
                       </m:oMath>
                     </m:oMathPara>
@@ -12421,14 +10852,14 @@
               </p:nvSpPr>
               <p:spPr>
                 <a:xfrm rot="16200000">
-                  <a:off x="5156945" y="4776537"/>
-                  <a:ext cx="583663" cy="276999"/>
+                  <a:off x="5007750" y="4751510"/>
+                  <a:ext cx="880667" cy="276999"/>
                 </a:xfrm>
                 <a:prstGeom prst="rect">
                   <a:avLst/>
                 </a:prstGeom>
                 <a:blipFill>
-                  <a:blip r:embed="rId6"/>
+                  <a:blip r:embed="rId5"/>
                   <a:stretch>
                     <a:fillRect r="-4545"/>
                   </a:stretch>
@@ -12514,8 +10945,8 @@
               </p:nvSpPr>
               <p:spPr>
                 <a:xfrm rot="16200000">
-                  <a:off x="5639211" y="3290500"/>
-                  <a:ext cx="913583" cy="276999"/>
+                  <a:off x="5451663" y="3290500"/>
+                  <a:ext cx="1288686" cy="276999"/>
                 </a:xfrm>
                 <a:prstGeom prst="rect">
                   <a:avLst/>
@@ -12527,69 +10958,82 @@
                 </a:bodyPr>
                 <a:lstStyle/>
                 <a:p>
+                  <a:pPr/>
+                  <a:r>
+                    <a:rPr lang="en-CA" sz="1200" dirty="0" err="1"/>
+                    <a:t>w</a:t>
+                  </a:r>
+                  <a:r>
+                    <a:rPr lang="en-CA" sz="1200" b="0" dirty="0" err="1"/>
+                    <a:t>t</a:t>
+                  </a:r>
                   <a14:m>
-                    <m:oMathPara xmlns:m="http://schemas.openxmlformats.org/officeDocument/2006/math">
-                      <m:oMathParaPr>
-                        <m:jc m:val="centerGroup"/>
-                      </m:oMathParaPr>
-                      <m:oMath xmlns:m="http://schemas.openxmlformats.org/officeDocument/2006/math">
-                        <m:r>
-                          <a:rPr lang="en-CA" sz="1200" b="0" i="1" smtClean="0">
-                            <a:latin typeface="Cambria Math" panose="02040503050406030204" pitchFamily="18" charset="0"/>
-                          </a:rPr>
-                          <m:t>𝐻</m:t>
-                        </m:r>
-                        <m:r>
-                          <a:rPr lang="en-CA" sz="1200" b="0" i="1" smtClean="0">
-                            <a:latin typeface="Cambria Math" panose="02040503050406030204" pitchFamily="18" charset="0"/>
-                          </a:rPr>
-                          <m:t>(</m:t>
-                        </m:r>
-                        <m:r>
-                          <a:rPr lang="en-CA" sz="1200" b="0" i="1" smtClean="0">
-                            <a:latin typeface="Cambria Math" panose="02040503050406030204" pitchFamily="18" charset="0"/>
-                          </a:rPr>
-                          <m:t>𝑢</m:t>
-                        </m:r>
-                        <m:r>
-                          <a:rPr lang="en-CA" sz="1200" b="0" i="1" smtClean="0">
-                            <a:latin typeface="Cambria Math" panose="02040503050406030204" pitchFamily="18" charset="0"/>
-                          </a:rPr>
-                          <m:t>⊕</m:t>
-                        </m:r>
-                        <m:sSub>
-                          <m:sSubPr>
-                            <m:ctrlPr>
-                              <a:rPr lang="en-CA" sz="1200" b="0" i="1" smtClean="0">
-                                <a:latin typeface="Cambria Math" panose="02040503050406030204" pitchFamily="18" charset="0"/>
-                              </a:rPr>
-                            </m:ctrlPr>
-                          </m:sSubPr>
-                          <m:e>
-                            <m:r>
-                              <a:rPr lang="en-CA" sz="1200" b="0" i="1" smtClean="0">
-                                <a:latin typeface="Cambria Math" panose="02040503050406030204" pitchFamily="18" charset="0"/>
-                              </a:rPr>
-                              <m:t>𝑣</m:t>
-                            </m:r>
-                          </m:e>
-                          <m:sub>
-                            <m:r>
-                              <a:rPr lang="en-CA" sz="1200" b="0" i="1" smtClean="0">
-                                <a:latin typeface="Cambria Math" panose="02040503050406030204" pitchFamily="18" charset="0"/>
-                              </a:rPr>
-                              <m:t>𝑖</m:t>
-                            </m:r>
-                          </m:sub>
-                        </m:sSub>
-                        <m:r>
-                          <a:rPr lang="en-CA" sz="1200" b="0" i="1" smtClean="0">
-                            <a:latin typeface="Cambria Math" panose="02040503050406030204" pitchFamily="18" charset="0"/>
-                          </a:rPr>
-                          <m:t>)</m:t>
-                        </m:r>
-                      </m:oMath>
-                    </m:oMathPara>
+                    <m:oMath xmlns:m="http://schemas.openxmlformats.org/officeDocument/2006/math">
+                      <m:r>
+                        <a:rPr lang="en-CA" sz="1200" i="1">
+                          <a:latin typeface="Cambria Math" panose="02040503050406030204" pitchFamily="18" charset="0"/>
+                        </a:rPr>
+                        <m:t>[</m:t>
+                      </m:r>
+                      <m:r>
+                        <a:rPr lang="en-CA" sz="1200" b="0" i="1" smtClean="0">
+                          <a:latin typeface="Cambria Math" panose="02040503050406030204" pitchFamily="18" charset="0"/>
+                        </a:rPr>
+                        <m:t>h</m:t>
+                      </m:r>
+                      <m:d>
+                        <m:dPr>
+                          <m:ctrlPr>
+                            <a:rPr lang="en-CA" sz="1200" b="0" i="1" smtClean="0">
+                              <a:latin typeface="Cambria Math" panose="02040503050406030204" pitchFamily="18" charset="0"/>
+                            </a:rPr>
+                          </m:ctrlPr>
+                        </m:dPr>
+                        <m:e>
+                          <m:r>
+                            <a:rPr lang="en-CA" sz="1200" b="0" i="1" smtClean="0">
+                              <a:latin typeface="Cambria Math" panose="02040503050406030204" pitchFamily="18" charset="0"/>
+                            </a:rPr>
+                            <m:t>𝑢</m:t>
+                          </m:r>
+                        </m:e>
+                      </m:d>
+                      <m:r>
+                        <a:rPr lang="en-CA" sz="1200" b="0" i="1" smtClean="0">
+                          <a:latin typeface="Cambria Math" panose="02040503050406030204" pitchFamily="18" charset="0"/>
+                        </a:rPr>
+                        <m:t>⊕</m:t>
+                      </m:r>
+                      <m:r>
+                        <a:rPr lang="en-CA" sz="1200" b="0" i="1" smtClean="0">
+                          <a:latin typeface="Cambria Math" panose="02040503050406030204" pitchFamily="18" charset="0"/>
+                        </a:rPr>
+                        <m:t>h</m:t>
+                      </m:r>
+                      <m:d>
+                        <m:dPr>
+                          <m:ctrlPr>
+                            <a:rPr lang="en-CA" sz="1200" b="0" i="1" smtClean="0">
+                              <a:latin typeface="Cambria Math" panose="02040503050406030204" pitchFamily="18" charset="0"/>
+                            </a:rPr>
+                          </m:ctrlPr>
+                        </m:dPr>
+                        <m:e>
+                          <m:r>
+                            <a:rPr lang="en-CA" sz="1200" b="0" i="1" smtClean="0">
+                              <a:latin typeface="Cambria Math" panose="02040503050406030204" pitchFamily="18" charset="0"/>
+                            </a:rPr>
+                            <m:t>𝑣</m:t>
+                          </m:r>
+                        </m:e>
+                      </m:d>
+                      <m:r>
+                        <a:rPr lang="en-CA" sz="1200" b="0" i="1" smtClean="0">
+                          <a:latin typeface="Cambria Math" panose="02040503050406030204" pitchFamily="18" charset="0"/>
+                        </a:rPr>
+                        <m:t>]</m:t>
+                      </m:r>
+                    </m:oMath>
                   </a14:m>
                   <a:endParaRPr lang="en-US" sz="1200" dirty="0"/>
                 </a:p>
@@ -12613,16 +11057,16 @@
               </p:nvSpPr>
               <p:spPr>
                 <a:xfrm rot="16200000">
-                  <a:off x="5639211" y="3290500"/>
-                  <a:ext cx="913583" cy="276999"/>
+                  <a:off x="5451663" y="3290500"/>
+                  <a:ext cx="1288686" cy="276999"/>
                 </a:xfrm>
                 <a:prstGeom prst="rect">
                   <a:avLst/>
                 </a:prstGeom>
                 <a:blipFill>
-                  <a:blip r:embed="rId7"/>
+                  <a:blip r:embed="rId6"/>
                   <a:stretch>
-                    <a:fillRect r="-4348"/>
+                    <a:fillRect r="-8696"/>
                   </a:stretch>
                 </a:blipFill>
               </p:spPr>
@@ -12657,8 +11101,8 @@
               </p:nvSpPr>
               <p:spPr>
                 <a:xfrm rot="16200000">
-                  <a:off x="5411363" y="3922379"/>
-                  <a:ext cx="1845442" cy="276999"/>
+                  <a:off x="5061269" y="3922379"/>
+                  <a:ext cx="2545633" cy="276999"/>
                 </a:xfrm>
                 <a:prstGeom prst="rect">
                   <a:avLst/>
@@ -12699,57 +11143,79 @@
                         <a:rPr lang="en-CA" sz="1200" b="0" i="1" smtClean="0">
                           <a:latin typeface="Cambria Math" panose="02040503050406030204" pitchFamily="18" charset="0"/>
                         </a:rPr>
-                        <m:t>, </m:t>
+                        <m:t>−1</m:t>
                       </m:r>
                       <m:r>
                         <a:rPr lang="en-CA" sz="1200" b="0" i="1" smtClean="0">
                           <a:latin typeface="Cambria Math" panose="02040503050406030204" pitchFamily="18" charset="0"/>
                         </a:rPr>
-                        <m:t>𝐻</m:t>
+                        <m:t>,</m:t>
                       </m:r>
                       <m:r>
-                        <a:rPr lang="en-CA" sz="1200" b="0" i="1" smtClean="0">
+                        <m:rPr>
+                          <m:nor/>
+                        </m:rPr>
+                        <a:rPr lang="en-CA" sz="1200" dirty="0"/>
+                        <m:t>wt</m:t>
+                      </m:r>
+                      <m:r>
+                        <a:rPr lang="en-CA" sz="1200" b="0" i="1" dirty="0" smtClean="0">
                           <a:latin typeface="Cambria Math" panose="02040503050406030204" pitchFamily="18" charset="0"/>
                         </a:rPr>
                         <m:t>(</m:t>
                       </m:r>
                       <m:r>
-                        <a:rPr lang="en-CA" sz="1200" b="0" i="1" smtClean="0">
+                        <a:rPr lang="en-CA" sz="1200" i="1">
                           <a:latin typeface="Cambria Math" panose="02040503050406030204" pitchFamily="18" charset="0"/>
                         </a:rPr>
-                        <m:t>𝑢</m:t>
+                        <m:t>h</m:t>
                       </m:r>
+                      <m:d>
+                        <m:dPr>
+                          <m:ctrlPr>
+                            <a:rPr lang="en-CA" sz="1200" i="1">
+                              <a:latin typeface="Cambria Math" panose="02040503050406030204" pitchFamily="18" charset="0"/>
+                            </a:rPr>
+                          </m:ctrlPr>
+                        </m:dPr>
+                        <m:e>
+                          <m:r>
+                            <a:rPr lang="en-CA" sz="1200" i="1">
+                              <a:latin typeface="Cambria Math" panose="02040503050406030204" pitchFamily="18" charset="0"/>
+                            </a:rPr>
+                            <m:t>𝑢</m:t>
+                          </m:r>
+                        </m:e>
+                      </m:d>
                       <m:r>
-                        <a:rPr lang="en-CA" sz="1200" b="0" i="1" smtClean="0">
+                        <a:rPr lang="en-CA" sz="1200" i="1">
                           <a:latin typeface="Cambria Math" panose="02040503050406030204" pitchFamily="18" charset="0"/>
                         </a:rPr>
                         <m:t>⊕</m:t>
                       </m:r>
-                      <m:sSub>
-                        <m:sSubPr>
+                      <m:r>
+                        <a:rPr lang="en-CA" sz="1200" i="1">
+                          <a:latin typeface="Cambria Math" panose="02040503050406030204" pitchFamily="18" charset="0"/>
+                        </a:rPr>
+                        <m:t>h</m:t>
+                      </m:r>
+                      <m:d>
+                        <m:dPr>
                           <m:ctrlPr>
-                            <a:rPr lang="en-CA" sz="1200" b="0" i="1" smtClean="0">
+                            <a:rPr lang="en-CA" sz="1200" i="1">
                               <a:latin typeface="Cambria Math" panose="02040503050406030204" pitchFamily="18" charset="0"/>
                             </a:rPr>
                           </m:ctrlPr>
-                        </m:sSubPr>
+                        </m:dPr>
                         <m:e>
                           <m:r>
-                            <a:rPr lang="en-CA" sz="1200" b="0" i="1" smtClean="0">
+                            <a:rPr lang="en-CA" sz="1200" i="1">
                               <a:latin typeface="Cambria Math" panose="02040503050406030204" pitchFamily="18" charset="0"/>
                             </a:rPr>
                             <m:t>𝑣</m:t>
                           </m:r>
                         </m:e>
-                        <m:sub>
-                          <m:r>
-                            <a:rPr lang="en-CA" sz="1200" b="0" i="1" smtClean="0">
-                              <a:latin typeface="Cambria Math" panose="02040503050406030204" pitchFamily="18" charset="0"/>
-                            </a:rPr>
-                            <m:t>𝑖</m:t>
-                          </m:r>
-                        </m:sub>
-                      </m:sSub>
+                      </m:d>
                       <m:r>
                         <a:rPr lang="en-CA" sz="1200" b="0" i="1" smtClean="0">
                           <a:latin typeface="Cambria Math" panose="02040503050406030204" pitchFamily="18" charset="0"/>
@@ -12786,14 +11252,14 @@
               </p:nvSpPr>
               <p:spPr>
                 <a:xfrm rot="16200000">
-                  <a:off x="5411363" y="3922379"/>
-                  <a:ext cx="1845442" cy="276999"/>
+                  <a:off x="5061269" y="3922379"/>
+                  <a:ext cx="2545633" cy="276999"/>
                 </a:xfrm>
                 <a:prstGeom prst="rect">
                   <a:avLst/>
                 </a:prstGeom>
                 <a:blipFill>
-                  <a:blip r:embed="rId8"/>
+                  <a:blip r:embed="rId7"/>
                   <a:stretch>
                     <a:fillRect r="-8696"/>
                   </a:stretch>
@@ -12815,6 +11281,936 @@
           </mc:Fallback>
         </mc:AlternateContent>
       </p:grpSp>
+      <p:pic>
+        <p:nvPicPr>
+          <p:cNvPr id="3" name="Picture 2">
+            <a:extLst>
+              <a:ext uri="{FF2B5EF4-FFF2-40B4-BE49-F238E27FC236}">
+                <a16:creationId xmlns:a16="http://schemas.microsoft.com/office/drawing/2014/main" id="{A88A7382-0830-1446-9880-C97F6F077650}"/>
+              </a:ext>
+            </a:extLst>
+          </p:cNvPr>
+          <p:cNvPicPr>
+            <a:picLocks noChangeAspect="1"/>
+          </p:cNvPicPr>
+          <p:nvPr/>
+        </p:nvPicPr>
+        <p:blipFill>
+          <a:blip r:embed="rId8"/>
+          <a:stretch>
+            <a:fillRect/>
+          </a:stretch>
+        </p:blipFill>
+        <p:spPr>
+          <a:xfrm>
+            <a:off x="1344117" y="313421"/>
+            <a:ext cx="90520" cy="82649"/>
+          </a:xfrm>
+          <a:prstGeom prst="rect">
+            <a:avLst/>
+          </a:prstGeom>
+        </p:spPr>
+      </p:pic>
+      <p:pic>
+        <p:nvPicPr>
+          <p:cNvPr id="223" name="Picture 222">
+            <a:extLst>
+              <a:ext uri="{FF2B5EF4-FFF2-40B4-BE49-F238E27FC236}">
+                <a16:creationId xmlns:a16="http://schemas.microsoft.com/office/drawing/2014/main" id="{07E2BB30-9EDE-4E43-A061-C150FCA1828F}"/>
+              </a:ext>
+            </a:extLst>
+          </p:cNvPr>
+          <p:cNvPicPr>
+            <a:picLocks noChangeAspect="1"/>
+          </p:cNvPicPr>
+          <p:nvPr/>
+        </p:nvPicPr>
+        <p:blipFill>
+          <a:blip r:embed="rId8"/>
+          <a:stretch>
+            <a:fillRect/>
+          </a:stretch>
+        </p:blipFill>
+        <p:spPr>
+          <a:xfrm>
+            <a:off x="1344117" y="532914"/>
+            <a:ext cx="90520" cy="82649"/>
+          </a:xfrm>
+          <a:prstGeom prst="rect">
+            <a:avLst/>
+          </a:prstGeom>
+        </p:spPr>
+      </p:pic>
+      <p:pic>
+        <p:nvPicPr>
+          <p:cNvPr id="224" name="Picture 223">
+            <a:extLst>
+              <a:ext uri="{FF2B5EF4-FFF2-40B4-BE49-F238E27FC236}">
+                <a16:creationId xmlns:a16="http://schemas.microsoft.com/office/drawing/2014/main" id="{36AE366D-5D80-C64D-BFC2-D2CB98B637D3}"/>
+              </a:ext>
+            </a:extLst>
+          </p:cNvPr>
+          <p:cNvPicPr>
+            <a:picLocks noChangeAspect="1"/>
+          </p:cNvPicPr>
+          <p:nvPr/>
+        </p:nvPicPr>
+        <p:blipFill>
+          <a:blip r:embed="rId8"/>
+          <a:stretch>
+            <a:fillRect/>
+          </a:stretch>
+        </p:blipFill>
+        <p:spPr>
+          <a:xfrm>
+            <a:off x="1339923" y="788707"/>
+            <a:ext cx="90520" cy="82649"/>
+          </a:xfrm>
+          <a:prstGeom prst="rect">
+            <a:avLst/>
+          </a:prstGeom>
+        </p:spPr>
+      </p:pic>
+      <p:pic>
+        <p:nvPicPr>
+          <p:cNvPr id="299" name="Picture 298">
+            <a:extLst>
+              <a:ext uri="{FF2B5EF4-FFF2-40B4-BE49-F238E27FC236}">
+                <a16:creationId xmlns:a16="http://schemas.microsoft.com/office/drawing/2014/main" id="{F5302BED-3A8C-7B4E-BA7A-A87498B5B942}"/>
+              </a:ext>
+            </a:extLst>
+          </p:cNvPr>
+          <p:cNvPicPr>
+            <a:picLocks noChangeAspect="1"/>
+          </p:cNvPicPr>
+          <p:nvPr/>
+        </p:nvPicPr>
+        <p:blipFill>
+          <a:blip r:embed="rId8"/>
+          <a:stretch>
+            <a:fillRect/>
+          </a:stretch>
+        </p:blipFill>
+        <p:spPr>
+          <a:xfrm>
+            <a:off x="1344117" y="1064084"/>
+            <a:ext cx="90520" cy="82649"/>
+          </a:xfrm>
+          <a:prstGeom prst="rect">
+            <a:avLst/>
+          </a:prstGeom>
+        </p:spPr>
+      </p:pic>
+      <p:pic>
+        <p:nvPicPr>
+          <p:cNvPr id="300" name="Picture 299">
+            <a:extLst>
+              <a:ext uri="{FF2B5EF4-FFF2-40B4-BE49-F238E27FC236}">
+                <a16:creationId xmlns:a16="http://schemas.microsoft.com/office/drawing/2014/main" id="{7B49B3BC-15DC-6040-8E9A-C7A9500E73B0}"/>
+              </a:ext>
+            </a:extLst>
+          </p:cNvPr>
+          <p:cNvPicPr>
+            <a:picLocks noChangeAspect="1"/>
+          </p:cNvPicPr>
+          <p:nvPr/>
+        </p:nvPicPr>
+        <p:blipFill>
+          <a:blip r:embed="rId8"/>
+          <a:stretch>
+            <a:fillRect/>
+          </a:stretch>
+        </p:blipFill>
+        <p:spPr>
+          <a:xfrm>
+            <a:off x="1343757" y="1287478"/>
+            <a:ext cx="90520" cy="82649"/>
+          </a:xfrm>
+          <a:prstGeom prst="rect">
+            <a:avLst/>
+          </a:prstGeom>
+        </p:spPr>
+      </p:pic>
+      <p:pic>
+        <p:nvPicPr>
+          <p:cNvPr id="301" name="Picture 300">
+            <a:extLst>
+              <a:ext uri="{FF2B5EF4-FFF2-40B4-BE49-F238E27FC236}">
+                <a16:creationId xmlns:a16="http://schemas.microsoft.com/office/drawing/2014/main" id="{0E727CD5-D4E2-DD4D-BB54-F66264C36AC6}"/>
+              </a:ext>
+            </a:extLst>
+          </p:cNvPr>
+          <p:cNvPicPr>
+            <a:picLocks noChangeAspect="1"/>
+          </p:cNvPicPr>
+          <p:nvPr/>
+        </p:nvPicPr>
+        <p:blipFill>
+          <a:blip r:embed="rId8"/>
+          <a:stretch>
+            <a:fillRect/>
+          </a:stretch>
+        </p:blipFill>
+        <p:spPr>
+          <a:xfrm>
+            <a:off x="1347662" y="1548136"/>
+            <a:ext cx="90520" cy="82649"/>
+          </a:xfrm>
+          <a:prstGeom prst="rect">
+            <a:avLst/>
+          </a:prstGeom>
+        </p:spPr>
+      </p:pic>
+      <p:pic>
+        <p:nvPicPr>
+          <p:cNvPr id="303" name="Picture 302">
+            <a:extLst>
+              <a:ext uri="{FF2B5EF4-FFF2-40B4-BE49-F238E27FC236}">
+                <a16:creationId xmlns:a16="http://schemas.microsoft.com/office/drawing/2014/main" id="{D83BB994-BD76-D34F-85A7-30ED29C4F1B6}"/>
+              </a:ext>
+            </a:extLst>
+          </p:cNvPr>
+          <p:cNvPicPr>
+            <a:picLocks noChangeAspect="1"/>
+          </p:cNvPicPr>
+          <p:nvPr/>
+        </p:nvPicPr>
+        <p:blipFill>
+          <a:blip r:embed="rId8"/>
+          <a:stretch>
+            <a:fillRect/>
+          </a:stretch>
+        </p:blipFill>
+        <p:spPr>
+          <a:xfrm>
+            <a:off x="1343468" y="1875720"/>
+            <a:ext cx="90520" cy="82649"/>
+          </a:xfrm>
+          <a:prstGeom prst="rect">
+            <a:avLst/>
+          </a:prstGeom>
+        </p:spPr>
+      </p:pic>
+      <p:pic>
+        <p:nvPicPr>
+          <p:cNvPr id="304" name="Picture 303">
+            <a:extLst>
+              <a:ext uri="{FF2B5EF4-FFF2-40B4-BE49-F238E27FC236}">
+                <a16:creationId xmlns:a16="http://schemas.microsoft.com/office/drawing/2014/main" id="{4C2A92F4-1787-C74E-B99A-8C63812A5B83}"/>
+              </a:ext>
+            </a:extLst>
+          </p:cNvPr>
+          <p:cNvPicPr>
+            <a:picLocks noChangeAspect="1"/>
+          </p:cNvPicPr>
+          <p:nvPr/>
+        </p:nvPicPr>
+        <p:blipFill>
+          <a:blip r:embed="rId8"/>
+          <a:stretch>
+            <a:fillRect/>
+          </a:stretch>
+        </p:blipFill>
+        <p:spPr>
+          <a:xfrm>
+            <a:off x="1343468" y="2091252"/>
+            <a:ext cx="90520" cy="82649"/>
+          </a:xfrm>
+          <a:prstGeom prst="rect">
+            <a:avLst/>
+          </a:prstGeom>
+        </p:spPr>
+      </p:pic>
+      <p:pic>
+        <p:nvPicPr>
+          <p:cNvPr id="305" name="Picture 304">
+            <a:extLst>
+              <a:ext uri="{FF2B5EF4-FFF2-40B4-BE49-F238E27FC236}">
+                <a16:creationId xmlns:a16="http://schemas.microsoft.com/office/drawing/2014/main" id="{802734E6-26D5-CC48-A31C-923CFB362468}"/>
+              </a:ext>
+            </a:extLst>
+          </p:cNvPr>
+          <p:cNvPicPr>
+            <a:picLocks noChangeAspect="1"/>
+          </p:cNvPicPr>
+          <p:nvPr/>
+        </p:nvPicPr>
+        <p:blipFill>
+          <a:blip r:embed="rId8"/>
+          <a:stretch>
+            <a:fillRect/>
+          </a:stretch>
+        </p:blipFill>
+        <p:spPr>
+          <a:xfrm>
+            <a:off x="1344117" y="2344623"/>
+            <a:ext cx="90520" cy="82649"/>
+          </a:xfrm>
+          <a:prstGeom prst="rect">
+            <a:avLst/>
+          </a:prstGeom>
+        </p:spPr>
+      </p:pic>
+      <p:pic>
+        <p:nvPicPr>
+          <p:cNvPr id="306" name="Picture 305">
+            <a:extLst>
+              <a:ext uri="{FF2B5EF4-FFF2-40B4-BE49-F238E27FC236}">
+                <a16:creationId xmlns:a16="http://schemas.microsoft.com/office/drawing/2014/main" id="{1D09D919-59E2-8245-8650-7F7630840277}"/>
+              </a:ext>
+            </a:extLst>
+          </p:cNvPr>
+          <p:cNvPicPr>
+            <a:picLocks noChangeAspect="1"/>
+          </p:cNvPicPr>
+          <p:nvPr/>
+        </p:nvPicPr>
+        <p:blipFill>
+          <a:blip r:embed="rId8"/>
+          <a:stretch>
+            <a:fillRect/>
+          </a:stretch>
+        </p:blipFill>
+        <p:spPr>
+          <a:xfrm>
+            <a:off x="1343468" y="2648349"/>
+            <a:ext cx="90520" cy="82649"/>
+          </a:xfrm>
+          <a:prstGeom prst="rect">
+            <a:avLst/>
+          </a:prstGeom>
+        </p:spPr>
+      </p:pic>
+      <p:pic>
+        <p:nvPicPr>
+          <p:cNvPr id="313" name="Picture 312">
+            <a:extLst>
+              <a:ext uri="{FF2B5EF4-FFF2-40B4-BE49-F238E27FC236}">
+                <a16:creationId xmlns:a16="http://schemas.microsoft.com/office/drawing/2014/main" id="{1AA00F54-F50D-4B40-B8F3-166CFE8D2AAE}"/>
+              </a:ext>
+            </a:extLst>
+          </p:cNvPr>
+          <p:cNvPicPr>
+            <a:picLocks noChangeAspect="1"/>
+          </p:cNvPicPr>
+          <p:nvPr/>
+        </p:nvPicPr>
+        <p:blipFill>
+          <a:blip r:embed="rId8"/>
+          <a:stretch>
+            <a:fillRect/>
+          </a:stretch>
+        </p:blipFill>
+        <p:spPr>
+          <a:xfrm>
+            <a:off x="1343468" y="2859432"/>
+            <a:ext cx="90520" cy="82649"/>
+          </a:xfrm>
+          <a:prstGeom prst="rect">
+            <a:avLst/>
+          </a:prstGeom>
+        </p:spPr>
+      </p:pic>
+      <p:pic>
+        <p:nvPicPr>
+          <p:cNvPr id="314" name="Picture 313">
+            <a:extLst>
+              <a:ext uri="{FF2B5EF4-FFF2-40B4-BE49-F238E27FC236}">
+                <a16:creationId xmlns:a16="http://schemas.microsoft.com/office/drawing/2014/main" id="{3246F3F0-E394-214A-8B3E-AD77F4BFEE16}"/>
+              </a:ext>
+            </a:extLst>
+          </p:cNvPr>
+          <p:cNvPicPr>
+            <a:picLocks noChangeAspect="1"/>
+          </p:cNvPicPr>
+          <p:nvPr/>
+        </p:nvPicPr>
+        <p:blipFill>
+          <a:blip r:embed="rId8"/>
+          <a:stretch>
+            <a:fillRect/>
+          </a:stretch>
+        </p:blipFill>
+        <p:spPr>
+          <a:xfrm>
+            <a:off x="1343468" y="3123845"/>
+            <a:ext cx="90520" cy="82649"/>
+          </a:xfrm>
+          <a:prstGeom prst="rect">
+            <a:avLst/>
+          </a:prstGeom>
+        </p:spPr>
+      </p:pic>
+      <p:pic>
+        <p:nvPicPr>
+          <p:cNvPr id="317" name="Picture 316">
+            <a:extLst>
+              <a:ext uri="{FF2B5EF4-FFF2-40B4-BE49-F238E27FC236}">
+                <a16:creationId xmlns:a16="http://schemas.microsoft.com/office/drawing/2014/main" id="{75CE638A-F1A8-F54E-863B-A0184D0858DF}"/>
+              </a:ext>
+            </a:extLst>
+          </p:cNvPr>
+          <p:cNvPicPr>
+            <a:picLocks noChangeAspect="1"/>
+          </p:cNvPicPr>
+          <p:nvPr/>
+        </p:nvPicPr>
+        <p:blipFill>
+          <a:blip r:embed="rId8"/>
+          <a:stretch>
+            <a:fillRect/>
+          </a:stretch>
+        </p:blipFill>
+        <p:spPr>
+          <a:xfrm>
+            <a:off x="1350941" y="3428967"/>
+            <a:ext cx="90520" cy="82649"/>
+          </a:xfrm>
+          <a:prstGeom prst="rect">
+            <a:avLst/>
+          </a:prstGeom>
+        </p:spPr>
+      </p:pic>
+      <p:pic>
+        <p:nvPicPr>
+          <p:cNvPr id="318" name="Picture 317">
+            <a:extLst>
+              <a:ext uri="{FF2B5EF4-FFF2-40B4-BE49-F238E27FC236}">
+                <a16:creationId xmlns:a16="http://schemas.microsoft.com/office/drawing/2014/main" id="{8E9854F3-A0F0-064B-8747-0CA76A29291A}"/>
+              </a:ext>
+            </a:extLst>
+          </p:cNvPr>
+          <p:cNvPicPr>
+            <a:picLocks noChangeAspect="1"/>
+          </p:cNvPicPr>
+          <p:nvPr/>
+        </p:nvPicPr>
+        <p:blipFill>
+          <a:blip r:embed="rId8"/>
+          <a:stretch>
+            <a:fillRect/>
+          </a:stretch>
+        </p:blipFill>
+        <p:spPr>
+          <a:xfrm>
+            <a:off x="1352169" y="3643342"/>
+            <a:ext cx="90520" cy="82649"/>
+          </a:xfrm>
+          <a:prstGeom prst="rect">
+            <a:avLst/>
+          </a:prstGeom>
+        </p:spPr>
+      </p:pic>
+      <p:pic>
+        <p:nvPicPr>
+          <p:cNvPr id="319" name="Picture 318">
+            <a:extLst>
+              <a:ext uri="{FF2B5EF4-FFF2-40B4-BE49-F238E27FC236}">
+                <a16:creationId xmlns:a16="http://schemas.microsoft.com/office/drawing/2014/main" id="{ED45DBDB-BEFD-5F47-89DC-6367A008A71C}"/>
+              </a:ext>
+            </a:extLst>
+          </p:cNvPr>
+          <p:cNvPicPr>
+            <a:picLocks noChangeAspect="1"/>
+          </p:cNvPicPr>
+          <p:nvPr/>
+        </p:nvPicPr>
+        <p:blipFill>
+          <a:blip r:embed="rId8"/>
+          <a:stretch>
+            <a:fillRect/>
+          </a:stretch>
+        </p:blipFill>
+        <p:spPr>
+          <a:xfrm>
+            <a:off x="1351856" y="3900736"/>
+            <a:ext cx="90520" cy="82649"/>
+          </a:xfrm>
+          <a:prstGeom prst="rect">
+            <a:avLst/>
+          </a:prstGeom>
+        </p:spPr>
+      </p:pic>
+      <p:pic>
+        <p:nvPicPr>
+          <p:cNvPr id="320" name="Picture 319">
+            <a:extLst>
+              <a:ext uri="{FF2B5EF4-FFF2-40B4-BE49-F238E27FC236}">
+                <a16:creationId xmlns:a16="http://schemas.microsoft.com/office/drawing/2014/main" id="{6A0FD3E6-966E-4A4D-A1DA-6380688294F2}"/>
+              </a:ext>
+            </a:extLst>
+          </p:cNvPr>
+          <p:cNvPicPr>
+            <a:picLocks noChangeAspect="1"/>
+          </p:cNvPicPr>
+          <p:nvPr/>
+        </p:nvPicPr>
+        <p:blipFill>
+          <a:blip r:embed="rId8"/>
+          <a:stretch>
+            <a:fillRect/>
+          </a:stretch>
+        </p:blipFill>
+        <p:spPr>
+          <a:xfrm>
+            <a:off x="1355135" y="4185897"/>
+            <a:ext cx="90520" cy="82649"/>
+          </a:xfrm>
+          <a:prstGeom prst="rect">
+            <a:avLst/>
+          </a:prstGeom>
+        </p:spPr>
+      </p:pic>
+      <p:pic>
+        <p:nvPicPr>
+          <p:cNvPr id="321" name="Picture 320">
+            <a:extLst>
+              <a:ext uri="{FF2B5EF4-FFF2-40B4-BE49-F238E27FC236}">
+                <a16:creationId xmlns:a16="http://schemas.microsoft.com/office/drawing/2014/main" id="{0070EFAD-02B9-7248-A49F-11A818110991}"/>
+              </a:ext>
+            </a:extLst>
+          </p:cNvPr>
+          <p:cNvPicPr>
+            <a:picLocks noChangeAspect="1"/>
+          </p:cNvPicPr>
+          <p:nvPr/>
+        </p:nvPicPr>
+        <p:blipFill>
+          <a:blip r:embed="rId8"/>
+          <a:stretch>
+            <a:fillRect/>
+          </a:stretch>
+        </p:blipFill>
+        <p:spPr>
+          <a:xfrm>
+            <a:off x="1355135" y="4405545"/>
+            <a:ext cx="90520" cy="82649"/>
+          </a:xfrm>
+          <a:prstGeom prst="rect">
+            <a:avLst/>
+          </a:prstGeom>
+        </p:spPr>
+      </p:pic>
+      <p:pic>
+        <p:nvPicPr>
+          <p:cNvPr id="322" name="Picture 321">
+            <a:extLst>
+              <a:ext uri="{FF2B5EF4-FFF2-40B4-BE49-F238E27FC236}">
+                <a16:creationId xmlns:a16="http://schemas.microsoft.com/office/drawing/2014/main" id="{1C0189C6-671B-8A4A-8A81-0E86AF3B9AC6}"/>
+              </a:ext>
+            </a:extLst>
+          </p:cNvPr>
+          <p:cNvPicPr>
+            <a:picLocks noChangeAspect="1"/>
+          </p:cNvPicPr>
+          <p:nvPr/>
+        </p:nvPicPr>
+        <p:blipFill>
+          <a:blip r:embed="rId8"/>
+          <a:stretch>
+            <a:fillRect/>
+          </a:stretch>
+        </p:blipFill>
+        <p:spPr>
+          <a:xfrm>
+            <a:off x="1356441" y="4658757"/>
+            <a:ext cx="90520" cy="82649"/>
+          </a:xfrm>
+          <a:prstGeom prst="rect">
+            <a:avLst/>
+          </a:prstGeom>
+        </p:spPr>
+      </p:pic>
+      <p:pic>
+        <p:nvPicPr>
+          <p:cNvPr id="323" name="Picture 322">
+            <a:extLst>
+              <a:ext uri="{FF2B5EF4-FFF2-40B4-BE49-F238E27FC236}">
+                <a16:creationId xmlns:a16="http://schemas.microsoft.com/office/drawing/2014/main" id="{AE9742E9-68C3-0643-9CCC-CCDEDB46C969}"/>
+              </a:ext>
+            </a:extLst>
+          </p:cNvPr>
+          <p:cNvPicPr>
+            <a:picLocks noChangeAspect="1"/>
+          </p:cNvPicPr>
+          <p:nvPr/>
+        </p:nvPicPr>
+        <p:blipFill>
+          <a:blip r:embed="rId8"/>
+          <a:stretch>
+            <a:fillRect/>
+          </a:stretch>
+        </p:blipFill>
+        <p:spPr>
+          <a:xfrm>
+            <a:off x="1351856" y="4983923"/>
+            <a:ext cx="90520" cy="82649"/>
+          </a:xfrm>
+          <a:prstGeom prst="rect">
+            <a:avLst/>
+          </a:prstGeom>
+        </p:spPr>
+      </p:pic>
+      <p:pic>
+        <p:nvPicPr>
+          <p:cNvPr id="324" name="Picture 323">
+            <a:extLst>
+              <a:ext uri="{FF2B5EF4-FFF2-40B4-BE49-F238E27FC236}">
+                <a16:creationId xmlns:a16="http://schemas.microsoft.com/office/drawing/2014/main" id="{239F7453-AA39-B04B-A6C9-535AC2FF1D51}"/>
+              </a:ext>
+            </a:extLst>
+          </p:cNvPr>
+          <p:cNvPicPr>
+            <a:picLocks noChangeAspect="1"/>
+          </p:cNvPicPr>
+          <p:nvPr/>
+        </p:nvPicPr>
+        <p:blipFill>
+          <a:blip r:embed="rId8"/>
+          <a:stretch>
+            <a:fillRect/>
+          </a:stretch>
+        </p:blipFill>
+        <p:spPr>
+          <a:xfrm>
+            <a:off x="1352762" y="5200375"/>
+            <a:ext cx="90520" cy="82649"/>
+          </a:xfrm>
+          <a:prstGeom prst="rect">
+            <a:avLst/>
+          </a:prstGeom>
+        </p:spPr>
+      </p:pic>
+      <p:pic>
+        <p:nvPicPr>
+          <p:cNvPr id="325" name="Picture 324">
+            <a:extLst>
+              <a:ext uri="{FF2B5EF4-FFF2-40B4-BE49-F238E27FC236}">
+                <a16:creationId xmlns:a16="http://schemas.microsoft.com/office/drawing/2014/main" id="{A53E9987-21A2-594B-8743-111E22F5183D}"/>
+              </a:ext>
+            </a:extLst>
+          </p:cNvPr>
+          <p:cNvPicPr>
+            <a:picLocks noChangeAspect="1"/>
+          </p:cNvPicPr>
+          <p:nvPr/>
+        </p:nvPicPr>
+        <p:blipFill>
+          <a:blip r:embed="rId8"/>
+          <a:stretch>
+            <a:fillRect/>
+          </a:stretch>
+        </p:blipFill>
+        <p:spPr>
+          <a:xfrm>
+            <a:off x="1350941" y="5456506"/>
+            <a:ext cx="90520" cy="82649"/>
+          </a:xfrm>
+          <a:prstGeom prst="rect">
+            <a:avLst/>
+          </a:prstGeom>
+        </p:spPr>
+      </p:pic>
+      <p:pic>
+        <p:nvPicPr>
+          <p:cNvPr id="326" name="Picture 325">
+            <a:extLst>
+              <a:ext uri="{FF2B5EF4-FFF2-40B4-BE49-F238E27FC236}">
+                <a16:creationId xmlns:a16="http://schemas.microsoft.com/office/drawing/2014/main" id="{79880586-F6F6-F84F-864F-DF90752B54F5}"/>
+              </a:ext>
+            </a:extLst>
+          </p:cNvPr>
+          <p:cNvPicPr>
+            <a:picLocks noChangeAspect="1"/>
+          </p:cNvPicPr>
+          <p:nvPr/>
+        </p:nvPicPr>
+        <p:blipFill>
+          <a:blip r:embed="rId8"/>
+          <a:stretch>
+            <a:fillRect/>
+          </a:stretch>
+        </p:blipFill>
+        <p:spPr>
+          <a:xfrm>
+            <a:off x="1355135" y="5747140"/>
+            <a:ext cx="90520" cy="82649"/>
+          </a:xfrm>
+          <a:prstGeom prst="rect">
+            <a:avLst/>
+          </a:prstGeom>
+        </p:spPr>
+      </p:pic>
+      <p:pic>
+        <p:nvPicPr>
+          <p:cNvPr id="327" name="Picture 326">
+            <a:extLst>
+              <a:ext uri="{FF2B5EF4-FFF2-40B4-BE49-F238E27FC236}">
+                <a16:creationId xmlns:a16="http://schemas.microsoft.com/office/drawing/2014/main" id="{977B4265-E403-BF4D-9EB4-83BFA13F591E}"/>
+              </a:ext>
+            </a:extLst>
+          </p:cNvPr>
+          <p:cNvPicPr>
+            <a:picLocks noChangeAspect="1"/>
+          </p:cNvPicPr>
+          <p:nvPr/>
+        </p:nvPicPr>
+        <p:blipFill>
+          <a:blip r:embed="rId8"/>
+          <a:stretch>
+            <a:fillRect/>
+          </a:stretch>
+        </p:blipFill>
+        <p:spPr>
+          <a:xfrm>
+            <a:off x="1355135" y="5970551"/>
+            <a:ext cx="90520" cy="82649"/>
+          </a:xfrm>
+          <a:prstGeom prst="rect">
+            <a:avLst/>
+          </a:prstGeom>
+        </p:spPr>
+      </p:pic>
+      <p:pic>
+        <p:nvPicPr>
+          <p:cNvPr id="328" name="Picture 327">
+            <a:extLst>
+              <a:ext uri="{FF2B5EF4-FFF2-40B4-BE49-F238E27FC236}">
+                <a16:creationId xmlns:a16="http://schemas.microsoft.com/office/drawing/2014/main" id="{8CE7EE0C-E40C-FD44-9D76-A25AC5A0A97B}"/>
+              </a:ext>
+            </a:extLst>
+          </p:cNvPr>
+          <p:cNvPicPr>
+            <a:picLocks noChangeAspect="1"/>
+          </p:cNvPicPr>
+          <p:nvPr/>
+        </p:nvPicPr>
+        <p:blipFill>
+          <a:blip r:embed="rId8"/>
+          <a:stretch>
+            <a:fillRect/>
+          </a:stretch>
+        </p:blipFill>
+        <p:spPr>
+          <a:xfrm>
+            <a:off x="1355135" y="6222823"/>
+            <a:ext cx="90520" cy="82649"/>
+          </a:xfrm>
+          <a:prstGeom prst="rect">
+            <a:avLst/>
+          </a:prstGeom>
+        </p:spPr>
+      </p:pic>
+      <p:pic>
+        <p:nvPicPr>
+          <p:cNvPr id="329" name="Picture 328">
+            <a:extLst>
+              <a:ext uri="{FF2B5EF4-FFF2-40B4-BE49-F238E27FC236}">
+                <a16:creationId xmlns:a16="http://schemas.microsoft.com/office/drawing/2014/main" id="{2E653FD5-8F16-9F4B-BB77-257A1C4B335C}"/>
+              </a:ext>
+            </a:extLst>
+          </p:cNvPr>
+          <p:cNvPicPr>
+            <a:picLocks noChangeAspect="1"/>
+          </p:cNvPicPr>
+          <p:nvPr/>
+        </p:nvPicPr>
+        <p:blipFill>
+          <a:blip r:embed="rId8"/>
+          <a:stretch>
+            <a:fillRect/>
+          </a:stretch>
+        </p:blipFill>
+        <p:spPr>
+          <a:xfrm>
+            <a:off x="2651030" y="6227017"/>
+            <a:ext cx="90520" cy="82649"/>
+          </a:xfrm>
+          <a:prstGeom prst="rect">
+            <a:avLst/>
+          </a:prstGeom>
+        </p:spPr>
+      </p:pic>
+      <p:pic>
+        <p:nvPicPr>
+          <p:cNvPr id="330" name="Picture 329">
+            <a:extLst>
+              <a:ext uri="{FF2B5EF4-FFF2-40B4-BE49-F238E27FC236}">
+                <a16:creationId xmlns:a16="http://schemas.microsoft.com/office/drawing/2014/main" id="{7CE7AD17-A2C4-E24B-ACFD-6031D9521B04}"/>
+              </a:ext>
+            </a:extLst>
+          </p:cNvPr>
+          <p:cNvPicPr>
+            <a:picLocks noChangeAspect="1"/>
+          </p:cNvPicPr>
+          <p:nvPr/>
+        </p:nvPicPr>
+        <p:blipFill>
+          <a:blip r:embed="rId8"/>
+          <a:stretch>
+            <a:fillRect/>
+          </a:stretch>
+        </p:blipFill>
+        <p:spPr>
+          <a:xfrm>
+            <a:off x="3617618" y="6229715"/>
+            <a:ext cx="90520" cy="82649"/>
+          </a:xfrm>
+          <a:prstGeom prst="rect">
+            <a:avLst/>
+          </a:prstGeom>
+        </p:spPr>
+      </p:pic>
+      <p:pic>
+        <p:nvPicPr>
+          <p:cNvPr id="331" name="Picture 330">
+            <a:extLst>
+              <a:ext uri="{FF2B5EF4-FFF2-40B4-BE49-F238E27FC236}">
+                <a16:creationId xmlns:a16="http://schemas.microsoft.com/office/drawing/2014/main" id="{F4FB5710-EF4C-E14C-BD17-6D3E00BE6E04}"/>
+              </a:ext>
+            </a:extLst>
+          </p:cNvPr>
+          <p:cNvPicPr>
+            <a:picLocks noChangeAspect="1"/>
+          </p:cNvPicPr>
+          <p:nvPr/>
+        </p:nvPicPr>
+        <p:blipFill>
+          <a:blip r:embed="rId8"/>
+          <a:stretch>
+            <a:fillRect/>
+          </a:stretch>
+        </p:blipFill>
+        <p:spPr>
+          <a:xfrm>
+            <a:off x="4595354" y="6227017"/>
+            <a:ext cx="90520" cy="82649"/>
+          </a:xfrm>
+          <a:prstGeom prst="rect">
+            <a:avLst/>
+          </a:prstGeom>
+        </p:spPr>
+      </p:pic>
+      <p:pic>
+        <p:nvPicPr>
+          <p:cNvPr id="332" name="Picture 331">
+            <a:extLst>
+              <a:ext uri="{FF2B5EF4-FFF2-40B4-BE49-F238E27FC236}">
+                <a16:creationId xmlns:a16="http://schemas.microsoft.com/office/drawing/2014/main" id="{BF6B2245-54BE-1545-A946-11A2E2E902AA}"/>
+              </a:ext>
+            </a:extLst>
+          </p:cNvPr>
+          <p:cNvPicPr>
+            <a:picLocks noChangeAspect="1"/>
+          </p:cNvPicPr>
+          <p:nvPr/>
+        </p:nvPicPr>
+        <p:blipFill>
+          <a:blip r:embed="rId8"/>
+          <a:stretch>
+            <a:fillRect/>
+          </a:stretch>
+        </p:blipFill>
+        <p:spPr>
+          <a:xfrm>
+            <a:off x="2654767" y="4658693"/>
+            <a:ext cx="90520" cy="82649"/>
+          </a:xfrm>
+          <a:prstGeom prst="rect">
+            <a:avLst/>
+          </a:prstGeom>
+        </p:spPr>
+      </p:pic>
+      <p:pic>
+        <p:nvPicPr>
+          <p:cNvPr id="333" name="Picture 332">
+            <a:extLst>
+              <a:ext uri="{FF2B5EF4-FFF2-40B4-BE49-F238E27FC236}">
+                <a16:creationId xmlns:a16="http://schemas.microsoft.com/office/drawing/2014/main" id="{50D1B528-DF87-B046-9129-595D42FCF80C}"/>
+              </a:ext>
+            </a:extLst>
+          </p:cNvPr>
+          <p:cNvPicPr>
+            <a:picLocks noChangeAspect="1"/>
+          </p:cNvPicPr>
+          <p:nvPr/>
+        </p:nvPicPr>
+        <p:blipFill>
+          <a:blip r:embed="rId8"/>
+          <a:stretch>
+            <a:fillRect/>
+          </a:stretch>
+        </p:blipFill>
+        <p:spPr>
+          <a:xfrm>
+            <a:off x="2656825" y="3111175"/>
+            <a:ext cx="90520" cy="82649"/>
+          </a:xfrm>
+          <a:prstGeom prst="rect">
+            <a:avLst/>
+          </a:prstGeom>
+        </p:spPr>
+      </p:pic>
+      <p:pic>
+        <p:nvPicPr>
+          <p:cNvPr id="334" name="Picture 333">
+            <a:extLst>
+              <a:ext uri="{FF2B5EF4-FFF2-40B4-BE49-F238E27FC236}">
+                <a16:creationId xmlns:a16="http://schemas.microsoft.com/office/drawing/2014/main" id="{8563B101-B9D8-924C-98B0-88F6A33C9FA8}"/>
+              </a:ext>
+            </a:extLst>
+          </p:cNvPr>
+          <p:cNvPicPr>
+            <a:picLocks noChangeAspect="1"/>
+          </p:cNvPicPr>
+          <p:nvPr/>
+        </p:nvPicPr>
+        <p:blipFill>
+          <a:blip r:embed="rId8"/>
+          <a:stretch>
+            <a:fillRect/>
+          </a:stretch>
+        </p:blipFill>
+        <p:spPr>
+          <a:xfrm>
+            <a:off x="2659371" y="1552330"/>
+            <a:ext cx="90520" cy="82649"/>
+          </a:xfrm>
+          <a:prstGeom prst="rect">
+            <a:avLst/>
+          </a:prstGeom>
+        </p:spPr>
+      </p:pic>
+      <p:pic>
+        <p:nvPicPr>
+          <p:cNvPr id="335" name="Picture 334">
+            <a:extLst>
+              <a:ext uri="{FF2B5EF4-FFF2-40B4-BE49-F238E27FC236}">
+                <a16:creationId xmlns:a16="http://schemas.microsoft.com/office/drawing/2014/main" id="{AAA9C21D-EE7A-5249-87A9-E09CD7451114}"/>
+              </a:ext>
+            </a:extLst>
+          </p:cNvPr>
+          <p:cNvPicPr>
+            <a:picLocks noChangeAspect="1"/>
+          </p:cNvPicPr>
+          <p:nvPr/>
+        </p:nvPicPr>
+        <p:blipFill>
+          <a:blip r:embed="rId8"/>
+          <a:stretch>
+            <a:fillRect/>
+          </a:stretch>
+        </p:blipFill>
+        <p:spPr>
+          <a:xfrm>
+            <a:off x="3618383" y="3102989"/>
+            <a:ext cx="90520" cy="82649"/>
+          </a:xfrm>
+          <a:prstGeom prst="rect">
+            <a:avLst/>
+          </a:prstGeom>
+        </p:spPr>
+      </p:pic>
     </p:spTree>
     <p:extLst>
       <p:ext uri="{BB962C8B-B14F-4D97-AF65-F5344CB8AC3E}">

--- a/figs/popcount.pptx
+++ b/figs/popcount.pptx
@@ -4828,7 +4828,7 @@
               </p:nvCxnSpPr>
               <p:spPr>
                 <a:xfrm flipV="1">
-                  <a:off x="2071255" y="2136639"/>
+                  <a:off x="2071255" y="2140268"/>
                   <a:ext cx="0" cy="144524"/>
                 </a:xfrm>
                 <a:prstGeom prst="line">
@@ -5143,7 +5143,7 @@
               </p:nvCxnSpPr>
               <p:spPr>
                 <a:xfrm flipV="1">
-                  <a:off x="2084133" y="2908740"/>
+                  <a:off x="2084133" y="2912369"/>
                   <a:ext cx="0" cy="144524"/>
                 </a:xfrm>
                 <a:prstGeom prst="line">
@@ -5794,7 +5794,7 @@
               </p:nvCxnSpPr>
               <p:spPr>
                 <a:xfrm flipV="1">
-                  <a:off x="2072553" y="4445205"/>
+                  <a:off x="2072553" y="4441576"/>
                   <a:ext cx="0" cy="144524"/>
                 </a:xfrm>
                 <a:prstGeom prst="line">
@@ -6424,7 +6424,7 @@
               </p:nvCxnSpPr>
               <p:spPr>
                 <a:xfrm flipV="1">
-                  <a:off x="2078992" y="6024161"/>
+                  <a:off x="2078992" y="6020532"/>
                   <a:ext cx="0" cy="144524"/>
                 </a:xfrm>
                 <a:prstGeom prst="line">
@@ -6969,7 +6969,7 @@
               </p:nvCxnSpPr>
               <p:spPr>
                 <a:xfrm flipV="1">
-                  <a:off x="3076954" y="4445205"/>
+                  <a:off x="3076954" y="4448834"/>
                   <a:ext cx="0" cy="144524"/>
                 </a:xfrm>
                 <a:prstGeom prst="line">
@@ -8576,7 +8576,7 @@
               <a:prstGeom prst="line">
                 <a:avLst/>
               </a:prstGeom>
-              <a:ln w="38100" cmpd="sng">
+              <a:ln w="12700" cmpd="sng">
                 <a:prstDash val="solid"/>
               </a:ln>
             </p:spPr>
@@ -10766,8 +10766,8 @@
             </a:p>
           </p:txBody>
         </p:sp>
-        <mc:AlternateContent xmlns:mc="http://schemas.openxmlformats.org/markup-compatibility/2006">
-          <mc:Choice xmlns:a14="http://schemas.microsoft.com/office/drawing/2010/main" Requires="a14">
+        <mc:AlternateContent xmlns:mc="http://schemas.openxmlformats.org/markup-compatibility/2006" xmlns:a14="http://schemas.microsoft.com/office/drawing/2010/main">
+          <mc:Choice Requires="a14">
             <p:sp>
               <p:nvSpPr>
                 <p:cNvPr id="310" name="TextBox 309">
@@ -10835,7 +10835,7 @@
               </p:txBody>
             </p:sp>
           </mc:Choice>
-          <mc:Fallback>
+          <mc:Fallback xmlns="">
             <p:sp>
               <p:nvSpPr>
                 <p:cNvPr id="310" name="TextBox 309">
@@ -10929,8 +10929,8 @@
             </a:p>
           </p:txBody>
         </p:sp>
-        <mc:AlternateContent xmlns:mc="http://schemas.openxmlformats.org/markup-compatibility/2006">
-          <mc:Choice xmlns:a14="http://schemas.microsoft.com/office/drawing/2010/main" Requires="a14">
+        <mc:AlternateContent xmlns:mc="http://schemas.openxmlformats.org/markup-compatibility/2006" xmlns:a14="http://schemas.microsoft.com/office/drawing/2010/main">
+          <mc:Choice Requires="a14">
             <p:sp>
               <p:nvSpPr>
                 <p:cNvPr id="312" name="Rectangle 311">
@@ -10958,7 +10958,6 @@
                 </a:bodyPr>
                 <a:lstStyle/>
                 <a:p>
-                  <a:pPr/>
                   <a:r>
                     <a:rPr lang="en-CA" sz="1200" dirty="0" err="1"/>
                     <a:t>w</a:t>
@@ -11040,7 +11039,7 @@
               </p:txBody>
             </p:sp>
           </mc:Choice>
-          <mc:Fallback>
+          <mc:Fallback xmlns="">
             <p:sp>
               <p:nvSpPr>
                 <p:cNvPr id="312" name="Rectangle 311">
@@ -11085,8 +11084,8 @@
             </p:sp>
           </mc:Fallback>
         </mc:AlternateContent>
-        <mc:AlternateContent xmlns:mc="http://schemas.openxmlformats.org/markup-compatibility/2006">
-          <mc:Choice xmlns:a14="http://schemas.microsoft.com/office/drawing/2010/main" Requires="a14">
+        <mc:AlternateContent xmlns:mc="http://schemas.openxmlformats.org/markup-compatibility/2006" xmlns:a14="http://schemas.microsoft.com/office/drawing/2010/main">
+          <mc:Choice Requires="a14">
             <p:sp>
               <p:nvSpPr>
                 <p:cNvPr id="315" name="TextBox 314">
@@ -11143,13 +11142,7 @@
                         <a:rPr lang="en-CA" sz="1200" b="0" i="1" smtClean="0">
                           <a:latin typeface="Cambria Math" panose="02040503050406030204" pitchFamily="18" charset="0"/>
                         </a:rPr>
-                        <m:t>−1</m:t>
-                      </m:r>
-                      <m:r>
-                        <a:rPr lang="en-CA" sz="1200" b="0" i="1" smtClean="0">
-                          <a:latin typeface="Cambria Math" panose="02040503050406030204" pitchFamily="18" charset="0"/>
-                        </a:rPr>
-                        <m:t>,</m:t>
+                        <m:t>−1,</m:t>
                       </m:r>
                       <m:r>
                         <m:rPr>
@@ -11235,7 +11228,7 @@
               </p:txBody>
             </p:sp>
           </mc:Choice>
-          <mc:Fallback>
+          <mc:Fallback xmlns="">
             <p:sp>
               <p:nvSpPr>
                 <p:cNvPr id="315" name="TextBox 314">
@@ -11283,10 +11276,10 @@
       </p:grpSp>
       <p:pic>
         <p:nvPicPr>
-          <p:cNvPr id="3" name="Picture 2">
+          <p:cNvPr id="5" name="Picture 4">
             <a:extLst>
               <a:ext uri="{FF2B5EF4-FFF2-40B4-BE49-F238E27FC236}">
-                <a16:creationId xmlns:a16="http://schemas.microsoft.com/office/drawing/2014/main" id="{A88A7382-0830-1446-9880-C97F6F077650}"/>
+                <a16:creationId xmlns:a16="http://schemas.microsoft.com/office/drawing/2014/main" id="{64C872F2-0DC4-4243-912E-4A4D459DBAAD}"/>
               </a:ext>
             </a:extLst>
           </p:cNvPr>
@@ -11303,8 +11296,8 @@
         </p:blipFill>
         <p:spPr>
           <a:xfrm>
-            <a:off x="1344117" y="313421"/>
-            <a:ext cx="90520" cy="82649"/>
+            <a:off x="1337075" y="311072"/>
+            <a:ext cx="104842" cy="91167"/>
           </a:xfrm>
           <a:prstGeom prst="rect">
             <a:avLst/>
@@ -11313,10 +11306,10 @@
       </p:pic>
       <p:pic>
         <p:nvPicPr>
-          <p:cNvPr id="223" name="Picture 222">
+          <p:cNvPr id="188" name="Picture 187">
             <a:extLst>
               <a:ext uri="{FF2B5EF4-FFF2-40B4-BE49-F238E27FC236}">
-                <a16:creationId xmlns:a16="http://schemas.microsoft.com/office/drawing/2014/main" id="{07E2BB30-9EDE-4E43-A061-C150FCA1828F}"/>
+                <a16:creationId xmlns:a16="http://schemas.microsoft.com/office/drawing/2014/main" id="{AAD09844-726D-6147-9DA7-6AAAA0899CF1}"/>
               </a:ext>
             </a:extLst>
           </p:cNvPr>
@@ -11333,8 +11326,8 @@
         </p:blipFill>
         <p:spPr>
           <a:xfrm>
-            <a:off x="1344117" y="532914"/>
-            <a:ext cx="90520" cy="82649"/>
+            <a:off x="1334842" y="527504"/>
+            <a:ext cx="104842" cy="91167"/>
           </a:xfrm>
           <a:prstGeom prst="rect">
             <a:avLst/>
@@ -11343,10 +11336,10 @@
       </p:pic>
       <p:pic>
         <p:nvPicPr>
-          <p:cNvPr id="224" name="Picture 223">
+          <p:cNvPr id="189" name="Picture 188">
             <a:extLst>
               <a:ext uri="{FF2B5EF4-FFF2-40B4-BE49-F238E27FC236}">
-                <a16:creationId xmlns:a16="http://schemas.microsoft.com/office/drawing/2014/main" id="{36AE366D-5D80-C64D-BFC2-D2CB98B637D3}"/>
+                <a16:creationId xmlns:a16="http://schemas.microsoft.com/office/drawing/2014/main" id="{F741A489-0D14-3542-811D-4E6E63A3B40D}"/>
               </a:ext>
             </a:extLst>
           </p:cNvPr>
@@ -11363,8 +11356,8 @@
         </p:blipFill>
         <p:spPr>
           <a:xfrm>
-            <a:off x="1339923" y="788707"/>
-            <a:ext cx="90520" cy="82649"/>
+            <a:off x="1336619" y="787210"/>
+            <a:ext cx="104842" cy="91167"/>
           </a:xfrm>
           <a:prstGeom prst="rect">
             <a:avLst/>
@@ -11373,10 +11366,10 @@
       </p:pic>
       <p:pic>
         <p:nvPicPr>
-          <p:cNvPr id="299" name="Picture 298">
+          <p:cNvPr id="190" name="Picture 189">
             <a:extLst>
               <a:ext uri="{FF2B5EF4-FFF2-40B4-BE49-F238E27FC236}">
-                <a16:creationId xmlns:a16="http://schemas.microsoft.com/office/drawing/2014/main" id="{F5302BED-3A8C-7B4E-BA7A-A87498B5B942}"/>
+                <a16:creationId xmlns:a16="http://schemas.microsoft.com/office/drawing/2014/main" id="{418311F6-8EC9-D54F-AA98-6CA53109916E}"/>
               </a:ext>
             </a:extLst>
           </p:cNvPr>
@@ -11393,8 +11386,8 @@
         </p:blipFill>
         <p:spPr>
           <a:xfrm>
-            <a:off x="1344117" y="1064084"/>
-            <a:ext cx="90520" cy="82649"/>
+            <a:off x="1336619" y="1066502"/>
+            <a:ext cx="104842" cy="91167"/>
           </a:xfrm>
           <a:prstGeom prst="rect">
             <a:avLst/>
@@ -11403,10 +11396,10 @@
       </p:pic>
       <p:pic>
         <p:nvPicPr>
-          <p:cNvPr id="300" name="Picture 299">
+          <p:cNvPr id="191" name="Picture 190">
             <a:extLst>
               <a:ext uri="{FF2B5EF4-FFF2-40B4-BE49-F238E27FC236}">
-                <a16:creationId xmlns:a16="http://schemas.microsoft.com/office/drawing/2014/main" id="{7B49B3BC-15DC-6040-8E9A-C7A9500E73B0}"/>
+                <a16:creationId xmlns:a16="http://schemas.microsoft.com/office/drawing/2014/main" id="{12038262-C939-1D42-8397-18F92E51EC37}"/>
               </a:ext>
             </a:extLst>
           </p:cNvPr>
@@ -11423,8 +11416,8 @@
         </p:blipFill>
         <p:spPr>
           <a:xfrm>
-            <a:off x="1343757" y="1287478"/>
-            <a:ext cx="90520" cy="82649"/>
+            <a:off x="1332762" y="1283278"/>
+            <a:ext cx="104842" cy="91167"/>
           </a:xfrm>
           <a:prstGeom prst="rect">
             <a:avLst/>
@@ -11433,10 +11426,10 @@
       </p:pic>
       <p:pic>
         <p:nvPicPr>
-          <p:cNvPr id="301" name="Picture 300">
+          <p:cNvPr id="192" name="Picture 191">
             <a:extLst>
               <a:ext uri="{FF2B5EF4-FFF2-40B4-BE49-F238E27FC236}">
-                <a16:creationId xmlns:a16="http://schemas.microsoft.com/office/drawing/2014/main" id="{0E727CD5-D4E2-DD4D-BB54-F66264C36AC6}"/>
+                <a16:creationId xmlns:a16="http://schemas.microsoft.com/office/drawing/2014/main" id="{0B826BF6-B9D2-354F-B136-1FBC3CA3E4CE}"/>
               </a:ext>
             </a:extLst>
           </p:cNvPr>
@@ -11453,8 +11446,8 @@
         </p:blipFill>
         <p:spPr>
           <a:xfrm>
-            <a:off x="1347662" y="1548136"/>
-            <a:ext cx="90520" cy="82649"/>
+            <a:off x="1332306" y="1540231"/>
+            <a:ext cx="104842" cy="91167"/>
           </a:xfrm>
           <a:prstGeom prst="rect">
             <a:avLst/>
@@ -11463,10 +11456,10 @@
       </p:pic>
       <p:pic>
         <p:nvPicPr>
-          <p:cNvPr id="303" name="Picture 302">
+          <p:cNvPr id="193" name="Picture 192">
             <a:extLst>
               <a:ext uri="{FF2B5EF4-FFF2-40B4-BE49-F238E27FC236}">
-                <a16:creationId xmlns:a16="http://schemas.microsoft.com/office/drawing/2014/main" id="{D83BB994-BD76-D34F-85A7-30ED29C4F1B6}"/>
+                <a16:creationId xmlns:a16="http://schemas.microsoft.com/office/drawing/2014/main" id="{FE75685C-ADBE-4645-A40B-8F1F00D2E3A8}"/>
               </a:ext>
             </a:extLst>
           </p:cNvPr>
@@ -11483,8 +11476,8 @@
         </p:blipFill>
         <p:spPr>
           <a:xfrm>
-            <a:off x="1343468" y="1875720"/>
-            <a:ext cx="90520" cy="82649"/>
+            <a:off x="1337772" y="1871550"/>
+            <a:ext cx="104842" cy="91167"/>
           </a:xfrm>
           <a:prstGeom prst="rect">
             <a:avLst/>
@@ -11493,10 +11486,10 @@
       </p:pic>
       <p:pic>
         <p:nvPicPr>
-          <p:cNvPr id="304" name="Picture 303">
+          <p:cNvPr id="194" name="Picture 193">
             <a:extLst>
               <a:ext uri="{FF2B5EF4-FFF2-40B4-BE49-F238E27FC236}">
-                <a16:creationId xmlns:a16="http://schemas.microsoft.com/office/drawing/2014/main" id="{4C2A92F4-1787-C74E-B99A-8C63812A5B83}"/>
+                <a16:creationId xmlns:a16="http://schemas.microsoft.com/office/drawing/2014/main" id="{A2AD0C1F-4C99-764D-865A-D41F019AFA3D}"/>
               </a:ext>
             </a:extLst>
           </p:cNvPr>
@@ -11513,8 +11506,8 @@
         </p:blipFill>
         <p:spPr>
           <a:xfrm>
-            <a:off x="1343468" y="2091252"/>
-            <a:ext cx="90520" cy="82649"/>
+            <a:off x="1334842" y="2088712"/>
+            <a:ext cx="104842" cy="91167"/>
           </a:xfrm>
           <a:prstGeom prst="rect">
             <a:avLst/>
@@ -11523,10 +11516,10 @@
       </p:pic>
       <p:pic>
         <p:nvPicPr>
-          <p:cNvPr id="305" name="Picture 304">
+          <p:cNvPr id="195" name="Picture 194">
             <a:extLst>
               <a:ext uri="{FF2B5EF4-FFF2-40B4-BE49-F238E27FC236}">
-                <a16:creationId xmlns:a16="http://schemas.microsoft.com/office/drawing/2014/main" id="{802734E6-26D5-CC48-A31C-923CFB362468}"/>
+                <a16:creationId xmlns:a16="http://schemas.microsoft.com/office/drawing/2014/main" id="{97E63290-0272-2B4F-AE2D-8C871785C0D8}"/>
               </a:ext>
             </a:extLst>
           </p:cNvPr>
@@ -11543,8 +11536,8 @@
         </p:blipFill>
         <p:spPr>
           <a:xfrm>
-            <a:off x="1344117" y="2344623"/>
-            <a:ext cx="90520" cy="82649"/>
+            <a:off x="1336619" y="2339181"/>
+            <a:ext cx="104842" cy="91167"/>
           </a:xfrm>
           <a:prstGeom prst="rect">
             <a:avLst/>
@@ -11553,10 +11546,10 @@
       </p:pic>
       <p:pic>
         <p:nvPicPr>
-          <p:cNvPr id="306" name="Picture 305">
+          <p:cNvPr id="196" name="Picture 195">
             <a:extLst>
               <a:ext uri="{FF2B5EF4-FFF2-40B4-BE49-F238E27FC236}">
-                <a16:creationId xmlns:a16="http://schemas.microsoft.com/office/drawing/2014/main" id="{1D09D919-59E2-8245-8650-7F7630840277}"/>
+                <a16:creationId xmlns:a16="http://schemas.microsoft.com/office/drawing/2014/main" id="{3903C057-E286-F447-98F6-D05A04796A03}"/>
               </a:ext>
             </a:extLst>
           </p:cNvPr>
@@ -11573,8 +11566,8 @@
         </p:blipFill>
         <p:spPr>
           <a:xfrm>
-            <a:off x="1343468" y="2648349"/>
-            <a:ext cx="90520" cy="82649"/>
+            <a:off x="1337772" y="2642991"/>
+            <a:ext cx="104842" cy="91167"/>
           </a:xfrm>
           <a:prstGeom prst="rect">
             <a:avLst/>
@@ -11583,10 +11576,10 @@
       </p:pic>
       <p:pic>
         <p:nvPicPr>
-          <p:cNvPr id="313" name="Picture 312">
+          <p:cNvPr id="198" name="Picture 197">
             <a:extLst>
               <a:ext uri="{FF2B5EF4-FFF2-40B4-BE49-F238E27FC236}">
-                <a16:creationId xmlns:a16="http://schemas.microsoft.com/office/drawing/2014/main" id="{1AA00F54-F50D-4B40-B8F3-166CFE8D2AAE}"/>
+                <a16:creationId xmlns:a16="http://schemas.microsoft.com/office/drawing/2014/main" id="{19B07D56-48C2-0E45-A0EA-8F3205EEEFFA}"/>
               </a:ext>
             </a:extLst>
           </p:cNvPr>
@@ -11603,8 +11596,8 @@
         </p:blipFill>
         <p:spPr>
           <a:xfrm>
-            <a:off x="1343468" y="2859432"/>
-            <a:ext cx="90520" cy="82649"/>
+            <a:off x="1339155" y="2859596"/>
+            <a:ext cx="104842" cy="91167"/>
           </a:xfrm>
           <a:prstGeom prst="rect">
             <a:avLst/>
@@ -11613,10 +11606,10 @@
       </p:pic>
       <p:pic>
         <p:nvPicPr>
-          <p:cNvPr id="314" name="Picture 313">
+          <p:cNvPr id="199" name="Picture 198">
             <a:extLst>
               <a:ext uri="{FF2B5EF4-FFF2-40B4-BE49-F238E27FC236}">
-                <a16:creationId xmlns:a16="http://schemas.microsoft.com/office/drawing/2014/main" id="{3246F3F0-E394-214A-8B3E-AD77F4BFEE16}"/>
+                <a16:creationId xmlns:a16="http://schemas.microsoft.com/office/drawing/2014/main" id="{220B6CCD-E332-034A-B5E3-EE360405429C}"/>
               </a:ext>
             </a:extLst>
           </p:cNvPr>
@@ -11633,8 +11626,8 @@
         </p:blipFill>
         <p:spPr>
           <a:xfrm>
-            <a:off x="1343468" y="3123845"/>
-            <a:ext cx="90520" cy="82649"/>
+            <a:off x="1340118" y="3119856"/>
+            <a:ext cx="104842" cy="91167"/>
           </a:xfrm>
           <a:prstGeom prst="rect">
             <a:avLst/>
@@ -11643,10 +11636,10 @@
       </p:pic>
       <p:pic>
         <p:nvPicPr>
-          <p:cNvPr id="317" name="Picture 316">
+          <p:cNvPr id="200" name="Picture 199">
             <a:extLst>
               <a:ext uri="{FF2B5EF4-FFF2-40B4-BE49-F238E27FC236}">
-                <a16:creationId xmlns:a16="http://schemas.microsoft.com/office/drawing/2014/main" id="{75CE638A-F1A8-F54E-863B-A0184D0858DF}"/>
+                <a16:creationId xmlns:a16="http://schemas.microsoft.com/office/drawing/2014/main" id="{BD18B763-4342-234D-B9AC-D3C74ED21FFE}"/>
               </a:ext>
             </a:extLst>
           </p:cNvPr>
@@ -11663,8 +11656,8 @@
         </p:blipFill>
         <p:spPr>
           <a:xfrm>
-            <a:off x="1350941" y="3428967"/>
-            <a:ext cx="90520" cy="82649"/>
+            <a:off x="1343468" y="3424305"/>
+            <a:ext cx="104842" cy="91167"/>
           </a:xfrm>
           <a:prstGeom prst="rect">
             <a:avLst/>
@@ -11673,10 +11666,10 @@
       </p:pic>
       <p:pic>
         <p:nvPicPr>
-          <p:cNvPr id="318" name="Picture 317">
+          <p:cNvPr id="201" name="Picture 200">
             <a:extLst>
               <a:ext uri="{FF2B5EF4-FFF2-40B4-BE49-F238E27FC236}">
-                <a16:creationId xmlns:a16="http://schemas.microsoft.com/office/drawing/2014/main" id="{8E9854F3-A0F0-064B-8747-0CA76A29291A}"/>
+                <a16:creationId xmlns:a16="http://schemas.microsoft.com/office/drawing/2014/main" id="{9A1C75E6-598F-8D41-B93C-8B3661A0B2D3}"/>
               </a:ext>
             </a:extLst>
           </p:cNvPr>
@@ -11693,8 +11686,8 @@
         </p:blipFill>
         <p:spPr>
           <a:xfrm>
-            <a:off x="1352169" y="3643342"/>
-            <a:ext cx="90520" cy="82649"/>
+            <a:off x="1345480" y="3641664"/>
+            <a:ext cx="104842" cy="91167"/>
           </a:xfrm>
           <a:prstGeom prst="rect">
             <a:avLst/>
@@ -11703,10 +11696,10 @@
       </p:pic>
       <p:pic>
         <p:nvPicPr>
-          <p:cNvPr id="319" name="Picture 318">
+          <p:cNvPr id="202" name="Picture 201">
             <a:extLst>
               <a:ext uri="{FF2B5EF4-FFF2-40B4-BE49-F238E27FC236}">
-                <a16:creationId xmlns:a16="http://schemas.microsoft.com/office/drawing/2014/main" id="{ED45DBDB-BEFD-5F47-89DC-6367A008A71C}"/>
+                <a16:creationId xmlns:a16="http://schemas.microsoft.com/office/drawing/2014/main" id="{F532F0DA-4535-6C44-894E-F8550113796A}"/>
               </a:ext>
             </a:extLst>
           </p:cNvPr>
@@ -11723,8 +11716,8 @@
         </p:blipFill>
         <p:spPr>
           <a:xfrm>
-            <a:off x="1351856" y="3900736"/>
-            <a:ext cx="90520" cy="82649"/>
+            <a:off x="1345601" y="3896226"/>
+            <a:ext cx="104842" cy="91167"/>
           </a:xfrm>
           <a:prstGeom prst="rect">
             <a:avLst/>
@@ -11733,10 +11726,10 @@
       </p:pic>
       <p:pic>
         <p:nvPicPr>
-          <p:cNvPr id="320" name="Picture 319">
+          <p:cNvPr id="203" name="Picture 202">
             <a:extLst>
               <a:ext uri="{FF2B5EF4-FFF2-40B4-BE49-F238E27FC236}">
-                <a16:creationId xmlns:a16="http://schemas.microsoft.com/office/drawing/2014/main" id="{6A0FD3E6-966E-4A4D-A1DA-6380688294F2}"/>
+                <a16:creationId xmlns:a16="http://schemas.microsoft.com/office/drawing/2014/main" id="{7CA1BC98-AEB7-3F42-A878-E6CBC16F96D6}"/>
               </a:ext>
             </a:extLst>
           </p:cNvPr>
@@ -11753,8 +11746,8 @@
         </p:blipFill>
         <p:spPr>
           <a:xfrm>
-            <a:off x="1355135" y="4185897"/>
-            <a:ext cx="90520" cy="82649"/>
+            <a:off x="1348275" y="4189561"/>
+            <a:ext cx="104842" cy="91167"/>
           </a:xfrm>
           <a:prstGeom prst="rect">
             <a:avLst/>
@@ -11763,10 +11756,10 @@
       </p:pic>
       <p:pic>
         <p:nvPicPr>
-          <p:cNvPr id="321" name="Picture 320">
+          <p:cNvPr id="204" name="Picture 203">
             <a:extLst>
               <a:ext uri="{FF2B5EF4-FFF2-40B4-BE49-F238E27FC236}">
-                <a16:creationId xmlns:a16="http://schemas.microsoft.com/office/drawing/2014/main" id="{0070EFAD-02B9-7248-A49F-11A818110991}"/>
+                <a16:creationId xmlns:a16="http://schemas.microsoft.com/office/drawing/2014/main" id="{EC12B6FE-B68A-6649-B969-94B05654BB72}"/>
               </a:ext>
             </a:extLst>
           </p:cNvPr>
@@ -11783,8 +11776,8 @@
         </p:blipFill>
         <p:spPr>
           <a:xfrm>
-            <a:off x="1355135" y="4405545"/>
-            <a:ext cx="90520" cy="82649"/>
+            <a:off x="1349914" y="4403004"/>
+            <a:ext cx="104842" cy="91167"/>
           </a:xfrm>
           <a:prstGeom prst="rect">
             <a:avLst/>
@@ -11793,10 +11786,10 @@
       </p:pic>
       <p:pic>
         <p:nvPicPr>
-          <p:cNvPr id="322" name="Picture 321">
+          <p:cNvPr id="206" name="Picture 205">
             <a:extLst>
               <a:ext uri="{FF2B5EF4-FFF2-40B4-BE49-F238E27FC236}">
-                <a16:creationId xmlns:a16="http://schemas.microsoft.com/office/drawing/2014/main" id="{1C0189C6-671B-8A4A-8A81-0E86AF3B9AC6}"/>
+                <a16:creationId xmlns:a16="http://schemas.microsoft.com/office/drawing/2014/main" id="{8AF4E4DA-B8B6-374F-999D-0B8AAB6374D3}"/>
               </a:ext>
             </a:extLst>
           </p:cNvPr>
@@ -11813,8 +11806,8 @@
         </p:blipFill>
         <p:spPr>
           <a:xfrm>
-            <a:off x="1356441" y="4658757"/>
-            <a:ext cx="90520" cy="82649"/>
+            <a:off x="1349914" y="4658801"/>
+            <a:ext cx="104842" cy="91167"/>
           </a:xfrm>
           <a:prstGeom prst="rect">
             <a:avLst/>
@@ -11823,10 +11816,10 @@
       </p:pic>
       <p:pic>
         <p:nvPicPr>
-          <p:cNvPr id="323" name="Picture 322">
+          <p:cNvPr id="207" name="Picture 206">
             <a:extLst>
               <a:ext uri="{FF2B5EF4-FFF2-40B4-BE49-F238E27FC236}">
-                <a16:creationId xmlns:a16="http://schemas.microsoft.com/office/drawing/2014/main" id="{AE9742E9-68C3-0643-9CCC-CCDEDB46C969}"/>
+                <a16:creationId xmlns:a16="http://schemas.microsoft.com/office/drawing/2014/main" id="{ABEA2B5E-3689-9F4A-ABA1-86762DDBD172}"/>
               </a:ext>
             </a:extLst>
           </p:cNvPr>
@@ -11843,8 +11836,8 @@
         </p:blipFill>
         <p:spPr>
           <a:xfrm>
-            <a:off x="1351856" y="4983923"/>
-            <a:ext cx="90520" cy="82649"/>
+            <a:off x="1349914" y="4979807"/>
+            <a:ext cx="104842" cy="91167"/>
           </a:xfrm>
           <a:prstGeom prst="rect">
             <a:avLst/>
@@ -11853,10 +11846,10 @@
       </p:pic>
       <p:pic>
         <p:nvPicPr>
-          <p:cNvPr id="324" name="Picture 323">
+          <p:cNvPr id="209" name="Picture 208">
             <a:extLst>
               <a:ext uri="{FF2B5EF4-FFF2-40B4-BE49-F238E27FC236}">
-                <a16:creationId xmlns:a16="http://schemas.microsoft.com/office/drawing/2014/main" id="{239F7453-AA39-B04B-A6C9-535AC2FF1D51}"/>
+                <a16:creationId xmlns:a16="http://schemas.microsoft.com/office/drawing/2014/main" id="{4431BB20-97BC-1143-AF29-CB9D18FAE9C6}"/>
               </a:ext>
             </a:extLst>
           </p:cNvPr>
@@ -11873,8 +11866,8 @@
         </p:blipFill>
         <p:spPr>
           <a:xfrm>
-            <a:off x="1352762" y="5200375"/>
-            <a:ext cx="90520" cy="82649"/>
+            <a:off x="1347781" y="5197696"/>
+            <a:ext cx="104842" cy="91167"/>
           </a:xfrm>
           <a:prstGeom prst="rect">
             <a:avLst/>
@@ -11883,10 +11876,10 @@
       </p:pic>
       <p:pic>
         <p:nvPicPr>
-          <p:cNvPr id="325" name="Picture 324">
+          <p:cNvPr id="210" name="Picture 209">
             <a:extLst>
               <a:ext uri="{FF2B5EF4-FFF2-40B4-BE49-F238E27FC236}">
-                <a16:creationId xmlns:a16="http://schemas.microsoft.com/office/drawing/2014/main" id="{A53E9987-21A2-594B-8743-111E22F5183D}"/>
+                <a16:creationId xmlns:a16="http://schemas.microsoft.com/office/drawing/2014/main" id="{75A8A035-2CB9-7045-AE13-03752C724B4B}"/>
               </a:ext>
             </a:extLst>
           </p:cNvPr>
@@ -11903,8 +11896,8 @@
         </p:blipFill>
         <p:spPr>
           <a:xfrm>
-            <a:off x="1350941" y="5456506"/>
-            <a:ext cx="90520" cy="82649"/>
+            <a:off x="1347781" y="5449362"/>
+            <a:ext cx="104842" cy="91167"/>
           </a:xfrm>
           <a:prstGeom prst="rect">
             <a:avLst/>
@@ -11913,10 +11906,10 @@
       </p:pic>
       <p:pic>
         <p:nvPicPr>
-          <p:cNvPr id="326" name="Picture 325">
+          <p:cNvPr id="212" name="Picture 211">
             <a:extLst>
               <a:ext uri="{FF2B5EF4-FFF2-40B4-BE49-F238E27FC236}">
-                <a16:creationId xmlns:a16="http://schemas.microsoft.com/office/drawing/2014/main" id="{79880586-F6F6-F84F-864F-DF90752B54F5}"/>
+                <a16:creationId xmlns:a16="http://schemas.microsoft.com/office/drawing/2014/main" id="{26F36ECA-7519-CA47-AAB8-6D0A1A954D96}"/>
               </a:ext>
             </a:extLst>
           </p:cNvPr>
@@ -11933,8 +11926,8 @@
         </p:blipFill>
         <p:spPr>
           <a:xfrm>
-            <a:off x="1355135" y="5747140"/>
-            <a:ext cx="90520" cy="82649"/>
+            <a:off x="1354781" y="5743128"/>
+            <a:ext cx="104842" cy="91167"/>
           </a:xfrm>
           <a:prstGeom prst="rect">
             <a:avLst/>
@@ -11943,10 +11936,10 @@
       </p:pic>
       <p:pic>
         <p:nvPicPr>
-          <p:cNvPr id="327" name="Picture 326">
+          <p:cNvPr id="213" name="Picture 212">
             <a:extLst>
               <a:ext uri="{FF2B5EF4-FFF2-40B4-BE49-F238E27FC236}">
-                <a16:creationId xmlns:a16="http://schemas.microsoft.com/office/drawing/2014/main" id="{977B4265-E403-BF4D-9EB4-83BFA13F591E}"/>
+                <a16:creationId xmlns:a16="http://schemas.microsoft.com/office/drawing/2014/main" id="{C599D3EA-C3EB-7645-8186-CEAEFF58085E}"/>
               </a:ext>
             </a:extLst>
           </p:cNvPr>
@@ -11963,8 +11956,8 @@
         </p:blipFill>
         <p:spPr>
           <a:xfrm>
-            <a:off x="1355135" y="5970551"/>
-            <a:ext cx="90520" cy="82649"/>
+            <a:off x="1352648" y="5964456"/>
+            <a:ext cx="104842" cy="91167"/>
           </a:xfrm>
           <a:prstGeom prst="rect">
             <a:avLst/>
@@ -11973,10 +11966,10 @@
       </p:pic>
       <p:pic>
         <p:nvPicPr>
-          <p:cNvPr id="328" name="Picture 327">
+          <p:cNvPr id="215" name="Picture 214">
             <a:extLst>
               <a:ext uri="{FF2B5EF4-FFF2-40B4-BE49-F238E27FC236}">
-                <a16:creationId xmlns:a16="http://schemas.microsoft.com/office/drawing/2014/main" id="{8CE7EE0C-E40C-FD44-9D76-A25AC5A0A97B}"/>
+                <a16:creationId xmlns:a16="http://schemas.microsoft.com/office/drawing/2014/main" id="{2231F13C-A00C-3C4F-A114-33DFF8C60B3A}"/>
               </a:ext>
             </a:extLst>
           </p:cNvPr>
@@ -11993,8 +11986,8 @@
         </p:blipFill>
         <p:spPr>
           <a:xfrm>
-            <a:off x="1355135" y="6222823"/>
-            <a:ext cx="90520" cy="82649"/>
+            <a:off x="1352648" y="6219052"/>
+            <a:ext cx="104842" cy="91167"/>
           </a:xfrm>
           <a:prstGeom prst="rect">
             <a:avLst/>
@@ -12003,10 +11996,10 @@
       </p:pic>
       <p:pic>
         <p:nvPicPr>
-          <p:cNvPr id="329" name="Picture 328">
+          <p:cNvPr id="216" name="Picture 215">
             <a:extLst>
               <a:ext uri="{FF2B5EF4-FFF2-40B4-BE49-F238E27FC236}">
-                <a16:creationId xmlns:a16="http://schemas.microsoft.com/office/drawing/2014/main" id="{2E653FD5-8F16-9F4B-BB77-257A1C4B335C}"/>
+                <a16:creationId xmlns:a16="http://schemas.microsoft.com/office/drawing/2014/main" id="{4DC329B1-428F-7C4E-9EC8-7040D4B2BF2E}"/>
               </a:ext>
             </a:extLst>
           </p:cNvPr>
@@ -12023,8 +12016,8 @@
         </p:blipFill>
         <p:spPr>
           <a:xfrm>
-            <a:off x="2651030" y="6227017"/>
-            <a:ext cx="90520" cy="82649"/>
+            <a:off x="2646141" y="6227678"/>
+            <a:ext cx="104842" cy="91167"/>
           </a:xfrm>
           <a:prstGeom prst="rect">
             <a:avLst/>
@@ -12033,10 +12026,10 @@
       </p:pic>
       <p:pic>
         <p:nvPicPr>
-          <p:cNvPr id="330" name="Picture 329">
+          <p:cNvPr id="218" name="Picture 217">
             <a:extLst>
               <a:ext uri="{FF2B5EF4-FFF2-40B4-BE49-F238E27FC236}">
-                <a16:creationId xmlns:a16="http://schemas.microsoft.com/office/drawing/2014/main" id="{7CE7AD17-A2C4-E24B-ACFD-6031D9521B04}"/>
+                <a16:creationId xmlns:a16="http://schemas.microsoft.com/office/drawing/2014/main" id="{837A4BA6-AAFE-7E46-B6C5-496505ABF279}"/>
               </a:ext>
             </a:extLst>
           </p:cNvPr>
@@ -12053,8 +12046,8 @@
         </p:blipFill>
         <p:spPr>
           <a:xfrm>
-            <a:off x="3617618" y="6229715"/>
-            <a:ext cx="90520" cy="82649"/>
+            <a:off x="2643584" y="4657007"/>
+            <a:ext cx="104842" cy="91167"/>
           </a:xfrm>
           <a:prstGeom prst="rect">
             <a:avLst/>
@@ -12063,10 +12056,10 @@
       </p:pic>
       <p:pic>
         <p:nvPicPr>
-          <p:cNvPr id="331" name="Picture 330">
+          <p:cNvPr id="219" name="Picture 218">
             <a:extLst>
               <a:ext uri="{FF2B5EF4-FFF2-40B4-BE49-F238E27FC236}">
-                <a16:creationId xmlns:a16="http://schemas.microsoft.com/office/drawing/2014/main" id="{F4FB5710-EF4C-E14C-BD17-6D3E00BE6E04}"/>
+                <a16:creationId xmlns:a16="http://schemas.microsoft.com/office/drawing/2014/main" id="{C8E23DD5-B8F0-8146-BACB-C4A73A5ECAE7}"/>
               </a:ext>
             </a:extLst>
           </p:cNvPr>
@@ -12083,8 +12076,8 @@
         </p:blipFill>
         <p:spPr>
           <a:xfrm>
-            <a:off x="4595354" y="6227017"/>
-            <a:ext cx="90520" cy="82649"/>
+            <a:off x="2647897" y="3108934"/>
+            <a:ext cx="104842" cy="91167"/>
           </a:xfrm>
           <a:prstGeom prst="rect">
             <a:avLst/>
@@ -12093,10 +12086,10 @@
       </p:pic>
       <p:pic>
         <p:nvPicPr>
-          <p:cNvPr id="332" name="Picture 331">
+          <p:cNvPr id="221" name="Picture 220">
             <a:extLst>
               <a:ext uri="{FF2B5EF4-FFF2-40B4-BE49-F238E27FC236}">
-                <a16:creationId xmlns:a16="http://schemas.microsoft.com/office/drawing/2014/main" id="{BF6B2245-54BE-1545-A946-11A2E2E902AA}"/>
+                <a16:creationId xmlns:a16="http://schemas.microsoft.com/office/drawing/2014/main" id="{20B2B496-8B24-5D47-9601-F96DB71A8F59}"/>
               </a:ext>
             </a:extLst>
           </p:cNvPr>
@@ -12113,8 +12106,8 @@
         </p:blipFill>
         <p:spPr>
           <a:xfrm>
-            <a:off x="2654767" y="4658693"/>
-            <a:ext cx="90520" cy="82649"/>
+            <a:off x="2657512" y="1548857"/>
+            <a:ext cx="104842" cy="91167"/>
           </a:xfrm>
           <a:prstGeom prst="rect">
             <a:avLst/>
@@ -12123,10 +12116,10 @@
       </p:pic>
       <p:pic>
         <p:nvPicPr>
-          <p:cNvPr id="333" name="Picture 332">
+          <p:cNvPr id="222" name="Picture 221">
             <a:extLst>
               <a:ext uri="{FF2B5EF4-FFF2-40B4-BE49-F238E27FC236}">
-                <a16:creationId xmlns:a16="http://schemas.microsoft.com/office/drawing/2014/main" id="{50D1B528-DF87-B046-9129-595D42FCF80C}"/>
+                <a16:creationId xmlns:a16="http://schemas.microsoft.com/office/drawing/2014/main" id="{C0BD3F89-73D7-0D45-85E6-2CAC23871360}"/>
               </a:ext>
             </a:extLst>
           </p:cNvPr>
@@ -12143,8 +12136,8 @@
         </p:blipFill>
         <p:spPr>
           <a:xfrm>
-            <a:off x="2656825" y="3111175"/>
-            <a:ext cx="90520" cy="82649"/>
+            <a:off x="3606263" y="3102158"/>
+            <a:ext cx="104842" cy="91167"/>
           </a:xfrm>
           <a:prstGeom prst="rect">
             <a:avLst/>
@@ -12153,10 +12146,10 @@
       </p:pic>
       <p:pic>
         <p:nvPicPr>
-          <p:cNvPr id="334" name="Picture 333">
+          <p:cNvPr id="225" name="Picture 224">
             <a:extLst>
               <a:ext uri="{FF2B5EF4-FFF2-40B4-BE49-F238E27FC236}">
-                <a16:creationId xmlns:a16="http://schemas.microsoft.com/office/drawing/2014/main" id="{8563B101-B9D8-924C-98B0-88F6A33C9FA8}"/>
+                <a16:creationId xmlns:a16="http://schemas.microsoft.com/office/drawing/2014/main" id="{597EF729-D6C3-E148-9C98-C6D79B3F86C0}"/>
               </a:ext>
             </a:extLst>
           </p:cNvPr>
@@ -12173,8 +12166,8 @@
         </p:blipFill>
         <p:spPr>
           <a:xfrm>
-            <a:off x="2659371" y="1552330"/>
-            <a:ext cx="90520" cy="82649"/>
+            <a:off x="3610576" y="6223365"/>
+            <a:ext cx="104842" cy="91167"/>
           </a:xfrm>
           <a:prstGeom prst="rect">
             <a:avLst/>
@@ -12183,10 +12176,10 @@
       </p:pic>
       <p:pic>
         <p:nvPicPr>
-          <p:cNvPr id="335" name="Picture 334">
+          <p:cNvPr id="227" name="Picture 226">
             <a:extLst>
               <a:ext uri="{FF2B5EF4-FFF2-40B4-BE49-F238E27FC236}">
-                <a16:creationId xmlns:a16="http://schemas.microsoft.com/office/drawing/2014/main" id="{AAA9C21D-EE7A-5249-87A9-E09CD7451114}"/>
+                <a16:creationId xmlns:a16="http://schemas.microsoft.com/office/drawing/2014/main" id="{D79024FE-84FE-4D4B-8DAE-163DC1460773}"/>
               </a:ext>
             </a:extLst>
           </p:cNvPr>
@@ -12203,8 +12196,8 @@
         </p:blipFill>
         <p:spPr>
           <a:xfrm>
-            <a:off x="3618383" y="3102989"/>
-            <a:ext cx="90520" cy="82649"/>
+            <a:off x="4591704" y="6221357"/>
+            <a:ext cx="104842" cy="91167"/>
           </a:xfrm>
           <a:prstGeom prst="rect">
             <a:avLst/>

--- a/figs/popcount.pptx
+++ b/figs/popcount.pptx
@@ -10731,7 +10731,7 @@
           </p:nvSpPr>
           <p:spPr>
             <a:xfrm>
-              <a:off x="5517114" y="4427034"/>
+              <a:off x="5517114" y="4417177"/>
               <a:ext cx="69528" cy="942067"/>
             </a:xfrm>
             <a:prstGeom prst="leftBrace">

--- a/figs/popcount.pptx
+++ b/figs/popcount.pptx
@@ -197,7 +197,7 @@
           <a:p>
             <a:fld id="{342F19FB-1D9C-D14E-85BC-A448A03E6292}" type="datetimeFigureOut">
               <a:rPr lang="en-US" smtClean="0"/>
-              <a:t>9/19/19</a:t>
+              <a:t>9/20/19</a:t>
             </a:fld>
             <a:endParaRPr lang="en-US"/>
           </a:p>
@@ -695,7 +695,7 @@
           <a:p>
             <a:fld id="{E136C882-6EB2-4F44-96B1-3CA91B52D4B8}" type="datetimeFigureOut">
               <a:rPr lang="en-US" smtClean="0"/>
-              <a:t>9/19/19</a:t>
+              <a:t>9/20/19</a:t>
             </a:fld>
             <a:endParaRPr lang="en-US"/>
           </a:p>
@@ -893,7 +893,7 @@
           <a:p>
             <a:fld id="{E136C882-6EB2-4F44-96B1-3CA91B52D4B8}" type="datetimeFigureOut">
               <a:rPr lang="en-US" smtClean="0"/>
-              <a:t>9/19/19</a:t>
+              <a:t>9/20/19</a:t>
             </a:fld>
             <a:endParaRPr lang="en-US"/>
           </a:p>
@@ -1101,7 +1101,7 @@
           <a:p>
             <a:fld id="{E136C882-6EB2-4F44-96B1-3CA91B52D4B8}" type="datetimeFigureOut">
               <a:rPr lang="en-US" smtClean="0"/>
-              <a:t>9/19/19</a:t>
+              <a:t>9/20/19</a:t>
             </a:fld>
             <a:endParaRPr lang="en-US"/>
           </a:p>
@@ -1299,7 +1299,7 @@
           <a:p>
             <a:fld id="{E136C882-6EB2-4F44-96B1-3CA91B52D4B8}" type="datetimeFigureOut">
               <a:rPr lang="en-US" smtClean="0"/>
-              <a:t>9/19/19</a:t>
+              <a:t>9/20/19</a:t>
             </a:fld>
             <a:endParaRPr lang="en-US"/>
           </a:p>
@@ -1574,7 +1574,7 @@
           <a:p>
             <a:fld id="{E136C882-6EB2-4F44-96B1-3CA91B52D4B8}" type="datetimeFigureOut">
               <a:rPr lang="en-US" smtClean="0"/>
-              <a:t>9/19/19</a:t>
+              <a:t>9/20/19</a:t>
             </a:fld>
             <a:endParaRPr lang="en-US"/>
           </a:p>
@@ -1839,7 +1839,7 @@
           <a:p>
             <a:fld id="{E136C882-6EB2-4F44-96B1-3CA91B52D4B8}" type="datetimeFigureOut">
               <a:rPr lang="en-US" smtClean="0"/>
-              <a:t>9/19/19</a:t>
+              <a:t>9/20/19</a:t>
             </a:fld>
             <a:endParaRPr lang="en-US"/>
           </a:p>
@@ -2251,7 +2251,7 @@
           <a:p>
             <a:fld id="{E136C882-6EB2-4F44-96B1-3CA91B52D4B8}" type="datetimeFigureOut">
               <a:rPr lang="en-US" smtClean="0"/>
-              <a:t>9/19/19</a:t>
+              <a:t>9/20/19</a:t>
             </a:fld>
             <a:endParaRPr lang="en-US"/>
           </a:p>
@@ -2392,7 +2392,7 @@
           <a:p>
             <a:fld id="{E136C882-6EB2-4F44-96B1-3CA91B52D4B8}" type="datetimeFigureOut">
               <a:rPr lang="en-US" smtClean="0"/>
-              <a:t>9/19/19</a:t>
+              <a:t>9/20/19</a:t>
             </a:fld>
             <a:endParaRPr lang="en-US"/>
           </a:p>
@@ -2505,7 +2505,7 @@
           <a:p>
             <a:fld id="{E136C882-6EB2-4F44-96B1-3CA91B52D4B8}" type="datetimeFigureOut">
               <a:rPr lang="en-US" smtClean="0"/>
-              <a:t>9/19/19</a:t>
+              <a:t>9/20/19</a:t>
             </a:fld>
             <a:endParaRPr lang="en-US"/>
           </a:p>
@@ -2816,7 +2816,7 @@
           <a:p>
             <a:fld id="{E136C882-6EB2-4F44-96B1-3CA91B52D4B8}" type="datetimeFigureOut">
               <a:rPr lang="en-US" smtClean="0"/>
-              <a:t>9/19/19</a:t>
+              <a:t>9/20/19</a:t>
             </a:fld>
             <a:endParaRPr lang="en-US"/>
           </a:p>
@@ -3104,7 +3104,7 @@
           <a:p>
             <a:fld id="{E136C882-6EB2-4F44-96B1-3CA91B52D4B8}" type="datetimeFigureOut">
               <a:rPr lang="en-US" smtClean="0"/>
-              <a:t>9/19/19</a:t>
+              <a:t>9/20/19</a:t>
             </a:fld>
             <a:endParaRPr lang="en-US"/>
           </a:p>
@@ -3345,7 +3345,7 @@
           <a:p>
             <a:fld id="{E136C882-6EB2-4F44-96B1-3CA91B52D4B8}" type="datetimeFigureOut">
               <a:rPr lang="en-US" smtClean="0"/>
-              <a:t>9/19/19</a:t>
+              <a:t>9/20/19</a:t>
             </a:fld>
             <a:endParaRPr lang="en-US"/>
           </a:p>
@@ -10766,8 +10766,8 @@
             </a:p>
           </p:txBody>
         </p:sp>
-        <mc:AlternateContent xmlns:mc="http://schemas.openxmlformats.org/markup-compatibility/2006" xmlns:a14="http://schemas.microsoft.com/office/drawing/2010/main">
-          <mc:Choice Requires="a14">
+        <mc:AlternateContent xmlns:mc="http://schemas.openxmlformats.org/markup-compatibility/2006">
+          <mc:Choice xmlns:a14="http://schemas.microsoft.com/office/drawing/2010/main" Requires="a14">
             <p:sp>
               <p:nvSpPr>
                 <p:cNvPr id="310" name="TextBox 309">
@@ -10782,7 +10782,7 @@
               </p:nvSpPr>
               <p:spPr>
                 <a:xfrm rot="16200000">
-                  <a:off x="5007750" y="4751510"/>
+                  <a:off x="5021398" y="4751510"/>
                   <a:ext cx="880667" cy="276999"/>
                 </a:xfrm>
                 <a:prstGeom prst="rect">
@@ -10821,12 +10821,6 @@
                           </a:rPr>
                           <m:t>𝑘</m:t>
                         </m:r>
-                        <m:r>
-                          <a:rPr lang="en-CA" sz="1200" b="0" i="1" smtClean="0">
-                            <a:latin typeface="Cambria Math" panose="02040503050406030204" pitchFamily="18" charset="0"/>
-                          </a:rPr>
-                          <m:t>−1</m:t>
-                        </m:r>
                       </m:oMath>
                     </m:oMathPara>
                   </a14:m>
@@ -10835,7 +10829,7 @@
               </p:txBody>
             </p:sp>
           </mc:Choice>
-          <mc:Fallback xmlns="">
+          <mc:Fallback>
             <p:sp>
               <p:nvSpPr>
                 <p:cNvPr id="310" name="TextBox 309">
@@ -10852,7 +10846,7 @@
               </p:nvSpPr>
               <p:spPr>
                 <a:xfrm rot="16200000">
-                  <a:off x="5007750" y="4751510"/>
+                  <a:off x="5021398" y="4751510"/>
                   <a:ext cx="880667" cy="276999"/>
                 </a:xfrm>
                 <a:prstGeom prst="rect">
@@ -10861,7 +10855,7 @@
                 <a:blipFill>
                   <a:blip r:embed="rId5"/>
                   <a:stretch>
-                    <a:fillRect r="-4545"/>
+                    <a:fillRect r="-4348"/>
                   </a:stretch>
                 </a:blipFill>
               </p:spPr>

--- a/figs/popcount.pptx
+++ b/figs/popcount.pptx
@@ -11078,8 +11078,8 @@
             </p:sp>
           </mc:Fallback>
         </mc:AlternateContent>
-        <mc:AlternateContent xmlns:mc="http://schemas.openxmlformats.org/markup-compatibility/2006" xmlns:a14="http://schemas.microsoft.com/office/drawing/2010/main">
-          <mc:Choice Requires="a14">
+        <mc:AlternateContent xmlns:mc="http://schemas.openxmlformats.org/markup-compatibility/2006">
+          <mc:Choice xmlns:a14="http://schemas.microsoft.com/office/drawing/2010/main" Requires="a14">
             <p:sp>
               <p:nvSpPr>
                 <p:cNvPr id="315" name="TextBox 314">
@@ -11094,8 +11094,8 @@
               </p:nvSpPr>
               <p:spPr>
                 <a:xfrm rot="16200000">
-                  <a:off x="5061269" y="3922379"/>
-                  <a:ext cx="2545633" cy="276999"/>
+                  <a:off x="5249916" y="3884197"/>
+                  <a:ext cx="2276905" cy="276999"/>
                 </a:xfrm>
                 <a:prstGeom prst="rect">
                   <a:avLst/>
@@ -11136,7 +11136,7 @@
                         <a:rPr lang="en-CA" sz="1200" b="0" i="1" smtClean="0">
                           <a:latin typeface="Cambria Math" panose="02040503050406030204" pitchFamily="18" charset="0"/>
                         </a:rPr>
-                        <m:t>−1,</m:t>
+                        <m:t>,</m:t>
                       </m:r>
                       <m:r>
                         <m:rPr>
@@ -11222,7 +11222,7 @@
               </p:txBody>
             </p:sp>
           </mc:Choice>
-          <mc:Fallback xmlns="">
+          <mc:Fallback>
             <p:sp>
               <p:nvSpPr>
                 <p:cNvPr id="315" name="TextBox 314">
@@ -11239,8 +11239,8 @@
               </p:nvSpPr>
               <p:spPr>
                 <a:xfrm rot="16200000">
-                  <a:off x="5061269" y="3922379"/>
-                  <a:ext cx="2545633" cy="276999"/>
+                  <a:off x="5249916" y="3884197"/>
+                  <a:ext cx="2276905" cy="276999"/>
                 </a:xfrm>
                 <a:prstGeom prst="rect">
                   <a:avLst/>

--- a/figs/popcount.pptx
+++ b/figs/popcount.pptx
@@ -197,7 +197,7 @@
           <a:p>
             <a:fld id="{342F19FB-1D9C-D14E-85BC-A448A03E6292}" type="datetimeFigureOut">
               <a:rPr lang="en-US" smtClean="0"/>
-              <a:t>9/20/19</a:t>
+              <a:t>9/22/19</a:t>
             </a:fld>
             <a:endParaRPr lang="en-US"/>
           </a:p>
@@ -695,7 +695,7 @@
           <a:p>
             <a:fld id="{E136C882-6EB2-4F44-96B1-3CA91B52D4B8}" type="datetimeFigureOut">
               <a:rPr lang="en-US" smtClean="0"/>
-              <a:t>9/20/19</a:t>
+              <a:t>9/22/19</a:t>
             </a:fld>
             <a:endParaRPr lang="en-US"/>
           </a:p>
@@ -893,7 +893,7 @@
           <a:p>
             <a:fld id="{E136C882-6EB2-4F44-96B1-3CA91B52D4B8}" type="datetimeFigureOut">
               <a:rPr lang="en-US" smtClean="0"/>
-              <a:t>9/20/19</a:t>
+              <a:t>9/22/19</a:t>
             </a:fld>
             <a:endParaRPr lang="en-US"/>
           </a:p>
@@ -1101,7 +1101,7 @@
           <a:p>
             <a:fld id="{E136C882-6EB2-4F44-96B1-3CA91B52D4B8}" type="datetimeFigureOut">
               <a:rPr lang="en-US" smtClean="0"/>
-              <a:t>9/20/19</a:t>
+              <a:t>9/22/19</a:t>
             </a:fld>
             <a:endParaRPr lang="en-US"/>
           </a:p>
@@ -1299,7 +1299,7 @@
           <a:p>
             <a:fld id="{E136C882-6EB2-4F44-96B1-3CA91B52D4B8}" type="datetimeFigureOut">
               <a:rPr lang="en-US" smtClean="0"/>
-              <a:t>9/20/19</a:t>
+              <a:t>9/22/19</a:t>
             </a:fld>
             <a:endParaRPr lang="en-US"/>
           </a:p>
@@ -1574,7 +1574,7 @@
           <a:p>
             <a:fld id="{E136C882-6EB2-4F44-96B1-3CA91B52D4B8}" type="datetimeFigureOut">
               <a:rPr lang="en-US" smtClean="0"/>
-              <a:t>9/20/19</a:t>
+              <a:t>9/22/19</a:t>
             </a:fld>
             <a:endParaRPr lang="en-US"/>
           </a:p>
@@ -1839,7 +1839,7 @@
           <a:p>
             <a:fld id="{E136C882-6EB2-4F44-96B1-3CA91B52D4B8}" type="datetimeFigureOut">
               <a:rPr lang="en-US" smtClean="0"/>
-              <a:t>9/20/19</a:t>
+              <a:t>9/22/19</a:t>
             </a:fld>
             <a:endParaRPr lang="en-US"/>
           </a:p>
@@ -2251,7 +2251,7 @@
           <a:p>
             <a:fld id="{E136C882-6EB2-4F44-96B1-3CA91B52D4B8}" type="datetimeFigureOut">
               <a:rPr lang="en-US" smtClean="0"/>
-              <a:t>9/20/19</a:t>
+              <a:t>9/22/19</a:t>
             </a:fld>
             <a:endParaRPr lang="en-US"/>
           </a:p>
@@ -2392,7 +2392,7 @@
           <a:p>
             <a:fld id="{E136C882-6EB2-4F44-96B1-3CA91B52D4B8}" type="datetimeFigureOut">
               <a:rPr lang="en-US" smtClean="0"/>
-              <a:t>9/20/19</a:t>
+              <a:t>9/22/19</a:t>
             </a:fld>
             <a:endParaRPr lang="en-US"/>
           </a:p>
@@ -2505,7 +2505,7 @@
           <a:p>
             <a:fld id="{E136C882-6EB2-4F44-96B1-3CA91B52D4B8}" type="datetimeFigureOut">
               <a:rPr lang="en-US" smtClean="0"/>
-              <a:t>9/20/19</a:t>
+              <a:t>9/22/19</a:t>
             </a:fld>
             <a:endParaRPr lang="en-US"/>
           </a:p>
@@ -2816,7 +2816,7 @@
           <a:p>
             <a:fld id="{E136C882-6EB2-4F44-96B1-3CA91B52D4B8}" type="datetimeFigureOut">
               <a:rPr lang="en-US" smtClean="0"/>
-              <a:t>9/20/19</a:t>
+              <a:t>9/22/19</a:t>
             </a:fld>
             <a:endParaRPr lang="en-US"/>
           </a:p>
@@ -3104,7 +3104,7 @@
           <a:p>
             <a:fld id="{E136C882-6EB2-4F44-96B1-3CA91B52D4B8}" type="datetimeFigureOut">
               <a:rPr lang="en-US" smtClean="0"/>
-              <a:t>9/20/19</a:t>
+              <a:t>9/22/19</a:t>
             </a:fld>
             <a:endParaRPr lang="en-US"/>
           </a:p>
@@ -3345,7 +3345,7 @@
           <a:p>
             <a:fld id="{E136C882-6EB2-4F44-96B1-3CA91B52D4B8}" type="datetimeFigureOut">
               <a:rPr lang="en-US" smtClean="0"/>
-              <a:t>9/20/19</a:t>
+              <a:t>9/22/19</a:t>
             </a:fld>
             <a:endParaRPr lang="en-US"/>
           </a:p>
@@ -8606,14 +8606,13 @@
               </p:cNvPr>
               <p:cNvCxnSpPr>
                 <a:cxnSpLocks/>
-                <a:endCxn id="176" idx="6"/>
               </p:cNvCxnSpPr>
               <p:nvPr/>
             </p:nvCxnSpPr>
             <p:spPr>
               <a:xfrm>
                 <a:off x="1417168" y="6664164"/>
-                <a:ext cx="6083176" cy="0"/>
+                <a:ext cx="6189580" cy="0"/>
               </a:xfrm>
               <a:prstGeom prst="line">
                 <a:avLst/>
@@ -10766,8 +10765,8 @@
             </a:p>
           </p:txBody>
         </p:sp>
-        <mc:AlternateContent xmlns:mc="http://schemas.openxmlformats.org/markup-compatibility/2006">
-          <mc:Choice xmlns:a14="http://schemas.microsoft.com/office/drawing/2010/main" Requires="a14">
+        <mc:AlternateContent xmlns:mc="http://schemas.openxmlformats.org/markup-compatibility/2006" xmlns:a14="http://schemas.microsoft.com/office/drawing/2010/main">
+          <mc:Choice Requires="a14">
             <p:sp>
               <p:nvSpPr>
                 <p:cNvPr id="310" name="TextBox 309">
@@ -10829,7 +10828,7 @@
               </p:txBody>
             </p:sp>
           </mc:Choice>
-          <mc:Fallback>
+          <mc:Fallback xmlns="">
             <p:sp>
               <p:nvSpPr>
                 <p:cNvPr id="310" name="TextBox 309">
@@ -11078,8 +11077,8 @@
             </p:sp>
           </mc:Fallback>
         </mc:AlternateContent>
-        <mc:AlternateContent xmlns:mc="http://schemas.openxmlformats.org/markup-compatibility/2006">
-          <mc:Choice xmlns:a14="http://schemas.microsoft.com/office/drawing/2010/main" Requires="a14">
+        <mc:AlternateContent xmlns:mc="http://schemas.openxmlformats.org/markup-compatibility/2006" xmlns:a14="http://schemas.microsoft.com/office/drawing/2010/main">
+          <mc:Choice Requires="a14">
             <p:sp>
               <p:nvSpPr>
                 <p:cNvPr id="315" name="TextBox 314">
@@ -11222,7 +11221,7 @@
               </p:txBody>
             </p:sp>
           </mc:Choice>
-          <mc:Fallback>
+          <mc:Fallback xmlns="">
             <p:sp>
               <p:nvSpPr>
                 <p:cNvPr id="315" name="TextBox 314">
